--- a/idioms/indicator/malicious-email-attachment/diagram.pptx
+++ b/idioms/indicator/malicious-email-attachment/diagram.pptx
@@ -288,7 +288,7 @@
           <a:p>
             <a:fld id="{13F24B86-36D2-4655-BE2F-98B661AC85E1}" type="datetimeFigureOut">
               <a:rPr lang="en-US" smtClean="0"/>
-              <a:t>3/25/2014</a:t>
+              <a:t>3/31/2014</a:t>
             </a:fld>
             <a:endParaRPr lang="en-US"/>
           </a:p>
@@ -458,7 +458,7 @@
           <a:p>
             <a:fld id="{13F24B86-36D2-4655-BE2F-98B661AC85E1}" type="datetimeFigureOut">
               <a:rPr lang="en-US" smtClean="0"/>
-              <a:t>3/25/2014</a:t>
+              <a:t>3/31/2014</a:t>
             </a:fld>
             <a:endParaRPr lang="en-US"/>
           </a:p>
@@ -638,7 +638,7 @@
           <a:p>
             <a:fld id="{13F24B86-36D2-4655-BE2F-98B661AC85E1}" type="datetimeFigureOut">
               <a:rPr lang="en-US" smtClean="0"/>
-              <a:t>3/25/2014</a:t>
+              <a:t>3/31/2014</a:t>
             </a:fld>
             <a:endParaRPr lang="en-US"/>
           </a:p>
@@ -808,7 +808,7 @@
           <a:p>
             <a:fld id="{13F24B86-36D2-4655-BE2F-98B661AC85E1}" type="datetimeFigureOut">
               <a:rPr lang="en-US" smtClean="0"/>
-              <a:t>3/25/2014</a:t>
+              <a:t>3/31/2014</a:t>
             </a:fld>
             <a:endParaRPr lang="en-US"/>
           </a:p>
@@ -1054,7 +1054,7 @@
           <a:p>
             <a:fld id="{13F24B86-36D2-4655-BE2F-98B661AC85E1}" type="datetimeFigureOut">
               <a:rPr lang="en-US" smtClean="0"/>
-              <a:t>3/25/2014</a:t>
+              <a:t>3/31/2014</a:t>
             </a:fld>
             <a:endParaRPr lang="en-US"/>
           </a:p>
@@ -1342,7 +1342,7 @@
           <a:p>
             <a:fld id="{13F24B86-36D2-4655-BE2F-98B661AC85E1}" type="datetimeFigureOut">
               <a:rPr lang="en-US" smtClean="0"/>
-              <a:t>3/25/2014</a:t>
+              <a:t>3/31/2014</a:t>
             </a:fld>
             <a:endParaRPr lang="en-US"/>
           </a:p>
@@ -1764,7 +1764,7 @@
           <a:p>
             <a:fld id="{13F24B86-36D2-4655-BE2F-98B661AC85E1}" type="datetimeFigureOut">
               <a:rPr lang="en-US" smtClean="0"/>
-              <a:t>3/25/2014</a:t>
+              <a:t>3/31/2014</a:t>
             </a:fld>
             <a:endParaRPr lang="en-US"/>
           </a:p>
@@ -1882,7 +1882,7 @@
           <a:p>
             <a:fld id="{13F24B86-36D2-4655-BE2F-98B661AC85E1}" type="datetimeFigureOut">
               <a:rPr lang="en-US" smtClean="0"/>
-              <a:t>3/25/2014</a:t>
+              <a:t>3/31/2014</a:t>
             </a:fld>
             <a:endParaRPr lang="en-US"/>
           </a:p>
@@ -1977,7 +1977,7 @@
           <a:p>
             <a:fld id="{13F24B86-36D2-4655-BE2F-98B661AC85E1}" type="datetimeFigureOut">
               <a:rPr lang="en-US" smtClean="0"/>
-              <a:t>3/25/2014</a:t>
+              <a:t>3/31/2014</a:t>
             </a:fld>
             <a:endParaRPr lang="en-US"/>
           </a:p>
@@ -2254,7 +2254,7 @@
           <a:p>
             <a:fld id="{13F24B86-36D2-4655-BE2F-98B661AC85E1}" type="datetimeFigureOut">
               <a:rPr lang="en-US" smtClean="0"/>
-              <a:t>3/25/2014</a:t>
+              <a:t>3/31/2014</a:t>
             </a:fld>
             <a:endParaRPr lang="en-US"/>
           </a:p>
@@ -2507,7 +2507,7 @@
           <a:p>
             <a:fld id="{13F24B86-36D2-4655-BE2F-98B661AC85E1}" type="datetimeFigureOut">
               <a:rPr lang="en-US" smtClean="0"/>
-              <a:t>3/25/2014</a:t>
+              <a:t>3/31/2014</a:t>
             </a:fld>
             <a:endParaRPr lang="en-US"/>
           </a:p>
@@ -2720,7 +2720,7 @@
           <a:p>
             <a:fld id="{13F24B86-36D2-4655-BE2F-98B661AC85E1}" type="datetimeFigureOut">
               <a:rPr lang="en-US" smtClean="0"/>
-              <a:t>3/25/2014</a:t>
+              <a:t>3/31/2014</a:t>
             </a:fld>
             <a:endParaRPr lang="en-US"/>
           </a:p>
@@ -3097,21 +3097,21 @@
       </p:grpSpPr>
       <p:graphicFrame>
         <p:nvGraphicFramePr>
-          <p:cNvPr id="6" name="Table 5"/>
+          <p:cNvPr id="71" name="Table 70"/>
           <p:cNvGraphicFramePr>
             <a:graphicFrameLocks noGrp="1"/>
           </p:cNvGraphicFramePr>
           <p:nvPr>
             <p:extLst>
               <p:ext uri="{D42A27DB-BD31-4B8C-83A1-F6EECF244321}">
-                <p14:modId xmlns:p14="http://schemas.microsoft.com/office/powerpoint/2010/main" val="2268950419"/>
+                <p14:modId xmlns:p14="http://schemas.microsoft.com/office/powerpoint/2010/main" val="3358773897"/>
               </p:ext>
             </p:extLst>
           </p:nvPr>
         </p:nvGraphicFramePr>
         <p:xfrm>
-          <a:off x="-540293" y="1969751"/>
-          <a:ext cx="5798094" cy="3962400"/>
+          <a:off x="4333875" y="-133350"/>
+          <a:ext cx="5953124" cy="4739640"/>
         </p:xfrm>
         <a:graphic>
           <a:graphicData uri="http://schemas.openxmlformats.org/drawingml/2006/table">
@@ -3120,12 +3120,13 @@
                 <a:tableStyleId>{5C22544A-7EE6-4342-B048-85BDC9FD1C3A}</a:tableStyleId>
               </a:tblPr>
               <a:tblGrid>
-                <a:gridCol w="2035718"/>
-                <a:gridCol w="1360741"/>
-                <a:gridCol w="2401635"/>
+                <a:gridCol w="2047875"/>
+                <a:gridCol w="1381935"/>
+                <a:gridCol w="365133"/>
+                <a:gridCol w="2158181"/>
               </a:tblGrid>
               <a:tr h="175041">
-                <a:tc gridSpan="3">
+                <a:tc gridSpan="4">
                   <a:txBody>
                     <a:bodyPr/>
                     <a:lstStyle/>
@@ -3232,6 +3233,16 @@
                   </a:txBody>
                   <a:tcPr/>
                 </a:tc>
+                <a:tc hMerge="1">
+                  <a:txBody>
+                    <a:bodyPr/>
+                    <a:lstStyle/>
+                    <a:p>
+                      <a:endParaRPr lang="en-US"/>
+                    </a:p>
+                  </a:txBody>
+                  <a:tcPr/>
+                </a:tc>
               </a:tr>
               <a:tr h="144405">
                 <a:tc>
@@ -3267,14 +3278,14 @@
                     </a:lnR>
                   </a:tcPr>
                 </a:tc>
-                <a:tc gridSpan="2">
+                <a:tc gridSpan="3">
                   <a:txBody>
                     <a:bodyPr/>
                     <a:lstStyle/>
                     <a:p>
                       <a:r>
-                        <a:rPr lang="en-US" sz="1100" dirty="0" smtClean="0"/>
-                        <a:t>example:indicator-e8bbe4fe-eef1-4ca9-9195-a3098de27569</a:t>
+                        <a:rPr lang="en-US" sz="1100" b="0" dirty="0" smtClean="0"/>
+                        <a:t>example:indicator-8946253e-a2c0-4413-8313-90c4ee1e5a72</a:t>
                       </a:r>
                       <a:endParaRPr lang="en-US" sz="1100" dirty="0" smtClean="0"/>
                     </a:p>
@@ -3306,6 +3317,16 @@
                       <a:tailEnd type="none" w="med" len="med"/>
                     </a:lnB>
                   </a:tcPr>
+                </a:tc>
+                <a:tc hMerge="1">
+                  <a:txBody>
+                    <a:bodyPr/>
+                    <a:lstStyle/>
+                    <a:p>
+                      <a:endParaRPr lang="en-US"/>
+                    </a:p>
+                  </a:txBody>
+                  <a:tcPr/>
                 </a:tc>
                 <a:tc hMerge="1">
                   <a:txBody>
@@ -3352,16 +3373,15 @@
                     </a:lnR>
                   </a:tcPr>
                 </a:tc>
-                <a:tc gridSpan="2">
+                <a:tc gridSpan="3">
                   <a:txBody>
                     <a:bodyPr/>
                     <a:lstStyle/>
                     <a:p>
                       <a:r>
                         <a:rPr lang="en-US" sz="1100" dirty="0" smtClean="0"/>
-                        <a:t>Malicious E-mail Composite</a:t>
+                        <a:t>Malicious E-mail</a:t>
                       </a:r>
-                      <a:endParaRPr lang="en-US" sz="1100" dirty="0" smtClean="0"/>
                     </a:p>
                   </a:txBody>
                   <a:tcPr>
@@ -3406,6 +3426,16 @@
                       <a:prstDash val="solid"/>
                     </a:lnBlToTr>
                   </a:tcPr>
+                </a:tc>
+                <a:tc hMerge="1">
+                  <a:txBody>
+                    <a:bodyPr/>
+                    <a:lstStyle/>
+                    <a:p>
+                      <a:endParaRPr lang="en-US"/>
+                    </a:p>
+                  </a:txBody>
+                  <a:tcPr/>
                 </a:tc>
                 <a:tc hMerge="1">
                   <a:txBody>
@@ -3452,7 +3482,7 @@
                     </a:lnR>
                   </a:tcPr>
                 </a:tc>
-                <a:tc>
+                <a:tc gridSpan="2">
                   <a:txBody>
                     <a:bodyPr/>
                     <a:lstStyle/>
@@ -3461,7 +3491,6 @@
                         <a:rPr lang="en-US" sz="1100" b="0" dirty="0" smtClean="0"/>
                         <a:t>Malicious E-mail</a:t>
                       </a:r>
-                      <a:endParaRPr lang="en-US" sz="1100" b="0" dirty="0" smtClean="0"/>
                     </a:p>
                   </a:txBody>
                   <a:tcPr>
@@ -3504,6 +3533,16 @@
                       <a:prstDash val="solid"/>
                     </a:lnBlToTr>
                   </a:tcPr>
+                </a:tc>
+                <a:tc hMerge="1">
+                  <a:txBody>
+                    <a:bodyPr/>
+                    <a:lstStyle/>
+                    <a:p>
+                      <a:endParaRPr lang="en-US"/>
+                    </a:p>
+                  </a:txBody>
+                  <a:tcPr/>
                 </a:tc>
                 <a:tc>
                   <a:txBody>
@@ -3573,7 +3612,7 @@
                     <a:p>
                       <a:r>
                         <a:rPr lang="en-US" sz="1100" dirty="0" smtClean="0"/>
-                        <a:t>Composite Indicator Expression</a:t>
+                        <a:t>Observable</a:t>
                       </a:r>
                       <a:endParaRPr lang="en-US" sz="1100" b="0" dirty="0"/>
                     </a:p>
@@ -3599,7 +3638,7 @@
                     </a:lnR>
                   </a:tcPr>
                 </a:tc>
-                <a:tc gridSpan="2">
+                <a:tc gridSpan="3">
                   <a:txBody>
                     <a:bodyPr/>
                     <a:lstStyle/>
@@ -3649,6 +3688,16 @@
                       <a:prstDash val="solid"/>
                     </a:lnBlToTr>
                   </a:tcPr>
+                </a:tc>
+                <a:tc hMerge="1">
+                  <a:txBody>
+                    <a:bodyPr/>
+                    <a:lstStyle/>
+                    <a:p>
+                      <a:endParaRPr lang="en-US"/>
+                    </a:p>
+                  </a:txBody>
+                  <a:tcPr/>
                 </a:tc>
                 <a:tc hMerge="1">
                   <a:txBody>
@@ -3669,11 +3718,7 @@
                     <a:p>
                       <a:r>
                         <a:rPr lang="en-US" sz="1100" dirty="0" smtClean="0"/>
-                        <a:t>    </a:t>
-                      </a:r>
-                      <a:r>
-                        <a:rPr lang="en-US" sz="1100" dirty="0" smtClean="0"/>
-                        <a:t>Operator</a:t>
+                        <a:t>    Object</a:t>
                       </a:r>
                       <a:endParaRPr lang="en-US" sz="1100" b="0" dirty="0"/>
                     </a:p>
@@ -3699,15 +3744,11 @@
                     </a:lnR>
                   </a:tcPr>
                 </a:tc>
-                <a:tc gridSpan="2">
-                  <a:txBody>
-                    <a:bodyPr/>
-                    <a:lstStyle/>
-                    <a:p>
-                      <a:r>
-                        <a:rPr lang="en-US" sz="1100" b="0" dirty="0" smtClean="0"/>
-                        <a:t>AND</a:t>
-                      </a:r>
+                <a:tc gridSpan="3">
+                  <a:txBody>
+                    <a:bodyPr/>
+                    <a:lstStyle/>
+                    <a:p>
                       <a:endParaRPr lang="en-US" sz="1100" b="0" dirty="0" smtClean="0"/>
                     </a:p>
                   </a:txBody>
@@ -3753,6 +3794,16 @@
                       <a:prstDash val="solid"/>
                     </a:lnBlToTr>
                   </a:tcPr>
+                </a:tc>
+                <a:tc hMerge="1">
+                  <a:txBody>
+                    <a:bodyPr/>
+                    <a:lstStyle/>
+                    <a:p>
+                      <a:endParaRPr lang="en-US"/>
+                    </a:p>
+                  </a:txBody>
+                  <a:tcPr/>
                 </a:tc>
                 <a:tc hMerge="1">
                   <a:txBody>
@@ -3773,11 +3824,7 @@
                     <a:p>
                       <a:r>
                         <a:rPr lang="en-US" sz="1100" b="0" dirty="0" smtClean="0"/>
-                        <a:t>    </a:t>
-                      </a:r>
-                      <a:r>
-                        <a:rPr lang="en-US" sz="1100" b="0" dirty="0" smtClean="0"/>
-                        <a:t>Indicator</a:t>
+                        <a:t>        Properties</a:t>
                       </a:r>
                       <a:endParaRPr lang="en-US" sz="1100" b="0" dirty="0"/>
                     </a:p>
@@ -3803,2098 +3850,7 @@
                     </a:lnR>
                   </a:tcPr>
                 </a:tc>
-                <a:tc gridSpan="2">
-                  <a:txBody>
-                    <a:bodyPr/>
-                    <a:lstStyle/>
-                    <a:p>
-                      <a:pPr algn="r"/>
-                      <a:endParaRPr lang="en-US" sz="1100" b="0" dirty="0" smtClean="0">
-                        <a:solidFill>
-                          <a:schemeClr val="bg1">
-                            <a:lumMod val="50000"/>
-                          </a:schemeClr>
-                        </a:solidFill>
-                      </a:endParaRPr>
-                    </a:p>
-                  </a:txBody>
-                  <a:tcPr>
-                    <a:lnL w="12700" cap="flat" cmpd="sng" algn="ctr">
-                      <a:solidFill>
-                        <a:schemeClr val="tx1"/>
-                      </a:solidFill>
-                      <a:prstDash val="solid"/>
-                      <a:round/>
-                      <a:headEnd type="none" w="med" len="med"/>
-                      <a:tailEnd type="none" w="med" len="med"/>
-                    </a:lnL>
-                    <a:lnR w="12700" cap="flat" cmpd="sng" algn="ctr">
-                      <a:solidFill>
-                        <a:schemeClr val="tx1"/>
-                      </a:solidFill>
-                      <a:prstDash val="solid"/>
-                      <a:round/>
-                      <a:headEnd type="none" w="med" len="med"/>
-                      <a:tailEnd type="none" w="med" len="med"/>
-                    </a:lnR>
-                    <a:lnT w="12700" cap="flat" cmpd="sng" algn="ctr">
-                      <a:noFill/>
-                      <a:prstDash val="solid"/>
-                      <a:round/>
-                      <a:headEnd type="none" w="med" len="med"/>
-                      <a:tailEnd type="none" w="med" len="med"/>
-                    </a:lnT>
-                    <a:lnB w="12700" cap="flat" cmpd="sng" algn="ctr">
-                      <a:noFill/>
-                      <a:prstDash val="solid"/>
-                      <a:round/>
-                      <a:headEnd type="none" w="med" len="med"/>
-                      <a:tailEnd type="none" w="med" len="med"/>
-                    </a:lnB>
-                    <a:lnTlToBr w="12700" cmpd="sng">
-                      <a:noFill/>
-                      <a:prstDash val="solid"/>
-                    </a:lnTlToBr>
-                    <a:lnBlToTr w="12700" cmpd="sng">
-                      <a:noFill/>
-                      <a:prstDash val="solid"/>
-                    </a:lnBlToTr>
-                  </a:tcPr>
-                </a:tc>
-                <a:tc hMerge="1">
-                  <a:txBody>
-                    <a:bodyPr/>
-                    <a:lstStyle/>
-                    <a:p>
-                      <a:pPr algn="r"/>
-                      <a:endParaRPr lang="en-US" sz="1100" b="0" dirty="0" smtClean="0">
-                        <a:solidFill>
-                          <a:schemeClr val="bg1">
-                            <a:lumMod val="50000"/>
-                          </a:schemeClr>
-                        </a:solidFill>
-                      </a:endParaRPr>
-                    </a:p>
-                  </a:txBody>
-                  <a:tcPr>
-                    <a:lnL w="12700" cap="flat" cmpd="sng" algn="ctr">
-                      <a:noFill/>
-                      <a:prstDash val="solid"/>
-                      <a:round/>
-                      <a:headEnd type="none" w="med" len="med"/>
-                      <a:tailEnd type="none" w="med" len="med"/>
-                    </a:lnL>
-                    <a:lnR w="12700" cap="flat" cmpd="sng" algn="ctr">
-                      <a:solidFill>
-                        <a:schemeClr val="tx1"/>
-                      </a:solidFill>
-                      <a:prstDash val="solid"/>
-                      <a:round/>
-                      <a:headEnd type="none" w="med" len="med"/>
-                      <a:tailEnd type="none" w="med" len="med"/>
-                    </a:lnR>
-                    <a:lnT w="12700" cap="flat" cmpd="sng" algn="ctr">
-                      <a:noFill/>
-                      <a:prstDash val="solid"/>
-                      <a:round/>
-                      <a:headEnd type="none" w="med" len="med"/>
-                      <a:tailEnd type="none" w="med" len="med"/>
-                    </a:lnT>
-                    <a:lnB w="12700" cap="flat" cmpd="sng" algn="ctr">
-                      <a:noFill/>
-                      <a:prstDash val="solid"/>
-                      <a:round/>
-                      <a:headEnd type="none" w="med" len="med"/>
-                      <a:tailEnd type="none" w="med" len="med"/>
-                    </a:lnB>
-                    <a:lnTlToBr w="12700" cmpd="sng">
-                      <a:noFill/>
-                      <a:prstDash val="solid"/>
-                    </a:lnTlToBr>
-                    <a:lnBlToTr w="12700" cmpd="sng">
-                      <a:noFill/>
-                      <a:prstDash val="solid"/>
-                    </a:lnBlToTr>
-                  </a:tcPr>
-                </a:tc>
-              </a:tr>
-              <a:tr h="144405">
-                <a:tc>
-                  <a:txBody>
-                    <a:bodyPr/>
-                    <a:lstStyle/>
-                    <a:p>
-                      <a:r>
-                        <a:rPr lang="en-US" sz="1100" b="0" dirty="0" smtClean="0"/>
-                        <a:t>        </a:t>
-                      </a:r>
-                      <a:r>
-                        <a:rPr lang="en-US" sz="1100" b="0" dirty="0" err="1" smtClean="0"/>
-                        <a:t>idref</a:t>
-                      </a:r>
-                      <a:endParaRPr lang="en-US" sz="1100" b="0" dirty="0"/>
-                    </a:p>
-                  </a:txBody>
-                  <a:tcPr>
-                    <a:lnL w="12700" cap="flat" cmpd="sng" algn="ctr">
-                      <a:solidFill>
-                        <a:schemeClr val="tx1"/>
-                      </a:solidFill>
-                      <a:prstDash val="solid"/>
-                      <a:round/>
-                      <a:headEnd type="none" w="med" len="med"/>
-                      <a:tailEnd type="none" w="med" len="med"/>
-                    </a:lnL>
-                    <a:lnR w="12700" cap="flat" cmpd="sng" algn="ctr">
-                      <a:solidFill>
-                        <a:schemeClr val="tx1"/>
-                      </a:solidFill>
-                      <a:prstDash val="solid"/>
-                      <a:round/>
-                      <a:headEnd type="none" w="med" len="med"/>
-                      <a:tailEnd type="none" w="med" len="med"/>
-                    </a:lnR>
-                  </a:tcPr>
-                </a:tc>
-                <a:tc gridSpan="2">
-                  <a:txBody>
-                    <a:bodyPr/>
-                    <a:lstStyle/>
-                    <a:p>
-                      <a:r>
-                        <a:rPr lang="en-US" sz="1100" b="0" dirty="0" smtClean="0"/>
-                        <a:t>example:indicator-462964e9-b50a-4f83-8907-260a0d3c1d6e</a:t>
-                      </a:r>
-                      <a:endParaRPr lang="en-US" sz="1100" b="0" dirty="0" smtClean="0"/>
-                    </a:p>
-                  </a:txBody>
-                  <a:tcPr>
-                    <a:lnL w="12700" cap="flat" cmpd="sng" algn="ctr">
-                      <a:solidFill>
-                        <a:schemeClr val="tx1"/>
-                      </a:solidFill>
-                      <a:prstDash val="solid"/>
-                      <a:round/>
-                      <a:headEnd type="none" w="med" len="med"/>
-                      <a:tailEnd type="none" w="med" len="med"/>
-                    </a:lnL>
-                    <a:lnR w="12700" cap="flat" cmpd="sng" algn="ctr">
-                      <a:solidFill>
-                        <a:schemeClr val="tx1"/>
-                      </a:solidFill>
-                      <a:prstDash val="solid"/>
-                      <a:round/>
-                      <a:headEnd type="none" w="med" len="med"/>
-                      <a:tailEnd type="none" w="med" len="med"/>
-                    </a:lnR>
-                    <a:lnT w="12700" cap="flat" cmpd="sng" algn="ctr">
-                      <a:noFill/>
-                      <a:prstDash val="solid"/>
-                      <a:round/>
-                      <a:headEnd type="none" w="med" len="med"/>
-                      <a:tailEnd type="none" w="med" len="med"/>
-                    </a:lnT>
-                    <a:lnB w="12700" cap="flat" cmpd="sng" algn="ctr">
-                      <a:noFill/>
-                      <a:prstDash val="solid"/>
-                      <a:round/>
-                      <a:headEnd type="none" w="med" len="med"/>
-                      <a:tailEnd type="none" w="med" len="med"/>
-                    </a:lnB>
-                    <a:lnTlToBr w="12700" cmpd="sng">
-                      <a:noFill/>
-                      <a:prstDash val="solid"/>
-                    </a:lnTlToBr>
-                    <a:lnBlToTr w="12700" cmpd="sng">
-                      <a:noFill/>
-                      <a:prstDash val="solid"/>
-                    </a:lnBlToTr>
-                  </a:tcPr>
-                </a:tc>
-                <a:tc hMerge="1">
-                  <a:txBody>
-                    <a:bodyPr/>
-                    <a:lstStyle/>
-                    <a:p>
-                      <a:pPr algn="r"/>
-                      <a:endParaRPr lang="en-US" sz="1100" b="0" dirty="0" smtClean="0">
-                        <a:solidFill>
-                          <a:schemeClr val="bg1">
-                            <a:lumMod val="50000"/>
-                          </a:schemeClr>
-                        </a:solidFill>
-                      </a:endParaRPr>
-                    </a:p>
-                  </a:txBody>
-                  <a:tcPr>
-                    <a:lnL w="12700" cap="flat" cmpd="sng" algn="ctr">
-                      <a:noFill/>
-                      <a:prstDash val="solid"/>
-                      <a:round/>
-                      <a:headEnd type="none" w="med" len="med"/>
-                      <a:tailEnd type="none" w="med" len="med"/>
-                    </a:lnL>
-                    <a:lnR w="12700" cap="flat" cmpd="sng" algn="ctr">
-                      <a:solidFill>
-                        <a:schemeClr val="tx1"/>
-                      </a:solidFill>
-                      <a:prstDash val="solid"/>
-                      <a:round/>
-                      <a:headEnd type="none" w="med" len="med"/>
-                      <a:tailEnd type="none" w="med" len="med"/>
-                    </a:lnR>
-                    <a:lnT w="12700" cap="flat" cmpd="sng" algn="ctr">
-                      <a:noFill/>
-                      <a:prstDash val="solid"/>
-                      <a:round/>
-                      <a:headEnd type="none" w="med" len="med"/>
-                      <a:tailEnd type="none" w="med" len="med"/>
-                    </a:lnT>
-                    <a:lnB w="12700" cap="flat" cmpd="sng" algn="ctr">
-                      <a:noFill/>
-                      <a:prstDash val="solid"/>
-                      <a:round/>
-                      <a:headEnd type="none" w="med" len="med"/>
-                      <a:tailEnd type="none" w="med" len="med"/>
-                    </a:lnB>
-                    <a:lnTlToBr w="12700" cmpd="sng">
-                      <a:noFill/>
-                      <a:prstDash val="solid"/>
-                    </a:lnTlToBr>
-                    <a:lnBlToTr w="12700" cmpd="sng">
-                      <a:noFill/>
-                      <a:prstDash val="solid"/>
-                    </a:lnBlToTr>
-                  </a:tcPr>
-                </a:tc>
-              </a:tr>
-              <a:tr h="144405">
-                <a:tc>
-                  <a:txBody>
-                    <a:bodyPr/>
-                    <a:lstStyle/>
-                    <a:p>
-                      <a:r>
-                        <a:rPr lang="en-US" sz="1100" b="0" dirty="0" smtClean="0"/>
-                        <a:t>    Indicator</a:t>
-                      </a:r>
-                      <a:endParaRPr lang="en-US" sz="1100" b="0" dirty="0"/>
-                    </a:p>
-                  </a:txBody>
-                  <a:tcPr>
-                    <a:lnL w="12700" cap="flat" cmpd="sng" algn="ctr">
-                      <a:solidFill>
-                        <a:schemeClr val="tx1"/>
-                      </a:solidFill>
-                      <a:prstDash val="solid"/>
-                      <a:round/>
-                      <a:headEnd type="none" w="med" len="med"/>
-                      <a:tailEnd type="none" w="med" len="med"/>
-                    </a:lnL>
-                    <a:lnR w="12700" cap="flat" cmpd="sng" algn="ctr">
-                      <a:solidFill>
-                        <a:schemeClr val="tx1"/>
-                      </a:solidFill>
-                      <a:prstDash val="solid"/>
-                      <a:round/>
-                      <a:headEnd type="none" w="med" len="med"/>
-                      <a:tailEnd type="none" w="med" len="med"/>
-                    </a:lnR>
-                  </a:tcPr>
-                </a:tc>
-                <a:tc gridSpan="2">
-                  <a:txBody>
-                    <a:bodyPr/>
-                    <a:lstStyle/>
-                    <a:p>
-                      <a:endParaRPr lang="en-US" sz="1100" b="0" dirty="0" smtClean="0">
-                        <a:solidFill>
-                          <a:schemeClr val="bg1">
-                            <a:lumMod val="50000"/>
-                          </a:schemeClr>
-                        </a:solidFill>
-                      </a:endParaRPr>
-                    </a:p>
-                  </a:txBody>
-                  <a:tcPr>
-                    <a:lnL w="12700" cap="flat" cmpd="sng" algn="ctr">
-                      <a:solidFill>
-                        <a:schemeClr val="tx1"/>
-                      </a:solidFill>
-                      <a:prstDash val="solid"/>
-                      <a:round/>
-                      <a:headEnd type="none" w="med" len="med"/>
-                      <a:tailEnd type="none" w="med" len="med"/>
-                    </a:lnL>
-                    <a:lnR w="12700" cap="flat" cmpd="sng" algn="ctr">
-                      <a:solidFill>
-                        <a:schemeClr val="tx1"/>
-                      </a:solidFill>
-                      <a:prstDash val="solid"/>
-                      <a:round/>
-                      <a:headEnd type="none" w="med" len="med"/>
-                      <a:tailEnd type="none" w="med" len="med"/>
-                    </a:lnR>
-                    <a:lnT w="12700" cap="flat" cmpd="sng" algn="ctr">
-                      <a:noFill/>
-                      <a:prstDash val="solid"/>
-                      <a:round/>
-                      <a:headEnd type="none" w="med" len="med"/>
-                      <a:tailEnd type="none" w="med" len="med"/>
-                    </a:lnT>
-                    <a:lnB w="12700" cap="flat" cmpd="sng" algn="ctr">
-                      <a:noFill/>
-                      <a:prstDash val="solid"/>
-                      <a:round/>
-                      <a:headEnd type="none" w="med" len="med"/>
-                      <a:tailEnd type="none" w="med" len="med"/>
-                    </a:lnB>
-                    <a:lnTlToBr w="12700" cmpd="sng">
-                      <a:noFill/>
-                      <a:prstDash val="solid"/>
-                    </a:lnTlToBr>
-                    <a:lnBlToTr w="12700" cmpd="sng">
-                      <a:noFill/>
-                      <a:prstDash val="solid"/>
-                    </a:lnBlToTr>
-                  </a:tcPr>
-                </a:tc>
-                <a:tc hMerge="1">
-                  <a:txBody>
-                    <a:bodyPr/>
-                    <a:lstStyle/>
-                    <a:p>
-                      <a:pPr algn="r"/>
-                      <a:endParaRPr lang="en-US" sz="1100" b="0" dirty="0" smtClean="0">
-                        <a:solidFill>
-                          <a:schemeClr val="bg1">
-                            <a:lumMod val="50000"/>
-                          </a:schemeClr>
-                        </a:solidFill>
-                      </a:endParaRPr>
-                    </a:p>
-                  </a:txBody>
-                  <a:tcPr>
-                    <a:lnL w="12700" cap="flat" cmpd="sng" algn="ctr">
-                      <a:noFill/>
-                      <a:prstDash val="solid"/>
-                      <a:round/>
-                      <a:headEnd type="none" w="med" len="med"/>
-                      <a:tailEnd type="none" w="med" len="med"/>
-                    </a:lnL>
-                    <a:lnR w="12700" cap="flat" cmpd="sng" algn="ctr">
-                      <a:solidFill>
-                        <a:schemeClr val="tx1"/>
-                      </a:solidFill>
-                      <a:prstDash val="solid"/>
-                      <a:round/>
-                      <a:headEnd type="none" w="med" len="med"/>
-                      <a:tailEnd type="none" w="med" len="med"/>
-                    </a:lnR>
-                    <a:lnT w="12700" cap="flat" cmpd="sng" algn="ctr">
-                      <a:noFill/>
-                      <a:prstDash val="solid"/>
-                      <a:round/>
-                      <a:headEnd type="none" w="med" len="med"/>
-                      <a:tailEnd type="none" w="med" len="med"/>
-                    </a:lnT>
-                    <a:lnB w="12700" cap="flat" cmpd="sng" algn="ctr">
-                      <a:noFill/>
-                      <a:prstDash val="solid"/>
-                      <a:round/>
-                      <a:headEnd type="none" w="med" len="med"/>
-                      <a:tailEnd type="none" w="med" len="med"/>
-                    </a:lnB>
-                    <a:lnTlToBr w="12700" cmpd="sng">
-                      <a:noFill/>
-                      <a:prstDash val="solid"/>
-                    </a:lnTlToBr>
-                    <a:lnBlToTr w="12700" cmpd="sng">
-                      <a:noFill/>
-                      <a:prstDash val="solid"/>
-                    </a:lnBlToTr>
-                  </a:tcPr>
-                </a:tc>
-              </a:tr>
-              <a:tr h="144405">
-                <a:tc>
-                  <a:txBody>
-                    <a:bodyPr/>
-                    <a:lstStyle/>
-                    <a:p>
-                      <a:r>
-                        <a:rPr lang="en-US" sz="1100" b="0" dirty="0" smtClean="0"/>
-                        <a:t>        </a:t>
-                      </a:r>
-                      <a:r>
-                        <a:rPr lang="en-US" sz="1100" b="0" dirty="0" err="1" smtClean="0"/>
-                        <a:t>idref</a:t>
-                      </a:r>
-                      <a:endParaRPr lang="en-US" sz="1100" b="0" dirty="0"/>
-                    </a:p>
-                  </a:txBody>
-                  <a:tcPr>
-                    <a:lnL w="12700" cap="flat" cmpd="sng" algn="ctr">
-                      <a:solidFill>
-                        <a:schemeClr val="tx1"/>
-                      </a:solidFill>
-                      <a:prstDash val="solid"/>
-                      <a:round/>
-                      <a:headEnd type="none" w="med" len="med"/>
-                      <a:tailEnd type="none" w="med" len="med"/>
-                    </a:lnL>
-                    <a:lnR w="12700" cap="flat" cmpd="sng" algn="ctr">
-                      <a:solidFill>
-                        <a:schemeClr val="tx1"/>
-                      </a:solidFill>
-                      <a:prstDash val="solid"/>
-                      <a:round/>
-                      <a:headEnd type="none" w="med" len="med"/>
-                      <a:tailEnd type="none" w="med" len="med"/>
-                    </a:lnR>
-                  </a:tcPr>
-                </a:tc>
-                <a:tc gridSpan="2">
-                  <a:txBody>
-                    <a:bodyPr/>
-                    <a:lstStyle/>
-                    <a:p>
-                      <a:pPr marL="0" marR="0" indent="0" algn="l" defTabSz="914400" rtl="0" eaLnBrk="1" fontAlgn="auto" latinLnBrk="0" hangingPunct="1">
-                        <a:lnSpc>
-                          <a:spcPct val="100000"/>
-                        </a:lnSpc>
-                        <a:spcBef>
-                          <a:spcPts val="0"/>
-                        </a:spcBef>
-                        <a:spcAft>
-                          <a:spcPts val="0"/>
-                        </a:spcAft>
-                        <a:buClrTx/>
-                        <a:buSzTx/>
-                        <a:buFontTx/>
-                        <a:buNone/>
-                        <a:tabLst/>
-                        <a:defRPr/>
-                      </a:pPr>
-                      <a:r>
-                        <a:rPr lang="en-US" sz="1100" b="0" dirty="0" smtClean="0"/>
-                        <a:t>example:indicator-63d40185-a653-4c70-a10f-8d2db3ca747e</a:t>
-                      </a:r>
-                    </a:p>
-                  </a:txBody>
-                  <a:tcPr>
-                    <a:lnL w="12700" cap="flat" cmpd="sng" algn="ctr">
-                      <a:solidFill>
-                        <a:schemeClr val="tx1"/>
-                      </a:solidFill>
-                      <a:prstDash val="solid"/>
-                      <a:round/>
-                      <a:headEnd type="none" w="med" len="med"/>
-                      <a:tailEnd type="none" w="med" len="med"/>
-                    </a:lnL>
-                    <a:lnR w="12700" cap="flat" cmpd="sng" algn="ctr">
-                      <a:solidFill>
-                        <a:schemeClr val="tx1"/>
-                      </a:solidFill>
-                      <a:prstDash val="solid"/>
-                      <a:round/>
-                      <a:headEnd type="none" w="med" len="med"/>
-                      <a:tailEnd type="none" w="med" len="med"/>
-                    </a:lnR>
-                    <a:lnT w="12700" cap="flat" cmpd="sng" algn="ctr">
-                      <a:noFill/>
-                      <a:prstDash val="solid"/>
-                      <a:round/>
-                      <a:headEnd type="none" w="med" len="med"/>
-                      <a:tailEnd type="none" w="med" len="med"/>
-                    </a:lnT>
-                    <a:lnB w="12700" cap="flat" cmpd="sng" algn="ctr">
-                      <a:noFill/>
-                      <a:prstDash val="solid"/>
-                      <a:round/>
-                      <a:headEnd type="none" w="med" len="med"/>
-                      <a:tailEnd type="none" w="med" len="med"/>
-                    </a:lnB>
-                    <a:lnTlToBr w="12700" cmpd="sng">
-                      <a:noFill/>
-                      <a:prstDash val="solid"/>
-                    </a:lnTlToBr>
-                    <a:lnBlToTr w="12700" cmpd="sng">
-                      <a:noFill/>
-                      <a:prstDash val="solid"/>
-                    </a:lnBlToTr>
-                  </a:tcPr>
-                </a:tc>
-                <a:tc hMerge="1">
-                  <a:txBody>
-                    <a:bodyPr/>
-                    <a:lstStyle/>
-                    <a:p>
-                      <a:pPr algn="r"/>
-                      <a:endParaRPr lang="en-US" sz="1100" b="0" dirty="0" smtClean="0">
-                        <a:solidFill>
-                          <a:schemeClr val="bg1">
-                            <a:lumMod val="50000"/>
-                          </a:schemeClr>
-                        </a:solidFill>
-                      </a:endParaRPr>
-                    </a:p>
-                  </a:txBody>
-                  <a:tcPr>
-                    <a:lnL w="12700" cap="flat" cmpd="sng" algn="ctr">
-                      <a:noFill/>
-                      <a:prstDash val="solid"/>
-                      <a:round/>
-                      <a:headEnd type="none" w="med" len="med"/>
-                      <a:tailEnd type="none" w="med" len="med"/>
-                    </a:lnL>
-                    <a:lnR w="12700" cap="flat" cmpd="sng" algn="ctr">
-                      <a:solidFill>
-                        <a:schemeClr val="tx1"/>
-                      </a:solidFill>
-                      <a:prstDash val="solid"/>
-                      <a:round/>
-                      <a:headEnd type="none" w="med" len="med"/>
-                      <a:tailEnd type="none" w="med" len="med"/>
-                    </a:lnR>
-                    <a:lnT w="12700" cap="flat" cmpd="sng" algn="ctr">
-                      <a:noFill/>
-                      <a:prstDash val="solid"/>
-                      <a:round/>
-                      <a:headEnd type="none" w="med" len="med"/>
-                      <a:tailEnd type="none" w="med" len="med"/>
-                    </a:lnT>
-                    <a:lnB w="12700" cap="flat" cmpd="sng" algn="ctr">
-                      <a:noFill/>
-                      <a:prstDash val="solid"/>
-                      <a:round/>
-                      <a:headEnd type="none" w="med" len="med"/>
-                      <a:tailEnd type="none" w="med" len="med"/>
-                    </a:lnB>
-                    <a:lnTlToBr w="12700" cmpd="sng">
-                      <a:noFill/>
-                      <a:prstDash val="solid"/>
-                    </a:lnTlToBr>
-                    <a:lnBlToTr w="12700" cmpd="sng">
-                      <a:noFill/>
-                      <a:prstDash val="solid"/>
-                    </a:lnBlToTr>
-                  </a:tcPr>
-                </a:tc>
-              </a:tr>
-              <a:tr h="144405">
-                <a:tc>
-                  <a:txBody>
-                    <a:bodyPr/>
-                    <a:lstStyle/>
-                    <a:p>
-                      <a:r>
-                        <a:rPr lang="en-US" sz="1100" b="0" dirty="0" smtClean="0"/>
-                        <a:t>Indicated TTP</a:t>
-                      </a:r>
-                      <a:endParaRPr lang="en-US" sz="1100" b="0" dirty="0"/>
-                    </a:p>
-                  </a:txBody>
-                  <a:tcPr>
-                    <a:lnL w="12700" cap="flat" cmpd="sng" algn="ctr">
-                      <a:solidFill>
-                        <a:schemeClr val="tx1"/>
-                      </a:solidFill>
-                      <a:prstDash val="solid"/>
-                      <a:round/>
-                      <a:headEnd type="none" w="med" len="med"/>
-                      <a:tailEnd type="none" w="med" len="med"/>
-                    </a:lnL>
-                    <a:lnR w="12700" cap="flat" cmpd="sng" algn="ctr">
-                      <a:solidFill>
-                        <a:schemeClr val="tx1"/>
-                      </a:solidFill>
-                      <a:prstDash val="solid"/>
-                      <a:round/>
-                      <a:headEnd type="none" w="med" len="med"/>
-                      <a:tailEnd type="none" w="med" len="med"/>
-                    </a:lnR>
-                  </a:tcPr>
-                </a:tc>
-                <a:tc>
-                  <a:txBody>
-                    <a:bodyPr/>
-                    <a:lstStyle/>
-                    <a:p>
-                      <a:endParaRPr lang="en-US" sz="1100" b="0" dirty="0" smtClean="0"/>
-                    </a:p>
-                  </a:txBody>
-                  <a:tcPr>
-                    <a:lnL w="12700" cap="flat" cmpd="sng" algn="ctr">
-                      <a:solidFill>
-                        <a:schemeClr val="tx1"/>
-                      </a:solidFill>
-                      <a:prstDash val="solid"/>
-                      <a:round/>
-                      <a:headEnd type="none" w="med" len="med"/>
-                      <a:tailEnd type="none" w="med" len="med"/>
-                    </a:lnL>
-                    <a:lnR w="12700" cap="flat" cmpd="sng" algn="ctr">
-                      <a:noFill/>
-                      <a:prstDash val="solid"/>
-                      <a:round/>
-                      <a:headEnd type="none" w="med" len="med"/>
-                      <a:tailEnd type="none" w="med" len="med"/>
-                    </a:lnR>
-                    <a:lnT w="12700" cap="flat" cmpd="sng" algn="ctr">
-                      <a:noFill/>
-                      <a:prstDash val="solid"/>
-                      <a:round/>
-                      <a:headEnd type="none" w="med" len="med"/>
-                      <a:tailEnd type="none" w="med" len="med"/>
-                    </a:lnT>
-                    <a:lnB w="12700" cap="flat" cmpd="sng" algn="ctr">
-                      <a:noFill/>
-                      <a:prstDash val="solid"/>
-                      <a:round/>
-                      <a:headEnd type="none" w="med" len="med"/>
-                      <a:tailEnd type="none" w="med" len="med"/>
-                    </a:lnB>
-                    <a:lnTlToBr w="12700" cmpd="sng">
-                      <a:noFill/>
-                      <a:prstDash val="solid"/>
-                    </a:lnTlToBr>
-                    <a:lnBlToTr w="12700" cmpd="sng">
-                      <a:noFill/>
-                      <a:prstDash val="solid"/>
-                    </a:lnBlToTr>
-                  </a:tcPr>
-                </a:tc>
-                <a:tc>
-                  <a:txBody>
-                    <a:bodyPr/>
-                    <a:lstStyle/>
-                    <a:p>
-                      <a:pPr algn="r"/>
-                      <a:endParaRPr lang="en-US" sz="1100" b="0" dirty="0" smtClean="0">
-                        <a:solidFill>
-                          <a:schemeClr val="bg1">
-                            <a:lumMod val="50000"/>
-                          </a:schemeClr>
-                        </a:solidFill>
-                      </a:endParaRPr>
-                    </a:p>
-                  </a:txBody>
-                  <a:tcPr>
-                    <a:lnL w="12700" cap="flat" cmpd="sng" algn="ctr">
-                      <a:noFill/>
-                      <a:prstDash val="solid"/>
-                      <a:round/>
-                      <a:headEnd type="none" w="med" len="med"/>
-                      <a:tailEnd type="none" w="med" len="med"/>
-                    </a:lnL>
-                    <a:lnR w="12700" cap="flat" cmpd="sng" algn="ctr">
-                      <a:solidFill>
-                        <a:schemeClr val="tx1"/>
-                      </a:solidFill>
-                      <a:prstDash val="solid"/>
-                      <a:round/>
-                      <a:headEnd type="none" w="med" len="med"/>
-                      <a:tailEnd type="none" w="med" len="med"/>
-                    </a:lnR>
-                    <a:lnT w="12700" cap="flat" cmpd="sng" algn="ctr">
-                      <a:noFill/>
-                      <a:prstDash val="solid"/>
-                      <a:round/>
-                      <a:headEnd type="none" w="med" len="med"/>
-                      <a:tailEnd type="none" w="med" len="med"/>
-                    </a:lnT>
-                    <a:lnB w="12700" cap="flat" cmpd="sng" algn="ctr">
-                      <a:noFill/>
-                      <a:prstDash val="solid"/>
-                      <a:round/>
-                      <a:headEnd type="none" w="med" len="med"/>
-                      <a:tailEnd type="none" w="med" len="med"/>
-                    </a:lnB>
-                    <a:lnTlToBr w="12700" cmpd="sng">
-                      <a:noFill/>
-                      <a:prstDash val="solid"/>
-                    </a:lnTlToBr>
-                    <a:lnBlToTr w="12700" cmpd="sng">
-                      <a:noFill/>
-                      <a:prstDash val="solid"/>
-                    </a:lnBlToTr>
-                  </a:tcPr>
-                </a:tc>
-              </a:tr>
-              <a:tr h="144405">
-                <a:tc>
-                  <a:txBody>
-                    <a:bodyPr/>
-                    <a:lstStyle/>
-                    <a:p>
-                      <a:r>
-                        <a:rPr lang="en-US" sz="1100" b="0" dirty="0" smtClean="0"/>
-                        <a:t>    TTP</a:t>
-                      </a:r>
-                      <a:endParaRPr lang="en-US" sz="1100" b="0" dirty="0"/>
-                    </a:p>
-                  </a:txBody>
-                  <a:tcPr>
-                    <a:lnL w="12700" cap="flat" cmpd="sng" algn="ctr">
-                      <a:solidFill>
-                        <a:schemeClr val="tx1"/>
-                      </a:solidFill>
-                      <a:prstDash val="solid"/>
-                      <a:round/>
-                      <a:headEnd type="none" w="med" len="med"/>
-                      <a:tailEnd type="none" w="med" len="med"/>
-                    </a:lnL>
-                    <a:lnR w="12700" cap="flat" cmpd="sng" algn="ctr">
-                      <a:solidFill>
-                        <a:schemeClr val="tx1"/>
-                      </a:solidFill>
-                      <a:prstDash val="solid"/>
-                      <a:round/>
-                      <a:headEnd type="none" w="med" len="med"/>
-                      <a:tailEnd type="none" w="med" len="med"/>
-                    </a:lnR>
-                  </a:tcPr>
-                </a:tc>
-                <a:tc gridSpan="2">
-                  <a:txBody>
-                    <a:bodyPr/>
-                    <a:lstStyle/>
-                    <a:p>
-                      <a:endParaRPr lang="en-US" sz="1100" b="0" dirty="0" smtClean="0"/>
-                    </a:p>
-                  </a:txBody>
-                  <a:tcPr>
-                    <a:lnL w="12700" cap="flat" cmpd="sng" algn="ctr">
-                      <a:solidFill>
-                        <a:schemeClr val="tx1"/>
-                      </a:solidFill>
-                      <a:prstDash val="solid"/>
-                      <a:round/>
-                      <a:headEnd type="none" w="med" len="med"/>
-                      <a:tailEnd type="none" w="med" len="med"/>
-                    </a:lnL>
-                    <a:lnR w="12700" cap="flat" cmpd="sng" algn="ctr">
-                      <a:solidFill>
-                        <a:schemeClr val="tx1"/>
-                      </a:solidFill>
-                      <a:prstDash val="solid"/>
-                      <a:round/>
-                      <a:headEnd type="none" w="med" len="med"/>
-                      <a:tailEnd type="none" w="med" len="med"/>
-                    </a:lnR>
-                    <a:lnT w="12700" cap="flat" cmpd="sng" algn="ctr">
-                      <a:noFill/>
-                      <a:prstDash val="solid"/>
-                      <a:round/>
-                      <a:headEnd type="none" w="med" len="med"/>
-                      <a:tailEnd type="none" w="med" len="med"/>
-                    </a:lnT>
-                    <a:lnB w="12700" cap="flat" cmpd="sng" algn="ctr">
-                      <a:noFill/>
-                      <a:prstDash val="solid"/>
-                      <a:round/>
-                      <a:headEnd type="none" w="med" len="med"/>
-                      <a:tailEnd type="none" w="med" len="med"/>
-                    </a:lnB>
-                    <a:lnTlToBr w="12700" cmpd="sng">
-                      <a:noFill/>
-                      <a:prstDash val="solid"/>
-                    </a:lnTlToBr>
-                    <a:lnBlToTr w="12700" cmpd="sng">
-                      <a:noFill/>
-                      <a:prstDash val="solid"/>
-                    </a:lnBlToTr>
-                  </a:tcPr>
-                </a:tc>
-                <a:tc hMerge="1">
-                  <a:txBody>
-                    <a:bodyPr/>
-                    <a:lstStyle/>
-                    <a:p>
-                      <a:pPr algn="r"/>
-                      <a:endParaRPr lang="en-US" sz="1100" b="0" dirty="0" smtClean="0">
-                        <a:solidFill>
-                          <a:schemeClr val="bg1">
-                            <a:lumMod val="50000"/>
-                          </a:schemeClr>
-                        </a:solidFill>
-                      </a:endParaRPr>
-                    </a:p>
-                  </a:txBody>
-                  <a:tcPr>
-                    <a:lnL w="12700" cap="flat" cmpd="sng" algn="ctr">
-                      <a:noFill/>
-                      <a:prstDash val="solid"/>
-                      <a:round/>
-                      <a:headEnd type="none" w="med" len="med"/>
-                      <a:tailEnd type="none" w="med" len="med"/>
-                    </a:lnL>
-                    <a:lnR w="12700" cap="flat" cmpd="sng" algn="ctr">
-                      <a:solidFill>
-                        <a:schemeClr val="tx1"/>
-                      </a:solidFill>
-                      <a:prstDash val="solid"/>
-                      <a:round/>
-                      <a:headEnd type="none" w="med" len="med"/>
-                      <a:tailEnd type="none" w="med" len="med"/>
-                    </a:lnR>
-                    <a:lnT w="12700" cap="flat" cmpd="sng" algn="ctr">
-                      <a:noFill/>
-                      <a:prstDash val="solid"/>
-                      <a:round/>
-                      <a:headEnd type="none" w="med" len="med"/>
-                      <a:tailEnd type="none" w="med" len="med"/>
-                    </a:lnT>
-                    <a:lnB w="12700" cap="flat" cmpd="sng" algn="ctr">
-                      <a:noFill/>
-                      <a:prstDash val="solid"/>
-                      <a:round/>
-                      <a:headEnd type="none" w="med" len="med"/>
-                      <a:tailEnd type="none" w="med" len="med"/>
-                    </a:lnB>
-                    <a:lnTlToBr w="12700" cmpd="sng">
-                      <a:noFill/>
-                      <a:prstDash val="solid"/>
-                    </a:lnTlToBr>
-                    <a:lnBlToTr w="12700" cmpd="sng">
-                      <a:noFill/>
-                      <a:prstDash val="solid"/>
-                    </a:lnBlToTr>
-                  </a:tcPr>
-                </a:tc>
-              </a:tr>
-              <a:tr h="144405">
-                <a:tc>
-                  <a:txBody>
-                    <a:bodyPr/>
-                    <a:lstStyle/>
-                    <a:p>
-                      <a:r>
-                        <a:rPr lang="en-US" sz="1100" b="0" dirty="0" smtClean="0"/>
-                        <a:t>        </a:t>
-                      </a:r>
-                      <a:r>
-                        <a:rPr lang="en-US" sz="1100" b="0" dirty="0" err="1" smtClean="0"/>
-                        <a:t>idref</a:t>
-                      </a:r>
-                      <a:endParaRPr lang="en-US" sz="1100" b="0" dirty="0"/>
-                    </a:p>
-                  </a:txBody>
-                  <a:tcPr>
-                    <a:lnL w="12700" cap="flat" cmpd="sng" algn="ctr">
-                      <a:solidFill>
-                        <a:schemeClr val="tx1"/>
-                      </a:solidFill>
-                      <a:prstDash val="solid"/>
-                      <a:round/>
-                      <a:headEnd type="none" w="med" len="med"/>
-                      <a:tailEnd type="none" w="med" len="med"/>
-                    </a:lnL>
-                    <a:lnR w="12700" cap="flat" cmpd="sng" algn="ctr">
-                      <a:solidFill>
-                        <a:schemeClr val="tx1"/>
-                      </a:solidFill>
-                      <a:prstDash val="solid"/>
-                      <a:round/>
-                      <a:headEnd type="none" w="med" len="med"/>
-                      <a:tailEnd type="none" w="med" len="med"/>
-                    </a:lnR>
-                  </a:tcPr>
-                </a:tc>
-                <a:tc gridSpan="2">
-                  <a:txBody>
-                    <a:bodyPr/>
-                    <a:lstStyle/>
-                    <a:p>
-                      <a:r>
-                        <a:rPr lang="en-US" sz="1100" b="0" dirty="0" smtClean="0">
-                          <a:solidFill>
-                            <a:schemeClr val="tx1"/>
-                          </a:solidFill>
-                        </a:rPr>
-                        <a:t>example:ttp-c32a6ab5-17b0-4bf4-b85b-a1f4f54d2ecd</a:t>
-                      </a:r>
-                      <a:endParaRPr lang="en-US" sz="1100" b="0" dirty="0" smtClean="0">
-                        <a:solidFill>
-                          <a:schemeClr val="tx1"/>
-                        </a:solidFill>
-                      </a:endParaRPr>
-                    </a:p>
-                  </a:txBody>
-                  <a:tcPr>
-                    <a:lnL w="12700" cap="flat" cmpd="sng" algn="ctr">
-                      <a:solidFill>
-                        <a:schemeClr val="tx1"/>
-                      </a:solidFill>
-                      <a:prstDash val="solid"/>
-                      <a:round/>
-                      <a:headEnd type="none" w="med" len="med"/>
-                      <a:tailEnd type="none" w="med" len="med"/>
-                    </a:lnL>
-                    <a:lnR w="12700" cap="flat" cmpd="sng" algn="ctr">
-                      <a:solidFill>
-                        <a:schemeClr val="tx1"/>
-                      </a:solidFill>
-                      <a:prstDash val="solid"/>
-                      <a:round/>
-                      <a:headEnd type="none" w="med" len="med"/>
-                      <a:tailEnd type="none" w="med" len="med"/>
-                    </a:lnR>
-                    <a:lnT w="12700" cap="flat" cmpd="sng" algn="ctr">
-                      <a:noFill/>
-                      <a:prstDash val="solid"/>
-                      <a:round/>
-                      <a:headEnd type="none" w="med" len="med"/>
-                      <a:tailEnd type="none" w="med" len="med"/>
-                    </a:lnT>
-                    <a:lnB w="12700" cap="flat" cmpd="sng" algn="ctr">
-                      <a:noFill/>
-                      <a:prstDash val="solid"/>
-                      <a:round/>
-                      <a:headEnd type="none" w="med" len="med"/>
-                      <a:tailEnd type="none" w="med" len="med"/>
-                    </a:lnB>
-                    <a:lnTlToBr w="12700" cmpd="sng">
-                      <a:noFill/>
-                      <a:prstDash val="solid"/>
-                    </a:lnTlToBr>
-                    <a:lnBlToTr w="12700" cmpd="sng">
-                      <a:noFill/>
-                      <a:prstDash val="solid"/>
-                    </a:lnBlToTr>
-                  </a:tcPr>
-                </a:tc>
-                <a:tc hMerge="1">
-                  <a:txBody>
-                    <a:bodyPr/>
-                    <a:lstStyle/>
-                    <a:p>
-                      <a:pPr algn="r"/>
-                      <a:endParaRPr lang="en-US" sz="1100" b="0" dirty="0" smtClean="0">
-                        <a:solidFill>
-                          <a:schemeClr val="bg1">
-                            <a:lumMod val="50000"/>
-                          </a:schemeClr>
-                        </a:solidFill>
-                      </a:endParaRPr>
-                    </a:p>
-                  </a:txBody>
-                  <a:tcPr>
-                    <a:lnL w="12700" cap="flat" cmpd="sng" algn="ctr">
-                      <a:noFill/>
-                      <a:prstDash val="solid"/>
-                      <a:round/>
-                      <a:headEnd type="none" w="med" len="med"/>
-                      <a:tailEnd type="none" w="med" len="med"/>
-                    </a:lnL>
-                    <a:lnR w="12700" cap="flat" cmpd="sng" algn="ctr">
-                      <a:solidFill>
-                        <a:schemeClr val="tx1"/>
-                      </a:solidFill>
-                      <a:prstDash val="solid"/>
-                      <a:round/>
-                      <a:headEnd type="none" w="med" len="med"/>
-                      <a:tailEnd type="none" w="med" len="med"/>
-                    </a:lnR>
-                    <a:lnT w="12700" cap="flat" cmpd="sng" algn="ctr">
-                      <a:noFill/>
-                      <a:prstDash val="solid"/>
-                      <a:round/>
-                      <a:headEnd type="none" w="med" len="med"/>
-                      <a:tailEnd type="none" w="med" len="med"/>
-                    </a:lnT>
-                    <a:lnB w="12700" cap="flat" cmpd="sng" algn="ctr">
-                      <a:solidFill>
-                        <a:schemeClr val="tx1"/>
-                      </a:solidFill>
-                      <a:prstDash val="solid"/>
-                      <a:round/>
-                      <a:headEnd type="none" w="med" len="med"/>
-                      <a:tailEnd type="none" w="med" len="med"/>
-                    </a:lnB>
-                    <a:lnTlToBr w="12700" cmpd="sng">
-                      <a:noFill/>
-                      <a:prstDash val="solid"/>
-                    </a:lnTlToBr>
-                    <a:lnBlToTr w="12700" cmpd="sng">
-                      <a:noFill/>
-                      <a:prstDash val="solid"/>
-                    </a:lnBlToTr>
-                  </a:tcPr>
-                </a:tc>
-              </a:tr>
-              <a:tr h="144405">
-                <a:tc>
-                  <a:txBody>
-                    <a:bodyPr/>
-                    <a:lstStyle/>
-                    <a:p>
-                      <a:r>
-                        <a:rPr lang="en-US" sz="1100" b="0" dirty="0" smtClean="0"/>
-                        <a:t>Confidence</a:t>
-                      </a:r>
-                      <a:endParaRPr lang="en-US" sz="1100" b="0" dirty="0"/>
-                    </a:p>
-                  </a:txBody>
-                  <a:tcPr>
-                    <a:lnL w="12700" cap="flat" cmpd="sng" algn="ctr">
-                      <a:solidFill>
-                        <a:schemeClr val="tx1"/>
-                      </a:solidFill>
-                      <a:prstDash val="solid"/>
-                      <a:round/>
-                      <a:headEnd type="none" w="med" len="med"/>
-                      <a:tailEnd type="none" w="med" len="med"/>
-                    </a:lnL>
-                    <a:lnR w="12700" cap="flat" cmpd="sng" algn="ctr">
-                      <a:solidFill>
-                        <a:schemeClr val="tx1"/>
-                      </a:solidFill>
-                      <a:prstDash val="solid"/>
-                      <a:round/>
-                      <a:headEnd type="none" w="med" len="med"/>
-                      <a:tailEnd type="none" w="med" len="med"/>
-                    </a:lnR>
-                  </a:tcPr>
-                </a:tc>
-                <a:tc gridSpan="2">
-                  <a:txBody>
-                    <a:bodyPr/>
-                    <a:lstStyle/>
-                    <a:p>
-                      <a:endParaRPr lang="en-US" sz="1100" b="0" dirty="0" smtClean="0">
-                        <a:solidFill>
-                          <a:schemeClr val="tx1"/>
-                        </a:solidFill>
-                      </a:endParaRPr>
-                    </a:p>
-                  </a:txBody>
-                  <a:tcPr>
-                    <a:lnL w="12700" cap="flat" cmpd="sng" algn="ctr">
-                      <a:solidFill>
-                        <a:schemeClr val="tx1"/>
-                      </a:solidFill>
-                      <a:prstDash val="solid"/>
-                      <a:round/>
-                      <a:headEnd type="none" w="med" len="med"/>
-                      <a:tailEnd type="none" w="med" len="med"/>
-                    </a:lnL>
-                    <a:lnR w="12700" cap="flat" cmpd="sng" algn="ctr">
-                      <a:solidFill>
-                        <a:schemeClr val="tx1"/>
-                      </a:solidFill>
-                      <a:prstDash val="solid"/>
-                      <a:round/>
-                      <a:headEnd type="none" w="med" len="med"/>
-                      <a:tailEnd type="none" w="med" len="med"/>
-                    </a:lnR>
-                    <a:lnT w="12700" cap="flat" cmpd="sng" algn="ctr">
-                      <a:noFill/>
-                      <a:prstDash val="solid"/>
-                      <a:round/>
-                      <a:headEnd type="none" w="med" len="med"/>
-                      <a:tailEnd type="none" w="med" len="med"/>
-                    </a:lnT>
-                    <a:lnB w="12700" cap="flat" cmpd="sng" algn="ctr">
-                      <a:noFill/>
-                      <a:prstDash val="solid"/>
-                      <a:round/>
-                      <a:headEnd type="none" w="med" len="med"/>
-                      <a:tailEnd type="none" w="med" len="med"/>
-                    </a:lnB>
-                    <a:lnTlToBr w="12700" cmpd="sng">
-                      <a:noFill/>
-                      <a:prstDash val="solid"/>
-                    </a:lnTlToBr>
-                    <a:lnBlToTr w="12700" cmpd="sng">
-                      <a:noFill/>
-                      <a:prstDash val="solid"/>
-                    </a:lnBlToTr>
-                  </a:tcPr>
-                </a:tc>
-                <a:tc hMerge="1">
-                  <a:txBody>
-                    <a:bodyPr/>
-                    <a:lstStyle/>
-                    <a:p>
-                      <a:endParaRPr lang="en-US"/>
-                    </a:p>
-                  </a:txBody>
-                  <a:tcPr/>
-                </a:tc>
-              </a:tr>
-              <a:tr h="144405">
-                <a:tc>
-                  <a:txBody>
-                    <a:bodyPr/>
-                    <a:lstStyle/>
-                    <a:p>
-                      <a:r>
-                        <a:rPr lang="en-US" sz="1100" b="0" dirty="0" smtClean="0"/>
-                        <a:t>    Value</a:t>
-                      </a:r>
-                      <a:endParaRPr lang="en-US" sz="1100" b="0" dirty="0"/>
-                    </a:p>
-                  </a:txBody>
-                  <a:tcPr>
-                    <a:lnL w="12700" cap="flat" cmpd="sng" algn="ctr">
-                      <a:solidFill>
-                        <a:schemeClr val="tx1"/>
-                      </a:solidFill>
-                      <a:prstDash val="solid"/>
-                      <a:round/>
-                      <a:headEnd type="none" w="med" len="med"/>
-                      <a:tailEnd type="none" w="med" len="med"/>
-                    </a:lnL>
-                    <a:lnR w="12700" cap="flat" cmpd="sng" algn="ctr">
-                      <a:solidFill>
-                        <a:schemeClr val="tx1"/>
-                      </a:solidFill>
-                      <a:prstDash val="solid"/>
-                      <a:round/>
-                      <a:headEnd type="none" w="med" len="med"/>
-                      <a:tailEnd type="none" w="med" len="med"/>
-                    </a:lnR>
-                    <a:lnB w="12700" cap="flat" cmpd="sng" algn="ctr">
-                      <a:solidFill>
-                        <a:schemeClr val="tx1"/>
-                      </a:solidFill>
-                      <a:prstDash val="solid"/>
-                      <a:round/>
-                      <a:headEnd type="none" w="med" len="med"/>
-                      <a:tailEnd type="none" w="med" len="med"/>
-                    </a:lnB>
-                  </a:tcPr>
-                </a:tc>
-                <a:tc>
-                  <a:txBody>
-                    <a:bodyPr/>
-                    <a:lstStyle/>
-                    <a:p>
-                      <a:r>
-                        <a:rPr lang="en-US" sz="1100" b="0" dirty="0" smtClean="0"/>
-                        <a:t>High</a:t>
-                      </a:r>
-                      <a:endParaRPr lang="en-US" sz="1100" b="0" dirty="0" smtClean="0"/>
-                    </a:p>
-                  </a:txBody>
-                  <a:tcPr>
-                    <a:lnL w="12700" cap="flat" cmpd="sng" algn="ctr">
-                      <a:solidFill>
-                        <a:schemeClr val="tx1"/>
-                      </a:solidFill>
-                      <a:prstDash val="solid"/>
-                      <a:round/>
-                      <a:headEnd type="none" w="med" len="med"/>
-                      <a:tailEnd type="none" w="med" len="med"/>
-                    </a:lnL>
-                    <a:lnR w="12700" cap="flat" cmpd="sng" algn="ctr">
-                      <a:solidFill>
-                        <a:schemeClr val="tx1"/>
-                      </a:solidFill>
-                      <a:prstDash val="solid"/>
-                      <a:round/>
-                      <a:headEnd type="none" w="med" len="med"/>
-                      <a:tailEnd type="none" w="med" len="med"/>
-                    </a:lnR>
-                    <a:lnT w="12700" cap="flat" cmpd="sng" algn="ctr">
-                      <a:noFill/>
-                      <a:prstDash val="solid"/>
-                      <a:round/>
-                      <a:headEnd type="none" w="med" len="med"/>
-                      <a:tailEnd type="none" w="med" len="med"/>
-                    </a:lnT>
-                    <a:lnB w="12700" cap="flat" cmpd="sng" algn="ctr">
-                      <a:solidFill>
-                        <a:schemeClr val="tx1"/>
-                      </a:solidFill>
-                      <a:prstDash val="solid"/>
-                      <a:round/>
-                      <a:headEnd type="none" w="med" len="med"/>
-                      <a:tailEnd type="none" w="med" len="med"/>
-                    </a:lnB>
-                    <a:lnTlToBr w="12700" cmpd="sng">
-                      <a:noFill/>
-                      <a:prstDash val="solid"/>
-                    </a:lnTlToBr>
-                    <a:lnBlToTr w="12700" cmpd="sng">
-                      <a:noFill/>
-                      <a:prstDash val="solid"/>
-                    </a:lnBlToTr>
-                  </a:tcPr>
-                </a:tc>
-                <a:tc>
-                  <a:txBody>
-                    <a:bodyPr/>
-                    <a:lstStyle/>
-                    <a:p>
-                      <a:pPr algn="r"/>
-                      <a:r>
-                        <a:rPr lang="en-US" sz="1100" b="0" dirty="0" smtClean="0">
-                          <a:solidFill>
-                            <a:schemeClr val="bg1">
-                              <a:lumMod val="50000"/>
-                            </a:schemeClr>
-                          </a:solidFill>
-                        </a:rPr>
-                        <a:t>HighMediumLowVocab-1.0</a:t>
-                      </a:r>
-                    </a:p>
-                  </a:txBody>
-                  <a:tcPr>
-                    <a:lnR w="12700" cap="flat" cmpd="sng" algn="ctr">
-                      <a:solidFill>
-                        <a:schemeClr val="tx1"/>
-                      </a:solidFill>
-                      <a:prstDash val="solid"/>
-                      <a:round/>
-                      <a:headEnd type="none" w="med" len="med"/>
-                      <a:tailEnd type="none" w="med" len="med"/>
-                    </a:lnR>
-                    <a:lnB w="12700" cap="flat" cmpd="sng" algn="ctr">
-                      <a:solidFill>
-                        <a:schemeClr val="tx1"/>
-                      </a:solidFill>
-                      <a:prstDash val="solid"/>
-                      <a:round/>
-                      <a:headEnd type="none" w="med" len="med"/>
-                      <a:tailEnd type="none" w="med" len="med"/>
-                    </a:lnB>
-                  </a:tcPr>
-                </a:tc>
-              </a:tr>
-            </a:tbl>
-          </a:graphicData>
-        </a:graphic>
-      </p:graphicFrame>
-      <p:graphicFrame>
-        <p:nvGraphicFramePr>
-          <p:cNvPr id="9" name="Table 8"/>
-          <p:cNvGraphicFramePr>
-            <a:graphicFrameLocks noGrp="1"/>
-          </p:cNvGraphicFramePr>
-          <p:nvPr>
-            <p:extLst>
-              <p:ext uri="{D42A27DB-BD31-4B8C-83A1-F6EECF244321}">
-                <p14:modId xmlns:p14="http://schemas.microsoft.com/office/powerpoint/2010/main" val="4011447811"/>
-              </p:ext>
-            </p:extLst>
-          </p:nvPr>
-        </p:nvGraphicFramePr>
-        <p:xfrm>
-          <a:off x="5927182" y="-140989"/>
-          <a:ext cx="4674143" cy="5242560"/>
-        </p:xfrm>
-        <a:graphic>
-          <a:graphicData uri="http://schemas.openxmlformats.org/drawingml/2006/table">
-            <a:tbl>
-              <a:tblPr firstRow="1" bandRow="1">
-                <a:tableStyleId>{5C22544A-7EE6-4342-B048-85BDC9FD1C3A}</a:tableStyleId>
-              </a:tblPr>
-              <a:tblGrid>
-                <a:gridCol w="1845218"/>
-                <a:gridCol w="847725"/>
-                <a:gridCol w="286687"/>
-                <a:gridCol w="1694513"/>
-              </a:tblGrid>
-              <a:tr h="175041">
-                <a:tc gridSpan="4">
-                  <a:txBody>
-                    <a:bodyPr/>
-                    <a:lstStyle/>
-                    <a:p>
-                      <a:pPr algn="ctr"/>
-                      <a:r>
-                        <a:rPr lang="en-US" sz="1600" dirty="0" smtClean="0">
-                          <a:solidFill>
-                            <a:schemeClr val="bg1"/>
-                          </a:solidFill>
-                        </a:rPr>
-                        <a:t>Indicator</a:t>
-                      </a:r>
-                      <a:endParaRPr lang="en-US" sz="1600" b="1" dirty="0">
-                        <a:solidFill>
-                          <a:schemeClr val="bg1"/>
-                        </a:solidFill>
-                      </a:endParaRPr>
-                    </a:p>
-                  </a:txBody>
-                  <a:tcPr>
-                    <a:lnL w="12700" cap="flat" cmpd="sng" algn="ctr">
-                      <a:solidFill>
-                        <a:schemeClr val="tx1"/>
-                      </a:solidFill>
-                      <a:prstDash val="solid"/>
-                      <a:round/>
-                      <a:headEnd type="none" w="med" len="med"/>
-                      <a:tailEnd type="none" w="med" len="med"/>
-                    </a:lnL>
-                    <a:lnR w="12700" cap="flat" cmpd="sng" algn="ctr">
-                      <a:solidFill>
-                        <a:schemeClr val="tx1"/>
-                      </a:solidFill>
-                      <a:prstDash val="solid"/>
-                      <a:round/>
-                      <a:headEnd type="none" w="med" len="med"/>
-                      <a:tailEnd type="none" w="med" len="med"/>
-                    </a:lnR>
-                    <a:lnT w="12700" cap="flat" cmpd="sng" algn="ctr">
-                      <a:solidFill>
-                        <a:schemeClr val="tx1"/>
-                      </a:solidFill>
-                      <a:prstDash val="solid"/>
-                      <a:round/>
-                      <a:headEnd type="none" w="med" len="med"/>
-                      <a:tailEnd type="none" w="med" len="med"/>
-                    </a:lnT>
-                    <a:solidFill>
-                      <a:schemeClr val="accent1">
-                        <a:lumMod val="75000"/>
-                      </a:schemeClr>
-                    </a:solidFill>
-                  </a:tcPr>
-                </a:tc>
-                <a:tc hMerge="1">
-                  <a:txBody>
-                    <a:bodyPr/>
-                    <a:lstStyle/>
-                    <a:p>
-                      <a:endParaRPr lang="en-US" sz="1200" dirty="0"/>
-                    </a:p>
-                  </a:txBody>
-                  <a:tcPr>
-                    <a:lnL w="12700" cap="flat" cmpd="sng" algn="ctr">
-                      <a:noFill/>
-                      <a:prstDash val="solid"/>
-                      <a:round/>
-                      <a:headEnd type="none" w="med" len="med"/>
-                      <a:tailEnd type="none" w="med" len="med"/>
-                    </a:lnL>
-                    <a:lnR w="9525" cap="flat" cmpd="sng" algn="ctr">
-                      <a:noFill/>
-                      <a:prstDash val="solid"/>
-                    </a:lnR>
-                    <a:lnT w="9525" cap="flat" cmpd="sng" algn="ctr">
-                      <a:noFill/>
-                      <a:prstDash val="solid"/>
-                    </a:lnT>
-                    <a:lnB w="12700" cap="flat" cmpd="sng" algn="ctr">
-                      <a:noFill/>
-                      <a:prstDash val="solid"/>
-                      <a:round/>
-                      <a:headEnd type="none" w="med" len="med"/>
-                      <a:tailEnd type="none" w="med" len="med"/>
-                    </a:lnB>
-                    <a:lnTlToBr w="12700" cmpd="sng">
-                      <a:noFill/>
-                      <a:prstDash val="solid"/>
-                    </a:lnTlToBr>
-                    <a:lnBlToTr w="12700" cmpd="sng">
-                      <a:noFill/>
-                      <a:prstDash val="solid"/>
-                    </a:lnBlToTr>
-                  </a:tcPr>
-                </a:tc>
-                <a:tc hMerge="1">
-                  <a:txBody>
-                    <a:bodyPr/>
-                    <a:lstStyle/>
-                    <a:p>
-                      <a:endParaRPr lang="en-US"/>
-                    </a:p>
-                  </a:txBody>
-                  <a:tcPr/>
-                </a:tc>
-                <a:tc hMerge="1">
-                  <a:txBody>
-                    <a:bodyPr/>
-                    <a:lstStyle/>
-                    <a:p>
-                      <a:endParaRPr lang="en-US"/>
-                    </a:p>
-                  </a:txBody>
-                  <a:tcPr/>
-                </a:tc>
-              </a:tr>
-              <a:tr h="144405">
-                <a:tc>
-                  <a:txBody>
-                    <a:bodyPr/>
-                    <a:lstStyle/>
-                    <a:p>
-                      <a:r>
-                        <a:rPr lang="en-US" sz="1100" dirty="0" smtClean="0"/>
-                        <a:t>ID</a:t>
-                      </a:r>
-                      <a:endParaRPr lang="en-US" sz="1100" b="0" dirty="0"/>
-                    </a:p>
-                  </a:txBody>
-                  <a:tcPr>
-                    <a:lnL w="12700" cap="flat" cmpd="sng" algn="ctr">
-                      <a:solidFill>
-                        <a:schemeClr val="tx1"/>
-                      </a:solidFill>
-                      <a:prstDash val="solid"/>
-                      <a:round/>
-                      <a:headEnd type="none" w="med" len="med"/>
-                      <a:tailEnd type="none" w="med" len="med"/>
-                    </a:lnL>
-                    <a:lnR w="12700" cap="flat" cmpd="sng" algn="ctr">
-                      <a:solidFill>
-                        <a:schemeClr val="tx1"/>
-                      </a:solidFill>
-                      <a:prstDash val="solid"/>
-                      <a:round/>
-                      <a:headEnd type="none" w="med" len="med"/>
-                      <a:tailEnd type="none" w="med" len="med"/>
-                    </a:lnR>
-                  </a:tcPr>
-                </a:tc>
                 <a:tc gridSpan="3">
-                  <a:txBody>
-                    <a:bodyPr/>
-                    <a:lstStyle/>
-                    <a:p>
-                      <a:r>
-                        <a:rPr lang="en-US" sz="1100" b="0" dirty="0" smtClean="0"/>
-                        <a:t>example:indicator-462964e9-b50a-4f83-8907-260a0d3c1d6e</a:t>
-                      </a:r>
-                      <a:endParaRPr lang="en-US" sz="1100" dirty="0" smtClean="0"/>
-                    </a:p>
-                  </a:txBody>
-                  <a:tcPr>
-                    <a:lnL w="12700" cap="flat" cmpd="sng" algn="ctr">
-                      <a:solidFill>
-                        <a:schemeClr val="tx1"/>
-                      </a:solidFill>
-                      <a:prstDash val="solid"/>
-                      <a:round/>
-                      <a:headEnd type="none" w="med" len="med"/>
-                      <a:tailEnd type="none" w="med" len="med"/>
-                    </a:lnL>
-                    <a:lnR w="12700" cap="flat" cmpd="sng" algn="ctr">
-                      <a:solidFill>
-                        <a:schemeClr val="tx1"/>
-                      </a:solidFill>
-                      <a:prstDash val="solid"/>
-                      <a:round/>
-                      <a:headEnd type="none" w="med" len="med"/>
-                      <a:tailEnd type="none" w="med" len="med"/>
-                    </a:lnR>
-                    <a:lnB w="12700" cap="flat" cmpd="sng" algn="ctr">
-                      <a:noFill/>
-                      <a:prstDash val="solid"/>
-                      <a:round/>
-                      <a:headEnd type="none" w="med" len="med"/>
-                      <a:tailEnd type="none" w="med" len="med"/>
-                    </a:lnB>
-                  </a:tcPr>
-                </a:tc>
-                <a:tc hMerge="1">
-                  <a:txBody>
-                    <a:bodyPr/>
-                    <a:lstStyle/>
-                    <a:p>
-                      <a:endParaRPr lang="en-US"/>
-                    </a:p>
-                  </a:txBody>
-                  <a:tcPr/>
-                </a:tc>
-                <a:tc hMerge="1">
-                  <a:txBody>
-                    <a:bodyPr/>
-                    <a:lstStyle/>
-                    <a:p>
-                      <a:endParaRPr lang="en-US"/>
-                    </a:p>
-                  </a:txBody>
-                  <a:tcPr/>
-                </a:tc>
-              </a:tr>
-              <a:tr h="144405">
-                <a:tc>
-                  <a:txBody>
-                    <a:bodyPr/>
-                    <a:lstStyle/>
-                    <a:p>
-                      <a:r>
-                        <a:rPr lang="en-US" sz="1100" dirty="0" smtClean="0"/>
-                        <a:t>Title</a:t>
-                      </a:r>
-                      <a:endParaRPr lang="en-US" sz="1100" b="0" dirty="0"/>
-                    </a:p>
-                  </a:txBody>
-                  <a:tcPr>
-                    <a:lnL w="12700" cap="flat" cmpd="sng" algn="ctr">
-                      <a:solidFill>
-                        <a:schemeClr val="tx1"/>
-                      </a:solidFill>
-                      <a:prstDash val="solid"/>
-                      <a:round/>
-                      <a:headEnd type="none" w="med" len="med"/>
-                      <a:tailEnd type="none" w="med" len="med"/>
-                    </a:lnL>
-                    <a:lnR w="12700" cap="flat" cmpd="sng" algn="ctr">
-                      <a:solidFill>
-                        <a:schemeClr val="tx1"/>
-                      </a:solidFill>
-                      <a:prstDash val="solid"/>
-                      <a:round/>
-                      <a:headEnd type="none" w="med" len="med"/>
-                      <a:tailEnd type="none" w="med" len="med"/>
-                    </a:lnR>
-                  </a:tcPr>
-                </a:tc>
-                <a:tc gridSpan="3">
-                  <a:txBody>
-                    <a:bodyPr/>
-                    <a:lstStyle/>
-                    <a:p>
-                      <a:r>
-                        <a:rPr lang="en-US" sz="1100" dirty="0" smtClean="0"/>
-                        <a:t>Malicious E-mail Subject Line</a:t>
-                      </a:r>
-                      <a:endParaRPr lang="en-US" sz="1100" dirty="0" smtClean="0"/>
-                    </a:p>
-                  </a:txBody>
-                  <a:tcPr>
-                    <a:lnL w="12700" cap="flat" cmpd="sng" algn="ctr">
-                      <a:solidFill>
-                        <a:schemeClr val="tx1"/>
-                      </a:solidFill>
-                      <a:prstDash val="solid"/>
-                      <a:round/>
-                      <a:headEnd type="none" w="med" len="med"/>
-                      <a:tailEnd type="none" w="med" len="med"/>
-                    </a:lnL>
-                    <a:lnR w="12700" cap="flat" cmpd="sng" algn="ctr">
-                      <a:solidFill>
-                        <a:schemeClr val="tx1"/>
-                      </a:solidFill>
-                      <a:prstDash val="solid"/>
-                      <a:round/>
-                      <a:headEnd type="none" w="med" len="med"/>
-                      <a:tailEnd type="none" w="med" len="med"/>
-                    </a:lnR>
-                    <a:lnT w="12700" cap="flat" cmpd="sng" algn="ctr">
-                      <a:noFill/>
-                      <a:prstDash val="solid"/>
-                      <a:round/>
-                      <a:headEnd type="none" w="med" len="med"/>
-                      <a:tailEnd type="none" w="med" len="med"/>
-                    </a:lnT>
-                    <a:lnB w="12700" cap="flat" cmpd="sng" algn="ctr">
-                      <a:noFill/>
-                      <a:prstDash val="solid"/>
-                      <a:round/>
-                      <a:headEnd type="none" w="med" len="med"/>
-                      <a:tailEnd type="none" w="med" len="med"/>
-                    </a:lnB>
-                    <a:lnTlToBr w="12700" cmpd="sng">
-                      <a:noFill/>
-                      <a:prstDash val="solid"/>
-                    </a:lnTlToBr>
-                    <a:lnBlToTr w="12700" cmpd="sng">
-                      <a:noFill/>
-                      <a:prstDash val="solid"/>
-                    </a:lnBlToTr>
-                  </a:tcPr>
-                </a:tc>
-                <a:tc hMerge="1">
-                  <a:txBody>
-                    <a:bodyPr/>
-                    <a:lstStyle/>
-                    <a:p>
-                      <a:endParaRPr lang="en-US"/>
-                    </a:p>
-                  </a:txBody>
-                  <a:tcPr/>
-                </a:tc>
-                <a:tc hMerge="1">
-                  <a:txBody>
-                    <a:bodyPr/>
-                    <a:lstStyle/>
-                    <a:p>
-                      <a:endParaRPr lang="en-US"/>
-                    </a:p>
-                  </a:txBody>
-                  <a:tcPr/>
-                </a:tc>
-              </a:tr>
-              <a:tr h="144405">
-                <a:tc>
-                  <a:txBody>
-                    <a:bodyPr/>
-                    <a:lstStyle/>
-                    <a:p>
-                      <a:r>
-                        <a:rPr lang="en-US" sz="1100" b="0" dirty="0" smtClean="0"/>
-                        <a:t>Type</a:t>
-                      </a:r>
-                      <a:endParaRPr lang="en-US" sz="1100" b="0" dirty="0"/>
-                    </a:p>
-                  </a:txBody>
-                  <a:tcPr>
-                    <a:lnL w="12700" cap="flat" cmpd="sng" algn="ctr">
-                      <a:solidFill>
-                        <a:schemeClr val="tx1"/>
-                      </a:solidFill>
-                      <a:prstDash val="solid"/>
-                      <a:round/>
-                      <a:headEnd type="none" w="med" len="med"/>
-                      <a:tailEnd type="none" w="med" len="med"/>
-                    </a:lnL>
-                    <a:lnR w="12700" cap="flat" cmpd="sng" algn="ctr">
-                      <a:solidFill>
-                        <a:schemeClr val="tx1"/>
-                      </a:solidFill>
-                      <a:prstDash val="solid"/>
-                      <a:round/>
-                      <a:headEnd type="none" w="med" len="med"/>
-                      <a:tailEnd type="none" w="med" len="med"/>
-                    </a:lnR>
-                  </a:tcPr>
-                </a:tc>
-                <a:tc gridSpan="2">
-                  <a:txBody>
-                    <a:bodyPr/>
-                    <a:lstStyle/>
-                    <a:p>
-                      <a:r>
-                        <a:rPr lang="en-US" sz="1100" b="0" dirty="0" smtClean="0"/>
-                        <a:t>Malicious E-mail</a:t>
-                      </a:r>
-                      <a:endParaRPr lang="en-US" sz="1100" b="0" dirty="0" smtClean="0"/>
-                    </a:p>
-                  </a:txBody>
-                  <a:tcPr>
-                    <a:lnL w="12700" cap="flat" cmpd="sng" algn="ctr">
-                      <a:solidFill>
-                        <a:schemeClr val="tx1"/>
-                      </a:solidFill>
-                      <a:prstDash val="solid"/>
-                      <a:round/>
-                      <a:headEnd type="none" w="med" len="med"/>
-                      <a:tailEnd type="none" w="med" len="med"/>
-                    </a:lnL>
-                    <a:lnR w="12700" cap="flat" cmpd="sng" algn="ctr">
-                      <a:noFill/>
-                      <a:prstDash val="solid"/>
-                      <a:round/>
-                      <a:headEnd type="none" w="med" len="med"/>
-                      <a:tailEnd type="none" w="med" len="med"/>
-                    </a:lnR>
-                    <a:lnT w="12700" cap="flat" cmpd="sng" algn="ctr">
-                      <a:noFill/>
-                      <a:prstDash val="solid"/>
-                      <a:round/>
-                      <a:headEnd type="none" w="med" len="med"/>
-                      <a:tailEnd type="none" w="med" len="med"/>
-                    </a:lnT>
-                    <a:lnB w="12700" cap="flat" cmpd="sng" algn="ctr">
-                      <a:noFill/>
-                      <a:prstDash val="solid"/>
-                      <a:round/>
-                      <a:headEnd type="none" w="med" len="med"/>
-                      <a:tailEnd type="none" w="med" len="med"/>
-                    </a:lnB>
-                    <a:lnTlToBr w="12700" cmpd="sng">
-                      <a:noFill/>
-                      <a:prstDash val="solid"/>
-                    </a:lnTlToBr>
-                    <a:lnBlToTr w="12700" cmpd="sng">
-                      <a:noFill/>
-                      <a:prstDash val="solid"/>
-                    </a:lnBlToTr>
-                  </a:tcPr>
-                </a:tc>
-                <a:tc hMerge="1">
-                  <a:txBody>
-                    <a:bodyPr/>
-                    <a:lstStyle/>
-                    <a:p>
-                      <a:endParaRPr lang="en-US"/>
-                    </a:p>
-                  </a:txBody>
-                  <a:tcPr/>
-                </a:tc>
-                <a:tc>
-                  <a:txBody>
-                    <a:bodyPr/>
-                    <a:lstStyle/>
-                    <a:p>
-                      <a:pPr algn="r"/>
-                      <a:r>
-                        <a:rPr lang="en-US" sz="1100" b="0" dirty="0" smtClean="0">
-                          <a:solidFill>
-                            <a:schemeClr val="bg1">
-                              <a:lumMod val="50000"/>
-                            </a:schemeClr>
-                          </a:solidFill>
-                        </a:rPr>
-                        <a:t>IndicatorTypeVocab-1.1</a:t>
-                      </a:r>
-                    </a:p>
-                  </a:txBody>
-                  <a:tcPr>
-                    <a:lnL w="12700" cap="flat" cmpd="sng" algn="ctr">
-                      <a:noFill/>
-                      <a:prstDash val="solid"/>
-                      <a:round/>
-                      <a:headEnd type="none" w="med" len="med"/>
-                      <a:tailEnd type="none" w="med" len="med"/>
-                    </a:lnL>
-                    <a:lnR w="12700" cap="flat" cmpd="sng" algn="ctr">
-                      <a:solidFill>
-                        <a:schemeClr val="tx1"/>
-                      </a:solidFill>
-                      <a:prstDash val="solid"/>
-                      <a:round/>
-                      <a:headEnd type="none" w="med" len="med"/>
-                      <a:tailEnd type="none" w="med" len="med"/>
-                    </a:lnR>
-                    <a:lnT w="12700" cap="flat" cmpd="sng" algn="ctr">
-                      <a:noFill/>
-                      <a:prstDash val="solid"/>
-                      <a:round/>
-                      <a:headEnd type="none" w="med" len="med"/>
-                      <a:tailEnd type="none" w="med" len="med"/>
-                    </a:lnT>
-                    <a:lnB w="12700" cap="flat" cmpd="sng" algn="ctr">
-                      <a:noFill/>
-                      <a:prstDash val="solid"/>
-                      <a:round/>
-                      <a:headEnd type="none" w="med" len="med"/>
-                      <a:tailEnd type="none" w="med" len="med"/>
-                    </a:lnB>
-                    <a:lnTlToBr w="12700" cmpd="sng">
-                      <a:noFill/>
-                      <a:prstDash val="solid"/>
-                    </a:lnTlToBr>
-                    <a:lnBlToTr w="12700" cmpd="sng">
-                      <a:noFill/>
-                      <a:prstDash val="solid"/>
-                    </a:lnBlToTr>
-                  </a:tcPr>
-                </a:tc>
-              </a:tr>
-              <a:tr h="144405">
-                <a:tc>
-                  <a:txBody>
-                    <a:bodyPr/>
-                    <a:lstStyle/>
-                    <a:p>
-                      <a:r>
-                        <a:rPr lang="en-US" sz="1100" dirty="0" smtClean="0"/>
-                        <a:t>Observable</a:t>
-                      </a:r>
-                      <a:endParaRPr lang="en-US" sz="1100" b="0" dirty="0"/>
-                    </a:p>
-                  </a:txBody>
-                  <a:tcPr>
-                    <a:lnL w="12700" cap="flat" cmpd="sng" algn="ctr">
-                      <a:solidFill>
-                        <a:schemeClr val="tx1"/>
-                      </a:solidFill>
-                      <a:prstDash val="solid"/>
-                      <a:round/>
-                      <a:headEnd type="none" w="med" len="med"/>
-                      <a:tailEnd type="none" w="med" len="med"/>
-                    </a:lnL>
-                    <a:lnR w="12700" cap="flat" cmpd="sng" algn="ctr">
-                      <a:solidFill>
-                        <a:schemeClr val="tx1"/>
-                      </a:solidFill>
-                      <a:prstDash val="solid"/>
-                      <a:round/>
-                      <a:headEnd type="none" w="med" len="med"/>
-                      <a:tailEnd type="none" w="med" len="med"/>
-                    </a:lnR>
-                  </a:tcPr>
-                </a:tc>
-                <a:tc gridSpan="3">
-                  <a:txBody>
-                    <a:bodyPr/>
-                    <a:lstStyle/>
-                    <a:p>
-                      <a:endParaRPr lang="en-US" sz="1100" b="0" dirty="0" smtClean="0"/>
-                    </a:p>
-                  </a:txBody>
-                  <a:tcPr>
-                    <a:lnL w="12700" cap="flat" cmpd="sng" algn="ctr">
-                      <a:solidFill>
-                        <a:schemeClr val="tx1"/>
-                      </a:solidFill>
-                      <a:prstDash val="solid"/>
-                      <a:round/>
-                      <a:headEnd type="none" w="med" len="med"/>
-                      <a:tailEnd type="none" w="med" len="med"/>
-                    </a:lnL>
-                    <a:lnR w="12700" cap="flat" cmpd="sng" algn="ctr">
-                      <a:solidFill>
-                        <a:schemeClr val="tx1"/>
-                      </a:solidFill>
-                      <a:prstDash val="solid"/>
-                      <a:round/>
-                      <a:headEnd type="none" w="med" len="med"/>
-                      <a:tailEnd type="none" w="med" len="med"/>
-                    </a:lnR>
-                    <a:lnT w="12700" cap="flat" cmpd="sng" algn="ctr">
-                      <a:noFill/>
-                      <a:prstDash val="solid"/>
-                      <a:round/>
-                      <a:headEnd type="none" w="med" len="med"/>
-                      <a:tailEnd type="none" w="med" len="med"/>
-                    </a:lnT>
-                    <a:lnB w="12700" cap="flat" cmpd="sng" algn="ctr">
-                      <a:noFill/>
-                      <a:prstDash val="solid"/>
-                      <a:round/>
-                      <a:headEnd type="none" w="med" len="med"/>
-                      <a:tailEnd type="none" w="med" len="med"/>
-                    </a:lnB>
-                    <a:lnTlToBr w="12700" cmpd="sng">
-                      <a:noFill/>
-                      <a:prstDash val="solid"/>
-                    </a:lnTlToBr>
-                    <a:lnBlToTr w="12700" cmpd="sng">
-                      <a:noFill/>
-                      <a:prstDash val="solid"/>
-                    </a:lnBlToTr>
-                  </a:tcPr>
-                </a:tc>
-                <a:tc hMerge="1">
-                  <a:txBody>
-                    <a:bodyPr/>
-                    <a:lstStyle/>
-                    <a:p>
-                      <a:endParaRPr lang="en-US"/>
-                    </a:p>
-                  </a:txBody>
-                  <a:tcPr/>
-                </a:tc>
-                <a:tc hMerge="1">
-                  <a:txBody>
-                    <a:bodyPr/>
-                    <a:lstStyle/>
-                    <a:p>
-                      <a:endParaRPr lang="en-US"/>
-                    </a:p>
-                  </a:txBody>
-                  <a:tcPr/>
-                </a:tc>
-              </a:tr>
-              <a:tr h="144405">
-                <a:tc>
-                  <a:txBody>
-                    <a:bodyPr/>
-                    <a:lstStyle/>
-                    <a:p>
-                      <a:r>
-                        <a:rPr lang="en-US" sz="1100" dirty="0" smtClean="0"/>
-                        <a:t>    </a:t>
-                      </a:r>
-                      <a:r>
-                        <a:rPr lang="en-US" sz="1100" dirty="0" smtClean="0"/>
-                        <a:t>Object</a:t>
-                      </a:r>
-                      <a:endParaRPr lang="en-US" sz="1100" b="0" dirty="0"/>
-                    </a:p>
-                  </a:txBody>
-                  <a:tcPr>
-                    <a:lnL w="12700" cap="flat" cmpd="sng" algn="ctr">
-                      <a:solidFill>
-                        <a:schemeClr val="tx1"/>
-                      </a:solidFill>
-                      <a:prstDash val="solid"/>
-                      <a:round/>
-                      <a:headEnd type="none" w="med" len="med"/>
-                      <a:tailEnd type="none" w="med" len="med"/>
-                    </a:lnL>
-                    <a:lnR w="12700" cap="flat" cmpd="sng" algn="ctr">
-                      <a:solidFill>
-                        <a:schemeClr val="tx1"/>
-                      </a:solidFill>
-                      <a:prstDash val="solid"/>
-                      <a:round/>
-                      <a:headEnd type="none" w="med" len="med"/>
-                      <a:tailEnd type="none" w="med" len="med"/>
-                    </a:lnR>
-                  </a:tcPr>
-                </a:tc>
-                <a:tc gridSpan="3">
-                  <a:txBody>
-                    <a:bodyPr/>
-                    <a:lstStyle/>
-                    <a:p>
-                      <a:endParaRPr lang="en-US" sz="1100" b="0" dirty="0" smtClean="0"/>
-                    </a:p>
-                  </a:txBody>
-                  <a:tcPr>
-                    <a:lnL w="12700" cap="flat" cmpd="sng" algn="ctr">
-                      <a:solidFill>
-                        <a:schemeClr val="tx1"/>
-                      </a:solidFill>
-                      <a:prstDash val="solid"/>
-                      <a:round/>
-                      <a:headEnd type="none" w="med" len="med"/>
-                      <a:tailEnd type="none" w="med" len="med"/>
-                    </a:lnL>
-                    <a:lnR w="12700" cap="flat" cmpd="sng" algn="ctr">
-                      <a:solidFill>
-                        <a:schemeClr val="tx1"/>
-                      </a:solidFill>
-                      <a:prstDash val="solid"/>
-                      <a:round/>
-                      <a:headEnd type="none" w="med" len="med"/>
-                      <a:tailEnd type="none" w="med" len="med"/>
-                    </a:lnR>
-                    <a:lnT w="12700" cap="flat" cmpd="sng" algn="ctr">
-                      <a:noFill/>
-                      <a:prstDash val="solid"/>
-                      <a:round/>
-                      <a:headEnd type="none" w="med" len="med"/>
-                      <a:tailEnd type="none" w="med" len="med"/>
-                    </a:lnT>
-                    <a:lnB w="12700" cap="flat" cmpd="sng" algn="ctr">
-                      <a:noFill/>
-                      <a:prstDash val="solid"/>
-                      <a:round/>
-                      <a:headEnd type="none" w="med" len="med"/>
-                      <a:tailEnd type="none" w="med" len="med"/>
-                    </a:lnB>
-                    <a:lnTlToBr w="12700" cmpd="sng">
-                      <a:noFill/>
-                      <a:prstDash val="solid"/>
-                    </a:lnTlToBr>
-                    <a:lnBlToTr w="12700" cmpd="sng">
-                      <a:noFill/>
-                      <a:prstDash val="solid"/>
-                    </a:lnBlToTr>
-                  </a:tcPr>
-                </a:tc>
-                <a:tc hMerge="1">
-                  <a:txBody>
-                    <a:bodyPr/>
-                    <a:lstStyle/>
-                    <a:p>
-                      <a:endParaRPr lang="en-US"/>
-                    </a:p>
-                  </a:txBody>
-                  <a:tcPr/>
-                </a:tc>
-                <a:tc hMerge="1">
-                  <a:txBody>
-                    <a:bodyPr/>
-                    <a:lstStyle/>
-                    <a:p>
-                      <a:endParaRPr lang="en-US"/>
-                    </a:p>
-                  </a:txBody>
-                  <a:tcPr/>
-                </a:tc>
-              </a:tr>
-              <a:tr h="144405">
-                <a:tc>
-                  <a:txBody>
-                    <a:bodyPr/>
-                    <a:lstStyle/>
-                    <a:p>
-                      <a:r>
-                        <a:rPr lang="en-US" sz="1100" b="0" dirty="0" smtClean="0"/>
-                        <a:t>    </a:t>
-                      </a:r>
-                      <a:r>
-                        <a:rPr lang="en-US" sz="1100" b="0" dirty="0" smtClean="0"/>
-                        <a:t>    Properties</a:t>
-                      </a:r>
-                      <a:endParaRPr lang="en-US" sz="1100" b="0" dirty="0"/>
-                    </a:p>
-                  </a:txBody>
-                  <a:tcPr>
-                    <a:lnL w="12700" cap="flat" cmpd="sng" algn="ctr">
-                      <a:solidFill>
-                        <a:schemeClr val="tx1"/>
-                      </a:solidFill>
-                      <a:prstDash val="solid"/>
-                      <a:round/>
-                      <a:headEnd type="none" w="med" len="med"/>
-                      <a:tailEnd type="none" w="med" len="med"/>
-                    </a:lnL>
-                    <a:lnR w="12700" cap="flat" cmpd="sng" algn="ctr">
-                      <a:solidFill>
-                        <a:schemeClr val="tx1"/>
-                      </a:solidFill>
-                      <a:prstDash val="solid"/>
-                      <a:round/>
-                      <a:headEnd type="none" w="med" len="med"/>
-                      <a:tailEnd type="none" w="med" len="med"/>
-                    </a:lnR>
-                  </a:tcPr>
-                </a:tc>
-                <a:tc gridSpan="2">
-                  <a:txBody>
-                    <a:bodyPr/>
-                    <a:lstStyle/>
-                    <a:p>
-                      <a:endParaRPr lang="en-US" sz="1100" b="0" dirty="0" smtClean="0"/>
-                    </a:p>
-                  </a:txBody>
-                  <a:tcPr>
-                    <a:lnL w="12700" cap="flat" cmpd="sng" algn="ctr">
-                      <a:solidFill>
-                        <a:schemeClr val="tx1"/>
-                      </a:solidFill>
-                      <a:prstDash val="solid"/>
-                      <a:round/>
-                      <a:headEnd type="none" w="med" len="med"/>
-                      <a:tailEnd type="none" w="med" len="med"/>
-                    </a:lnL>
-                    <a:lnR w="12700" cap="flat" cmpd="sng" algn="ctr">
-                      <a:solidFill>
-                        <a:schemeClr val="tx1"/>
-                      </a:solidFill>
-                      <a:prstDash val="solid"/>
-                      <a:round/>
-                      <a:headEnd type="none" w="med" len="med"/>
-                      <a:tailEnd type="none" w="med" len="med"/>
-                    </a:lnR>
-                    <a:lnT w="12700" cap="flat" cmpd="sng" algn="ctr">
-                      <a:noFill/>
-                      <a:prstDash val="solid"/>
-                      <a:round/>
-                      <a:headEnd type="none" w="med" len="med"/>
-                      <a:tailEnd type="none" w="med" len="med"/>
-                    </a:lnT>
-                    <a:lnB w="12700" cap="flat" cmpd="sng" algn="ctr">
-                      <a:noFill/>
-                      <a:prstDash val="solid"/>
-                      <a:round/>
-                      <a:headEnd type="none" w="med" len="med"/>
-                      <a:tailEnd type="none" w="med" len="med"/>
-                    </a:lnB>
-                    <a:lnTlToBr w="12700" cmpd="sng">
-                      <a:noFill/>
-                      <a:prstDash val="solid"/>
-                    </a:lnTlToBr>
-                    <a:lnBlToTr w="12700" cmpd="sng">
-                      <a:noFill/>
-                      <a:prstDash val="solid"/>
-                    </a:lnBlToTr>
-                  </a:tcPr>
-                </a:tc>
-                <a:tc hMerge="1">
-                  <a:txBody>
-                    <a:bodyPr/>
-                    <a:lstStyle/>
-                    <a:p>
-                      <a:endParaRPr lang="en-US"/>
-                    </a:p>
-                  </a:txBody>
-                  <a:tcPr/>
-                </a:tc>
-                <a:tc>
                   <a:txBody>
                     <a:bodyPr/>
                     <a:lstStyle/>
@@ -5921,7 +3877,77 @@
                   </a:txBody>
                   <a:tcPr>
                     <a:lnL w="12700" cap="flat" cmpd="sng" algn="ctr">
-                      <a:noFill/>
+                      <a:solidFill>
+                        <a:schemeClr val="tx1"/>
+                      </a:solidFill>
+                      <a:prstDash val="solid"/>
+                      <a:round/>
+                      <a:headEnd type="none" w="med" len="med"/>
+                      <a:tailEnd type="none" w="med" len="med"/>
+                    </a:lnL>
+                    <a:lnR w="12700" cap="flat" cmpd="sng" algn="ctr">
+                      <a:solidFill>
+                        <a:schemeClr val="tx1"/>
+                      </a:solidFill>
+                      <a:prstDash val="solid"/>
+                      <a:round/>
+                      <a:headEnd type="none" w="med" len="med"/>
+                      <a:tailEnd type="none" w="med" len="med"/>
+                    </a:lnR>
+                    <a:lnT w="12700" cap="flat" cmpd="sng" algn="ctr">
+                      <a:noFill/>
+                      <a:prstDash val="solid"/>
+                      <a:round/>
+                      <a:headEnd type="none" w="med" len="med"/>
+                      <a:tailEnd type="none" w="med" len="med"/>
+                    </a:lnT>
+                    <a:lnB w="12700" cap="flat" cmpd="sng" algn="ctr">
+                      <a:noFill/>
+                      <a:prstDash val="solid"/>
+                      <a:round/>
+                      <a:headEnd type="none" w="med" len="med"/>
+                      <a:tailEnd type="none" w="med" len="med"/>
+                    </a:lnB>
+                    <a:lnTlToBr w="12700" cmpd="sng">
+                      <a:noFill/>
+                      <a:prstDash val="solid"/>
+                    </a:lnTlToBr>
+                    <a:lnBlToTr w="12700" cmpd="sng">
+                      <a:noFill/>
+                      <a:prstDash val="solid"/>
+                    </a:lnBlToTr>
+                  </a:tcPr>
+                </a:tc>
+                <a:tc hMerge="1">
+                  <a:txBody>
+                    <a:bodyPr/>
+                    <a:lstStyle/>
+                    <a:p>
+                      <a:endParaRPr lang="en-US"/>
+                    </a:p>
+                  </a:txBody>
+                  <a:tcPr/>
+                </a:tc>
+                <a:tc hMerge="1">
+                  <a:txBody>
+                    <a:bodyPr/>
+                    <a:lstStyle/>
+                    <a:p>
+                      <a:pPr algn="r"/>
+                      <a:endParaRPr lang="en-US" sz="1100" b="0" dirty="0" smtClean="0">
+                        <a:solidFill>
+                          <a:schemeClr val="bg1">
+                            <a:lumMod val="50000"/>
+                          </a:schemeClr>
+                        </a:solidFill>
+                      </a:endParaRPr>
+                    </a:p>
+                  </a:txBody>
+                  <a:tcPr>
+                    <a:lnL w="12700" cap="flat" cmpd="sng" algn="ctr">
+                      <a:solidFill>
+                        <a:schemeClr val="tx1"/>
+                      </a:solidFill>
                       <a:prstDash val="solid"/>
                       <a:round/>
                       <a:headEnd type="none" w="med" len="med"/>
@@ -5969,11 +3995,7 @@
                     <a:p>
                       <a:r>
                         <a:rPr lang="en-US" sz="1100" b="0" dirty="0" smtClean="0"/>
-                        <a:t>        </a:t>
-                      </a:r>
-                      <a:r>
-                        <a:rPr lang="en-US" sz="1100" b="0" dirty="0" smtClean="0"/>
-                        <a:t>    Header</a:t>
+                        <a:t>            Header</a:t>
                       </a:r>
                       <a:endParaRPr lang="en-US" sz="1100" b="0" dirty="0"/>
                     </a:p>
@@ -7210,11 +5232,6 @@
                         </a:rPr>
                         <a:t>example:ttp-c32a6ab5-17b0-4bf4-b85b-a1f4f54d2ecd</a:t>
                       </a:r>
-                      <a:endParaRPr lang="en-US" sz="1100" b="0" dirty="0" smtClean="0">
-                        <a:solidFill>
-                          <a:schemeClr val="tx1"/>
-                        </a:solidFill>
-                      </a:endParaRPr>
                     </a:p>
                   </a:txBody>
                   <a:tcPr>
@@ -7489,25 +5506,22 @@
                     <a:p>
                       <a:r>
                         <a:rPr lang="en-US" sz="1100" b="0" dirty="0" smtClean="0"/>
-                        <a:t>Low</a:t>
+                        <a:t>High</a:t>
                       </a:r>
-                      <a:endParaRPr lang="en-US" sz="1100" b="0" dirty="0" smtClean="0"/>
-                    </a:p>
-                  </a:txBody>
-                  <a:tcPr>
-                    <a:lnL w="12700" cap="flat" cmpd="sng" algn="ctr">
-                      <a:solidFill>
-                        <a:schemeClr val="tx1"/>
-                      </a:solidFill>
-                      <a:prstDash val="solid"/>
-                      <a:round/>
-                      <a:headEnd type="none" w="med" len="med"/>
-                      <a:tailEnd type="none" w="med" len="med"/>
-                    </a:lnL>
-                    <a:lnR w="12700" cap="flat" cmpd="sng" algn="ctr">
-                      <a:solidFill>
-                        <a:schemeClr val="tx1"/>
-                      </a:solidFill>
+                    </a:p>
+                  </a:txBody>
+                  <a:tcPr>
+                    <a:lnL w="12700" cap="flat" cmpd="sng" algn="ctr">
+                      <a:solidFill>
+                        <a:schemeClr val="tx1"/>
+                      </a:solidFill>
+                      <a:prstDash val="solid"/>
+                      <a:round/>
+                      <a:headEnd type="none" w="med" len="med"/>
+                      <a:tailEnd type="none" w="med" len="med"/>
+                    </a:lnL>
+                    <a:lnR w="12700" cap="flat" cmpd="sng" algn="ctr">
+                      <a:noFill/>
                       <a:prstDash val="solid"/>
                       <a:round/>
                       <a:headEnd type="none" w="med" len="med"/>
@@ -7555,25 +5569,32 @@
                         </a:rPr>
                         <a:t>HighMediumLowVocab-1.0</a:t>
                       </a:r>
-                      <a:endParaRPr lang="en-US" sz="1100" b="0" dirty="0" smtClean="0">
-                        <a:solidFill>
-                          <a:schemeClr val="bg1">
-                            <a:lumMod val="50000"/>
-                          </a:schemeClr>
-                        </a:solidFill>
-                      </a:endParaRPr>
-                    </a:p>
-                  </a:txBody>
-                  <a:tcPr>
-                    <a:lnR w="12700" cap="flat" cmpd="sng" algn="ctr">
-                      <a:solidFill>
-                        <a:schemeClr val="tx1"/>
-                      </a:solidFill>
-                      <a:prstDash val="solid"/>
-                      <a:round/>
-                      <a:headEnd type="none" w="med" len="med"/>
-                      <a:tailEnd type="none" w="med" len="med"/>
-                    </a:lnR>
+                    </a:p>
+                  </a:txBody>
+                  <a:tcPr>
+                    <a:lnL w="12700" cap="flat" cmpd="sng" algn="ctr">
+                      <a:noFill/>
+                      <a:prstDash val="solid"/>
+                      <a:round/>
+                      <a:headEnd type="none" w="med" len="med"/>
+                      <a:tailEnd type="none" w="med" len="med"/>
+                    </a:lnL>
+                    <a:lnR w="12700" cap="flat" cmpd="sng" algn="ctr">
+                      <a:solidFill>
+                        <a:schemeClr val="tx1"/>
+                      </a:solidFill>
+                      <a:prstDash val="solid"/>
+                      <a:round/>
+                      <a:headEnd type="none" w="med" len="med"/>
+                      <a:tailEnd type="none" w="med" len="med"/>
+                    </a:lnR>
+                    <a:lnT w="12700" cap="flat" cmpd="sng" algn="ctr">
+                      <a:noFill/>
+                      <a:prstDash val="solid"/>
+                      <a:round/>
+                      <a:headEnd type="none" w="med" len="med"/>
+                      <a:tailEnd type="none" w="med" len="med"/>
+                    </a:lnT>
                     <a:lnB w="12700" cap="flat" cmpd="sng" algn="ctr">
                       <a:solidFill>
                         <a:schemeClr val="tx1"/>
@@ -7583,6 +5604,14 @@
                       <a:headEnd type="none" w="med" len="med"/>
                       <a:tailEnd type="none" w="med" len="med"/>
                     </a:lnB>
+                    <a:lnTlToBr w="12700" cmpd="sng">
+                      <a:noFill/>
+                      <a:prstDash val="solid"/>
+                    </a:lnTlToBr>
+                    <a:lnBlToTr w="12700" cmpd="sng">
+                      <a:noFill/>
+                      <a:prstDash val="solid"/>
+                    </a:lnBlToTr>
                   </a:tcPr>
                 </a:tc>
                 <a:tc hMerge="1">
@@ -7609,21 +5638,21 @@
       </p:graphicFrame>
       <p:graphicFrame>
         <p:nvGraphicFramePr>
-          <p:cNvPr id="11" name="Table 10"/>
+          <p:cNvPr id="72" name="Table 71"/>
           <p:cNvGraphicFramePr>
             <a:graphicFrameLocks noGrp="1"/>
           </p:cNvGraphicFramePr>
           <p:nvPr>
             <p:extLst>
               <p:ext uri="{D42A27DB-BD31-4B8C-83A1-F6EECF244321}">
-                <p14:modId xmlns:p14="http://schemas.microsoft.com/office/powerpoint/2010/main" val="3628070603"/>
+                <p14:modId xmlns:p14="http://schemas.microsoft.com/office/powerpoint/2010/main" val="1216295705"/>
               </p:ext>
             </p:extLst>
           </p:nvPr>
         </p:nvGraphicFramePr>
         <p:xfrm>
-          <a:off x="5927182" y="5285385"/>
-          <a:ext cx="4674145" cy="4983480"/>
+          <a:off x="-2737939" y="-133350"/>
+          <a:ext cx="5858693" cy="6720840"/>
         </p:xfrm>
         <a:graphic>
           <a:graphicData uri="http://schemas.openxmlformats.org/drawingml/2006/table">
@@ -7632,12 +5661,14 @@
                 <a:tableStyleId>{5C22544A-7EE6-4342-B048-85BDC9FD1C3A}</a:tableStyleId>
               </a:tblPr>
               <a:tblGrid>
-                <a:gridCol w="1612231"/>
-                <a:gridCol w="1125831"/>
-                <a:gridCol w="1936083"/>
+                <a:gridCol w="2229667"/>
+                <a:gridCol w="1023741"/>
+                <a:gridCol w="357382"/>
+                <a:gridCol w="232049"/>
+                <a:gridCol w="2015854"/>
               </a:tblGrid>
               <a:tr h="175041">
-                <a:tc gridSpan="3">
+                <a:tc gridSpan="5">
                   <a:txBody>
                     <a:bodyPr/>
                     <a:lstStyle/>
@@ -7744,6 +5775,26 @@
                   </a:txBody>
                   <a:tcPr/>
                 </a:tc>
+                <a:tc hMerge="1">
+                  <a:txBody>
+                    <a:bodyPr/>
+                    <a:lstStyle/>
+                    <a:p>
+                      <a:endParaRPr lang="en-US"/>
+                    </a:p>
+                  </a:txBody>
+                  <a:tcPr/>
+                </a:tc>
+                <a:tc hMerge="1">
+                  <a:txBody>
+                    <a:bodyPr/>
+                    <a:lstStyle/>
+                    <a:p>
+                      <a:endParaRPr lang="en-US"/>
+                    </a:p>
+                  </a:txBody>
+                  <a:tcPr/>
+                </a:tc>
               </a:tr>
               <a:tr h="144405">
                 <a:tc>
@@ -7779,7 +5830,7 @@
                     </a:lnR>
                   </a:tcPr>
                 </a:tc>
-                <a:tc gridSpan="2">
+                <a:tc gridSpan="4">
                   <a:txBody>
                     <a:bodyPr/>
                     <a:lstStyle/>
@@ -7805,7 +5856,6 @@
                         <a:rPr lang="en-US" sz="1100" b="0" dirty="0" smtClean="0"/>
                         <a:t>example:indicator-63d40185-a653-4c70-a10f-8d2db3ca747e</a:t>
                       </a:r>
-                      <a:endParaRPr lang="en-US" sz="1100" b="0" dirty="0" smtClean="0"/>
                     </a:p>
                   </a:txBody>
                   <a:tcPr>
@@ -7835,6 +5885,26 @@
                       <a:tailEnd type="none" w="med" len="med"/>
                     </a:lnB>
                   </a:tcPr>
+                </a:tc>
+                <a:tc hMerge="1">
+                  <a:txBody>
+                    <a:bodyPr/>
+                    <a:lstStyle/>
+                    <a:p>
+                      <a:endParaRPr lang="en-US"/>
+                    </a:p>
+                  </a:txBody>
+                  <a:tcPr/>
+                </a:tc>
+                <a:tc hMerge="1">
+                  <a:txBody>
+                    <a:bodyPr/>
+                    <a:lstStyle/>
+                    <a:p>
+                      <a:endParaRPr lang="en-US"/>
+                    </a:p>
+                  </a:txBody>
+                  <a:tcPr/>
                 </a:tc>
                 <a:tc hMerge="1">
                   <a:txBody>
@@ -7881,7 +5951,7 @@
                     </a:lnR>
                   </a:tcPr>
                 </a:tc>
-                <a:tc gridSpan="2">
+                <a:tc gridSpan="4">
                   <a:txBody>
                     <a:bodyPr/>
                     <a:lstStyle/>
@@ -7890,7 +5960,6 @@
                         <a:rPr lang="en-US" sz="1100" dirty="0" smtClean="0"/>
                         <a:t>Malicious E-mail Attachment</a:t>
                       </a:r>
-                      <a:endParaRPr lang="en-US" sz="1100" dirty="0" smtClean="0"/>
                     </a:p>
                   </a:txBody>
                   <a:tcPr>
@@ -7935,6 +6004,26 @@
                       <a:prstDash val="solid"/>
                     </a:lnBlToTr>
                   </a:tcPr>
+                </a:tc>
+                <a:tc hMerge="1">
+                  <a:txBody>
+                    <a:bodyPr/>
+                    <a:lstStyle/>
+                    <a:p>
+                      <a:endParaRPr lang="en-US"/>
+                    </a:p>
+                  </a:txBody>
+                  <a:tcPr/>
+                </a:tc>
+                <a:tc hMerge="1">
+                  <a:txBody>
+                    <a:bodyPr/>
+                    <a:lstStyle/>
+                    <a:p>
+                      <a:endParaRPr lang="en-US"/>
+                    </a:p>
+                  </a:txBody>
+                  <a:tcPr/>
                 </a:tc>
                 <a:tc hMerge="1">
                   <a:txBody>
@@ -7981,7 +6070,7 @@
                     </a:lnR>
                   </a:tcPr>
                 </a:tc>
-                <a:tc>
+                <a:tc gridSpan="2">
                   <a:txBody>
                     <a:bodyPr/>
                     <a:lstStyle/>
@@ -7990,7 +6079,6 @@
                         <a:rPr lang="en-US" sz="1100" b="0" dirty="0" smtClean="0"/>
                         <a:t>Malicious E-mail</a:t>
                       </a:r>
-                      <a:endParaRPr lang="en-US" sz="1100" b="0" dirty="0" smtClean="0"/>
                     </a:p>
                   </a:txBody>
                   <a:tcPr>
@@ -8034,7 +6122,63 @@
                     </a:lnBlToTr>
                   </a:tcPr>
                 </a:tc>
-                <a:tc>
+                <a:tc hMerge="1">
+                  <a:txBody>
+                    <a:bodyPr/>
+                    <a:lstStyle/>
+                    <a:p>
+                      <a:pPr algn="r"/>
+                      <a:endParaRPr lang="en-US" sz="1100" b="0" dirty="0" smtClean="0">
+                        <a:solidFill>
+                          <a:schemeClr val="bg1">
+                            <a:lumMod val="50000"/>
+                          </a:schemeClr>
+                        </a:solidFill>
+                      </a:endParaRPr>
+                    </a:p>
+                  </a:txBody>
+                  <a:tcPr>
+                    <a:lnL w="12700" cap="flat" cmpd="sng" algn="ctr">
+                      <a:noFill/>
+                      <a:prstDash val="solid"/>
+                      <a:round/>
+                      <a:headEnd type="none" w="med" len="med"/>
+                      <a:tailEnd type="none" w="med" len="med"/>
+                    </a:lnL>
+                    <a:lnR w="12700" cap="flat" cmpd="sng" algn="ctr">
+                      <a:solidFill>
+                        <a:schemeClr val="tx1"/>
+                      </a:solidFill>
+                      <a:prstDash val="solid"/>
+                      <a:round/>
+                      <a:headEnd type="none" w="med" len="med"/>
+                      <a:tailEnd type="none" w="med" len="med"/>
+                    </a:lnR>
+                    <a:lnT w="12700" cap="flat" cmpd="sng" algn="ctr">
+                      <a:noFill/>
+                      <a:prstDash val="solid"/>
+                      <a:round/>
+                      <a:headEnd type="none" w="med" len="med"/>
+                      <a:tailEnd type="none" w="med" len="med"/>
+                    </a:lnT>
+                    <a:lnB w="12700" cap="flat" cmpd="sng" algn="ctr">
+                      <a:noFill/>
+                      <a:prstDash val="solid"/>
+                      <a:round/>
+                      <a:headEnd type="none" w="med" len="med"/>
+                      <a:tailEnd type="none" w="med" len="med"/>
+                    </a:lnB>
+                    <a:lnTlToBr w="12700" cmpd="sng">
+                      <a:noFill/>
+                      <a:prstDash val="solid"/>
+                    </a:lnTlToBr>
+                    <a:lnBlToTr w="12700" cmpd="sng">
+                      <a:noFill/>
+                      <a:prstDash val="solid"/>
+                    </a:lnBlToTr>
+                  </a:tcPr>
+                </a:tc>
+                <a:tc gridSpan="2">
                   <a:txBody>
                     <a:bodyPr/>
                     <a:lstStyle/>
@@ -8093,6 +6237,16 @@
                     </a:lnBlToTr>
                   </a:tcPr>
                 </a:tc>
+                <a:tc hMerge="1">
+                  <a:txBody>
+                    <a:bodyPr/>
+                    <a:lstStyle/>
+                    <a:p>
+                      <a:endParaRPr lang="en-US"/>
+                    </a:p>
+                  </a:txBody>
+                  <a:tcPr/>
+                </a:tc>
               </a:tr>
               <a:tr h="144405">
                 <a:tc>
@@ -8128,7 +6282,7 @@
                     </a:lnR>
                   </a:tcPr>
                 </a:tc>
-                <a:tc gridSpan="2">
+                <a:tc gridSpan="4">
                   <a:txBody>
                     <a:bodyPr/>
                     <a:lstStyle/>
@@ -8178,6 +6332,26 @@
                       <a:prstDash val="solid"/>
                     </a:lnBlToTr>
                   </a:tcPr>
+                </a:tc>
+                <a:tc hMerge="1">
+                  <a:txBody>
+                    <a:bodyPr/>
+                    <a:lstStyle/>
+                    <a:p>
+                      <a:endParaRPr lang="en-US"/>
+                    </a:p>
+                  </a:txBody>
+                  <a:tcPr/>
+                </a:tc>
+                <a:tc hMerge="1">
+                  <a:txBody>
+                    <a:bodyPr/>
+                    <a:lstStyle/>
+                    <a:p>
+                      <a:endParaRPr lang="en-US"/>
+                    </a:p>
+                  </a:txBody>
+                  <a:tcPr/>
                 </a:tc>
                 <a:tc hMerge="1">
                   <a:txBody>
@@ -8198,11 +6372,7 @@
                     <a:p>
                       <a:r>
                         <a:rPr lang="en-US" sz="1100" dirty="0" smtClean="0"/>
-                        <a:t>    </a:t>
-                      </a:r>
-                      <a:r>
-                        <a:rPr lang="en-US" sz="1100" dirty="0" smtClean="0"/>
-                        <a:t>Object</a:t>
+                        <a:t>    Object</a:t>
                       </a:r>
                       <a:endParaRPr lang="en-US" sz="1100" b="0" dirty="0"/>
                     </a:p>
@@ -8228,7 +6398,7 @@
                     </a:lnR>
                   </a:tcPr>
                 </a:tc>
-                <a:tc gridSpan="2">
+                <a:tc gridSpan="4">
                   <a:txBody>
                     <a:bodyPr/>
                     <a:lstStyle/>
@@ -8278,6 +6448,26 @@
                       <a:prstDash val="solid"/>
                     </a:lnBlToTr>
                   </a:tcPr>
+                </a:tc>
+                <a:tc hMerge="1">
+                  <a:txBody>
+                    <a:bodyPr/>
+                    <a:lstStyle/>
+                    <a:p>
+                      <a:endParaRPr lang="en-US"/>
+                    </a:p>
+                  </a:txBody>
+                  <a:tcPr/>
+                </a:tc>
+                <a:tc hMerge="1">
+                  <a:txBody>
+                    <a:bodyPr/>
+                    <a:lstStyle/>
+                    <a:p>
+                      <a:endParaRPr lang="en-US"/>
+                    </a:p>
+                  </a:txBody>
+                  <a:tcPr/>
                 </a:tc>
                 <a:tc hMerge="1">
                   <a:txBody>
@@ -8324,16 +6514,15 @@
                     </a:lnR>
                   </a:tcPr>
                 </a:tc>
-                <a:tc gridSpan="2">
+                <a:tc gridSpan="4">
                   <a:txBody>
                     <a:bodyPr/>
                     <a:lstStyle/>
                     <a:p>
                       <a:r>
                         <a:rPr lang="en-US" sz="1100" b="0" dirty="0" smtClean="0"/>
-                        <a:t>example:object-fe0c45d2-1d5a-4d62-a0f1-8295c60a599d</a:t>
+                        <a:t>example:object-0a2b988c-00bc-4374-800b-0a9ab7acf6b3</a:t>
                       </a:r>
-                      <a:endParaRPr lang="en-US" sz="1100" b="0" dirty="0" smtClean="0"/>
                     </a:p>
                   </a:txBody>
                   <a:tcPr>
@@ -8435,6 +6624,26 @@
                     </a:lnBlToTr>
                   </a:tcPr>
                 </a:tc>
+                <a:tc hMerge="1">
+                  <a:txBody>
+                    <a:bodyPr/>
+                    <a:lstStyle/>
+                    <a:p>
+                      <a:endParaRPr lang="en-US"/>
+                    </a:p>
+                  </a:txBody>
+                  <a:tcPr/>
+                </a:tc>
+                <a:tc hMerge="1">
+                  <a:txBody>
+                    <a:bodyPr/>
+                    <a:lstStyle/>
+                    <a:p>
+                      <a:endParaRPr lang="en-US"/>
+                    </a:p>
+                  </a:txBody>
+                  <a:tcPr/>
+                </a:tc>
               </a:tr>
               <a:tr h="144405">
                 <a:tc>
@@ -8444,11 +6653,674 @@
                     <a:p>
                       <a:r>
                         <a:rPr lang="en-US" sz="1100" b="0" dirty="0" smtClean="0"/>
-                        <a:t>    </a:t>
+                        <a:t>            Properties</a:t>
+                      </a:r>
+                      <a:endParaRPr lang="en-US" sz="1100" b="0" dirty="0"/>
+                    </a:p>
+                  </a:txBody>
+                  <a:tcPr>
+                    <a:lnL w="12700" cap="flat" cmpd="sng" algn="ctr">
+                      <a:solidFill>
+                        <a:schemeClr val="tx1"/>
+                      </a:solidFill>
+                      <a:prstDash val="solid"/>
+                      <a:round/>
+                      <a:headEnd type="none" w="med" len="med"/>
+                      <a:tailEnd type="none" w="med" len="med"/>
+                    </a:lnL>
+                    <a:lnR w="12700" cap="flat" cmpd="sng" algn="ctr">
+                      <a:solidFill>
+                        <a:schemeClr val="tx1"/>
+                      </a:solidFill>
+                      <a:prstDash val="solid"/>
+                      <a:round/>
+                      <a:headEnd type="none" w="med" len="med"/>
+                      <a:tailEnd type="none" w="med" len="med"/>
+                    </a:lnR>
+                  </a:tcPr>
+                </a:tc>
+                <a:tc gridSpan="4">
+                  <a:txBody>
+                    <a:bodyPr/>
+                    <a:lstStyle/>
+                    <a:p>
+                      <a:pPr algn="r"/>
+                      <a:r>
+                        <a:rPr lang="en-US" sz="1100" b="0" dirty="0" err="1" smtClean="0">
+                          <a:solidFill>
+                            <a:schemeClr val="bg1">
+                              <a:lumMod val="50000"/>
+                            </a:schemeClr>
+                          </a:solidFill>
+                        </a:rPr>
+                        <a:t>EmailMessageObjectType</a:t>
+                      </a:r>
+                      <a:endParaRPr lang="en-US" sz="1100" b="0" dirty="0" smtClean="0">
+                        <a:solidFill>
+                          <a:schemeClr val="bg1">
+                            <a:lumMod val="50000"/>
+                          </a:schemeClr>
+                        </a:solidFill>
+                      </a:endParaRPr>
+                    </a:p>
+                  </a:txBody>
+                  <a:tcPr>
+                    <a:lnL w="12700" cap="flat" cmpd="sng" algn="ctr">
+                      <a:solidFill>
+                        <a:schemeClr val="tx1"/>
+                      </a:solidFill>
+                      <a:prstDash val="solid"/>
+                      <a:round/>
+                      <a:headEnd type="none" w="med" len="med"/>
+                      <a:tailEnd type="none" w="med" len="med"/>
+                    </a:lnL>
+                    <a:lnR w="12700" cap="flat" cmpd="sng" algn="ctr">
+                      <a:solidFill>
+                        <a:schemeClr val="tx1"/>
+                      </a:solidFill>
+                      <a:prstDash val="solid"/>
+                      <a:round/>
+                      <a:headEnd type="none" w="med" len="med"/>
+                      <a:tailEnd type="none" w="med" len="med"/>
+                    </a:lnR>
+                    <a:lnT w="12700" cap="flat" cmpd="sng" algn="ctr">
+                      <a:noFill/>
+                      <a:prstDash val="solid"/>
+                      <a:round/>
+                      <a:headEnd type="none" w="med" len="med"/>
+                      <a:tailEnd type="none" w="med" len="med"/>
+                    </a:lnT>
+                    <a:lnB w="12700" cap="flat" cmpd="sng" algn="ctr">
+                      <a:noFill/>
+                      <a:prstDash val="solid"/>
+                      <a:round/>
+                      <a:headEnd type="none" w="med" len="med"/>
+                      <a:tailEnd type="none" w="med" len="med"/>
+                    </a:lnB>
+                    <a:lnTlToBr w="12700" cmpd="sng">
+                      <a:noFill/>
+                      <a:prstDash val="solid"/>
+                    </a:lnTlToBr>
+                    <a:lnBlToTr w="12700" cmpd="sng">
+                      <a:noFill/>
+                      <a:prstDash val="solid"/>
+                    </a:lnBlToTr>
+                  </a:tcPr>
+                </a:tc>
+                <a:tc hMerge="1">
+                  <a:txBody>
+                    <a:bodyPr/>
+                    <a:lstStyle/>
+                    <a:p>
+                      <a:pPr algn="r"/>
+                      <a:endParaRPr lang="en-US" sz="1100" b="0" dirty="0" smtClean="0">
+                        <a:solidFill>
+                          <a:schemeClr val="bg1">
+                            <a:lumMod val="50000"/>
+                          </a:schemeClr>
+                        </a:solidFill>
+                      </a:endParaRPr>
+                    </a:p>
+                  </a:txBody>
+                  <a:tcPr>
+                    <a:lnL w="12700" cap="flat" cmpd="sng" algn="ctr">
+                      <a:noFill/>
+                      <a:prstDash val="solid"/>
+                      <a:round/>
+                      <a:headEnd type="none" w="med" len="med"/>
+                      <a:tailEnd type="none" w="med" len="med"/>
+                    </a:lnL>
+                    <a:lnR w="12700" cap="flat" cmpd="sng" algn="ctr">
+                      <a:solidFill>
+                        <a:schemeClr val="tx1"/>
+                      </a:solidFill>
+                      <a:prstDash val="solid"/>
+                      <a:round/>
+                      <a:headEnd type="none" w="med" len="med"/>
+                      <a:tailEnd type="none" w="med" len="med"/>
+                    </a:lnR>
+                    <a:lnT w="12700" cap="flat" cmpd="sng" algn="ctr">
+                      <a:noFill/>
+                      <a:prstDash val="solid"/>
+                      <a:round/>
+                      <a:headEnd type="none" w="med" len="med"/>
+                      <a:tailEnd type="none" w="med" len="med"/>
+                    </a:lnT>
+                    <a:lnB w="12700" cap="flat" cmpd="sng" algn="ctr">
+                      <a:noFill/>
+                      <a:prstDash val="solid"/>
+                      <a:round/>
+                      <a:headEnd type="none" w="med" len="med"/>
+                      <a:tailEnd type="none" w="med" len="med"/>
+                    </a:lnB>
+                    <a:lnTlToBr w="12700" cmpd="sng">
+                      <a:noFill/>
+                      <a:prstDash val="solid"/>
+                    </a:lnTlToBr>
+                    <a:lnBlToTr w="12700" cmpd="sng">
+                      <a:noFill/>
+                      <a:prstDash val="solid"/>
+                    </a:lnBlToTr>
+                  </a:tcPr>
+                </a:tc>
+                <a:tc hMerge="1">
+                  <a:txBody>
+                    <a:bodyPr/>
+                    <a:lstStyle/>
+                    <a:p>
+                      <a:endParaRPr lang="en-US"/>
+                    </a:p>
+                  </a:txBody>
+                  <a:tcPr/>
+                </a:tc>
+                <a:tc hMerge="1">
+                  <a:txBody>
+                    <a:bodyPr/>
+                    <a:lstStyle/>
+                    <a:p>
+                      <a:endParaRPr lang="en-US"/>
+                    </a:p>
+                  </a:txBody>
+                  <a:tcPr/>
+                </a:tc>
+              </a:tr>
+              <a:tr h="144405">
+                <a:tc>
+                  <a:txBody>
+                    <a:bodyPr/>
+                    <a:lstStyle/>
+                    <a:p>
+                      <a:r>
+                        <a:rPr lang="en-US" sz="1100" b="0" dirty="0" smtClean="0"/>
+                        <a:t>                Header</a:t>
+                      </a:r>
+                      <a:endParaRPr lang="en-US" sz="1100" b="0" dirty="0"/>
+                    </a:p>
+                  </a:txBody>
+                  <a:tcPr>
+                    <a:lnL w="12700" cap="flat" cmpd="sng" algn="ctr">
+                      <a:solidFill>
+                        <a:schemeClr val="tx1"/>
+                      </a:solidFill>
+                      <a:prstDash val="solid"/>
+                      <a:round/>
+                      <a:headEnd type="none" w="med" len="med"/>
+                      <a:tailEnd type="none" w="med" len="med"/>
+                    </a:lnL>
+                    <a:lnR w="12700" cap="flat" cmpd="sng" algn="ctr">
+                      <a:solidFill>
+                        <a:schemeClr val="tx1"/>
+                      </a:solidFill>
+                      <a:prstDash val="solid"/>
+                      <a:round/>
+                      <a:headEnd type="none" w="med" len="med"/>
+                      <a:tailEnd type="none" w="med" len="med"/>
+                    </a:lnR>
+                  </a:tcPr>
+                </a:tc>
+                <a:tc>
+                  <a:txBody>
+                    <a:bodyPr/>
+                    <a:lstStyle/>
+                    <a:p>
+                      <a:endParaRPr lang="en-US" sz="1100" b="0" dirty="0" smtClean="0"/>
+                    </a:p>
+                  </a:txBody>
+                  <a:tcPr>
+                    <a:lnL w="12700" cap="flat" cmpd="sng" algn="ctr">
+                      <a:solidFill>
+                        <a:schemeClr val="tx1"/>
+                      </a:solidFill>
+                      <a:prstDash val="solid"/>
+                      <a:round/>
+                      <a:headEnd type="none" w="med" len="med"/>
+                      <a:tailEnd type="none" w="med" len="med"/>
+                    </a:lnL>
+                    <a:lnR w="12700" cap="flat" cmpd="sng" algn="ctr">
+                      <a:noFill/>
+                      <a:prstDash val="solid"/>
+                      <a:round/>
+                      <a:headEnd type="none" w="med" len="med"/>
+                      <a:tailEnd type="none" w="med" len="med"/>
+                    </a:lnR>
+                    <a:lnT w="12700" cap="flat" cmpd="sng" algn="ctr">
+                      <a:noFill/>
+                      <a:prstDash val="solid"/>
+                      <a:round/>
+                      <a:headEnd type="none" w="med" len="med"/>
+                      <a:tailEnd type="none" w="med" len="med"/>
+                    </a:lnT>
+                    <a:lnB w="12700" cap="flat" cmpd="sng" algn="ctr">
+                      <a:noFill/>
+                      <a:prstDash val="solid"/>
+                      <a:round/>
+                      <a:headEnd type="none" w="med" len="med"/>
+                      <a:tailEnd type="none" w="med" len="med"/>
+                    </a:lnB>
+                    <a:lnTlToBr w="12700" cmpd="sng">
+                      <a:noFill/>
+                      <a:prstDash val="solid"/>
+                    </a:lnTlToBr>
+                    <a:lnBlToTr w="12700" cmpd="sng">
+                      <a:noFill/>
+                      <a:prstDash val="solid"/>
+                    </a:lnBlToTr>
+                  </a:tcPr>
+                </a:tc>
+                <a:tc gridSpan="3">
+                  <a:txBody>
+                    <a:bodyPr/>
+                    <a:lstStyle/>
+                    <a:p>
+                      <a:pPr algn="r"/>
+                      <a:endParaRPr lang="en-US" sz="1100" b="0" dirty="0" smtClean="0">
+                        <a:solidFill>
+                          <a:schemeClr val="bg1">
+                            <a:lumMod val="50000"/>
+                          </a:schemeClr>
+                        </a:solidFill>
+                      </a:endParaRPr>
+                    </a:p>
+                  </a:txBody>
+                  <a:tcPr>
+                    <a:lnL w="12700" cap="flat" cmpd="sng" algn="ctr">
+                      <a:noFill/>
+                      <a:prstDash val="solid"/>
+                      <a:round/>
+                      <a:headEnd type="none" w="med" len="med"/>
+                      <a:tailEnd type="none" w="med" len="med"/>
+                    </a:lnL>
+                    <a:lnR w="12700" cap="flat" cmpd="sng" algn="ctr">
+                      <a:solidFill>
+                        <a:schemeClr val="tx1"/>
+                      </a:solidFill>
+                      <a:prstDash val="solid"/>
+                      <a:round/>
+                      <a:headEnd type="none" w="med" len="med"/>
+                      <a:tailEnd type="none" w="med" len="med"/>
+                    </a:lnR>
+                    <a:lnT w="12700" cap="flat" cmpd="sng" algn="ctr">
+                      <a:noFill/>
+                      <a:prstDash val="solid"/>
+                      <a:round/>
+                      <a:headEnd type="none" w="med" len="med"/>
+                      <a:tailEnd type="none" w="med" len="med"/>
+                    </a:lnT>
+                    <a:lnB w="12700" cap="flat" cmpd="sng" algn="ctr">
+                      <a:noFill/>
+                      <a:prstDash val="solid"/>
+                      <a:round/>
+                      <a:headEnd type="none" w="med" len="med"/>
+                      <a:tailEnd type="none" w="med" len="med"/>
+                    </a:lnB>
+                    <a:lnTlToBr w="12700" cmpd="sng">
+                      <a:noFill/>
+                      <a:prstDash val="solid"/>
+                    </a:lnTlToBr>
+                    <a:lnBlToTr w="12700" cmpd="sng">
+                      <a:noFill/>
+                      <a:prstDash val="solid"/>
+                    </a:lnBlToTr>
+                  </a:tcPr>
+                </a:tc>
+                <a:tc hMerge="1">
+                  <a:txBody>
+                    <a:bodyPr/>
+                    <a:lstStyle/>
+                    <a:p>
+                      <a:endParaRPr lang="en-US"/>
+                    </a:p>
+                  </a:txBody>
+                  <a:tcPr/>
+                </a:tc>
+                <a:tc hMerge="1">
+                  <a:txBody>
+                    <a:bodyPr/>
+                    <a:lstStyle/>
+                    <a:p>
+                      <a:endParaRPr lang="en-US"/>
+                    </a:p>
+                  </a:txBody>
+                  <a:tcPr/>
+                </a:tc>
+              </a:tr>
+              <a:tr h="144405">
+                <a:tc>
+                  <a:txBody>
+                    <a:bodyPr/>
+                    <a:lstStyle/>
+                    <a:p>
+                      <a:r>
+                        <a:rPr lang="en-US" sz="1100" b="0" dirty="0" smtClean="0"/>
+                        <a:t>                    Attachments</a:t>
+                      </a:r>
+                      <a:endParaRPr lang="en-US" sz="1100" b="0" dirty="0"/>
+                    </a:p>
+                  </a:txBody>
+                  <a:tcPr>
+                    <a:lnL w="12700" cap="flat" cmpd="sng" algn="ctr">
+                      <a:solidFill>
+                        <a:schemeClr val="tx1"/>
+                      </a:solidFill>
+                      <a:prstDash val="solid"/>
+                      <a:round/>
+                      <a:headEnd type="none" w="med" len="med"/>
+                      <a:tailEnd type="none" w="med" len="med"/>
+                    </a:lnL>
+                    <a:lnR w="12700" cap="flat" cmpd="sng" algn="ctr">
+                      <a:solidFill>
+                        <a:schemeClr val="tx1"/>
+                      </a:solidFill>
+                      <a:prstDash val="solid"/>
+                      <a:round/>
+                      <a:headEnd type="none" w="med" len="med"/>
+                      <a:tailEnd type="none" w="med" len="med"/>
+                    </a:lnR>
+                  </a:tcPr>
+                </a:tc>
+                <a:tc gridSpan="4">
+                  <a:txBody>
+                    <a:bodyPr/>
+                    <a:lstStyle/>
+                    <a:p>
+                      <a:pPr marL="0" marR="0" indent="0" algn="l" defTabSz="914400" rtl="0" eaLnBrk="1" fontAlgn="auto" latinLnBrk="0" hangingPunct="1">
+                        <a:lnSpc>
+                          <a:spcPct val="100000"/>
+                        </a:lnSpc>
+                        <a:spcBef>
+                          <a:spcPts val="0"/>
+                        </a:spcBef>
+                        <a:spcAft>
+                          <a:spcPts val="0"/>
+                        </a:spcAft>
+                        <a:buClrTx/>
+                        <a:buSzTx/>
+                        <a:buFontTx/>
+                        <a:buNone/>
+                        <a:tabLst/>
+                        <a:defRPr/>
+                      </a:pPr>
+                      <a:endParaRPr lang="en-US" sz="1100" b="0" dirty="0" smtClean="0"/>
+                    </a:p>
+                  </a:txBody>
+                  <a:tcPr>
+                    <a:lnL w="12700" cap="flat" cmpd="sng" algn="ctr">
+                      <a:solidFill>
+                        <a:schemeClr val="tx1"/>
+                      </a:solidFill>
+                      <a:prstDash val="solid"/>
+                      <a:round/>
+                      <a:headEnd type="none" w="med" len="med"/>
+                      <a:tailEnd type="none" w="med" len="med"/>
+                    </a:lnL>
+                    <a:lnR w="12700" cap="flat" cmpd="sng" algn="ctr">
+                      <a:solidFill>
+                        <a:schemeClr val="tx1"/>
+                      </a:solidFill>
+                      <a:prstDash val="solid"/>
+                      <a:round/>
+                      <a:headEnd type="none" w="med" len="med"/>
+                      <a:tailEnd type="none" w="med" len="med"/>
+                    </a:lnR>
+                    <a:lnT w="12700" cap="flat" cmpd="sng" algn="ctr">
+                      <a:noFill/>
+                      <a:prstDash val="solid"/>
+                      <a:round/>
+                      <a:headEnd type="none" w="med" len="med"/>
+                      <a:tailEnd type="none" w="med" len="med"/>
+                    </a:lnT>
+                    <a:lnB w="12700" cap="flat" cmpd="sng" algn="ctr">
+                      <a:noFill/>
+                      <a:prstDash val="solid"/>
+                      <a:round/>
+                      <a:headEnd type="none" w="med" len="med"/>
+                      <a:tailEnd type="none" w="med" len="med"/>
+                    </a:lnB>
+                    <a:lnTlToBr w="12700" cmpd="sng">
+                      <a:noFill/>
+                      <a:prstDash val="solid"/>
+                    </a:lnTlToBr>
+                    <a:lnBlToTr w="12700" cmpd="sng">
+                      <a:noFill/>
+                      <a:prstDash val="solid"/>
+                    </a:lnBlToTr>
+                  </a:tcPr>
+                </a:tc>
+                <a:tc hMerge="1">
+                  <a:txBody>
+                    <a:bodyPr/>
+                    <a:lstStyle/>
+                    <a:p>
+                      <a:pPr algn="r"/>
+                      <a:endParaRPr lang="en-US" sz="1100" b="0" dirty="0" smtClean="0">
+                        <a:solidFill>
+                          <a:schemeClr val="bg1">
+                            <a:lumMod val="50000"/>
+                          </a:schemeClr>
+                        </a:solidFill>
+                      </a:endParaRPr>
+                    </a:p>
+                  </a:txBody>
+                  <a:tcPr>
+                    <a:lnL w="12700" cap="flat" cmpd="sng" algn="ctr">
+                      <a:solidFill>
+                        <a:schemeClr val="tx1"/>
+                      </a:solidFill>
+                      <a:prstDash val="solid"/>
+                      <a:round/>
+                      <a:headEnd type="none" w="med" len="med"/>
+                      <a:tailEnd type="none" w="med" len="med"/>
+                    </a:lnL>
+                    <a:lnR w="12700" cap="flat" cmpd="sng" algn="ctr">
+                      <a:solidFill>
+                        <a:schemeClr val="tx1"/>
+                      </a:solidFill>
+                      <a:prstDash val="solid"/>
+                      <a:round/>
+                      <a:headEnd type="none" w="med" len="med"/>
+                      <a:tailEnd type="none" w="med" len="med"/>
+                    </a:lnR>
+                    <a:lnT w="12700" cap="flat" cmpd="sng" algn="ctr">
+                      <a:noFill/>
+                      <a:prstDash val="solid"/>
+                      <a:round/>
+                      <a:headEnd type="none" w="med" len="med"/>
+                      <a:tailEnd type="none" w="med" len="med"/>
+                    </a:lnT>
+                    <a:lnB w="12700" cap="flat" cmpd="sng" algn="ctr">
+                      <a:noFill/>
+                      <a:prstDash val="solid"/>
+                      <a:round/>
+                      <a:headEnd type="none" w="med" len="med"/>
+                      <a:tailEnd type="none" w="med" len="med"/>
+                    </a:lnB>
+                    <a:lnTlToBr w="12700" cmpd="sng">
+                      <a:noFill/>
+                      <a:prstDash val="solid"/>
+                    </a:lnTlToBr>
+                    <a:lnBlToTr w="12700" cmpd="sng">
+                      <a:noFill/>
+                      <a:prstDash val="solid"/>
+                    </a:lnBlToTr>
+                  </a:tcPr>
+                </a:tc>
+                <a:tc hMerge="1">
+                  <a:txBody>
+                    <a:bodyPr/>
+                    <a:lstStyle/>
+                    <a:p>
+                      <a:endParaRPr lang="en-US"/>
+                    </a:p>
+                  </a:txBody>
+                  <a:tcPr/>
+                </a:tc>
+                <a:tc hMerge="1">
+                  <a:txBody>
+                    <a:bodyPr/>
+                    <a:lstStyle/>
+                    <a:p>
+                      <a:endParaRPr lang="en-US"/>
+                    </a:p>
+                  </a:txBody>
+                  <a:tcPr/>
+                </a:tc>
+              </a:tr>
+              <a:tr h="144405">
+                <a:tc>
+                  <a:txBody>
+                    <a:bodyPr/>
+                    <a:lstStyle/>
+                    <a:p>
+                      <a:r>
+                        <a:rPr lang="en-US" sz="1100" b="0" dirty="0" smtClean="0"/>
+                        <a:t>                        File</a:t>
+                      </a:r>
+                      <a:endParaRPr lang="en-US" sz="1100" b="0" dirty="0"/>
+                    </a:p>
+                  </a:txBody>
+                  <a:tcPr>
+                    <a:lnL w="12700" cap="flat" cmpd="sng" algn="ctr">
+                      <a:solidFill>
+                        <a:schemeClr val="tx1"/>
+                      </a:solidFill>
+                      <a:prstDash val="solid"/>
+                      <a:round/>
+                      <a:headEnd type="none" w="med" len="med"/>
+                      <a:tailEnd type="none" w="med" len="med"/>
+                    </a:lnL>
+                    <a:lnR w="12700" cap="flat" cmpd="sng" algn="ctr">
+                      <a:solidFill>
+                        <a:schemeClr val="tx1"/>
+                      </a:solidFill>
+                      <a:prstDash val="solid"/>
+                      <a:round/>
+                      <a:headEnd type="none" w="med" len="med"/>
+                      <a:tailEnd type="none" w="med" len="med"/>
+                    </a:lnR>
+                  </a:tcPr>
+                </a:tc>
+                <a:tc gridSpan="4">
+                  <a:txBody>
+                    <a:bodyPr/>
+                    <a:lstStyle/>
+                    <a:p>
+                      <a:pPr marL="0" marR="0" indent="0" algn="l" defTabSz="914400" rtl="0" eaLnBrk="1" fontAlgn="auto" latinLnBrk="0" hangingPunct="1">
+                        <a:lnSpc>
+                          <a:spcPct val="100000"/>
+                        </a:lnSpc>
+                        <a:spcBef>
+                          <a:spcPts val="0"/>
+                        </a:spcBef>
+                        <a:spcAft>
+                          <a:spcPts val="0"/>
+                        </a:spcAft>
+                        <a:buClrTx/>
+                        <a:buSzTx/>
+                        <a:buFontTx/>
+                        <a:buNone/>
+                        <a:tabLst/>
+                        <a:defRPr/>
+                      </a:pPr>
+                      <a:endParaRPr lang="en-US" sz="1100" b="0" dirty="0" smtClean="0"/>
+                    </a:p>
+                  </a:txBody>
+                  <a:tcPr>
+                    <a:lnL w="12700" cap="flat" cmpd="sng" algn="ctr">
+                      <a:solidFill>
+                        <a:schemeClr val="tx1"/>
+                      </a:solidFill>
+                      <a:prstDash val="solid"/>
+                      <a:round/>
+                      <a:headEnd type="none" w="med" len="med"/>
+                      <a:tailEnd type="none" w="med" len="med"/>
+                    </a:lnL>
+                    <a:lnR w="12700" cap="flat" cmpd="sng" algn="ctr">
+                      <a:solidFill>
+                        <a:schemeClr val="tx1"/>
+                      </a:solidFill>
+                      <a:prstDash val="solid"/>
+                      <a:round/>
+                      <a:headEnd type="none" w="med" len="med"/>
+                      <a:tailEnd type="none" w="med" len="med"/>
+                    </a:lnR>
+                    <a:lnT w="12700" cap="flat" cmpd="sng" algn="ctr">
+                      <a:noFill/>
+                      <a:prstDash val="solid"/>
+                      <a:round/>
+                      <a:headEnd type="none" w="med" len="med"/>
+                      <a:tailEnd type="none" w="med" len="med"/>
+                    </a:lnT>
+                    <a:lnB w="12700" cap="flat" cmpd="sng" algn="ctr">
+                      <a:noFill/>
+                      <a:prstDash val="solid"/>
+                      <a:round/>
+                      <a:headEnd type="none" w="med" len="med"/>
+                      <a:tailEnd type="none" w="med" len="med"/>
+                    </a:lnB>
+                    <a:lnTlToBr w="12700" cmpd="sng">
+                      <a:noFill/>
+                      <a:prstDash val="solid"/>
+                    </a:lnTlToBr>
+                    <a:lnBlToTr w="12700" cmpd="sng">
+                      <a:noFill/>
+                      <a:prstDash val="solid"/>
+                    </a:lnBlToTr>
+                  </a:tcPr>
+                </a:tc>
+                <a:tc hMerge="1">
+                  <a:txBody>
+                    <a:bodyPr/>
+                    <a:lstStyle/>
+                    <a:p>
+                      <a:endParaRPr lang="en-US" dirty="0"/>
+                    </a:p>
+                  </a:txBody>
+                  <a:tcPr>
+                    <a:lnL w="12700" cap="flat" cmpd="sng" algn="ctr">
+                      <a:solidFill>
+                        <a:schemeClr val="tx1"/>
+                      </a:solidFill>
+                      <a:prstDash val="solid"/>
+                      <a:round/>
+                      <a:headEnd type="none" w="med" len="med"/>
+                      <a:tailEnd type="none" w="med" len="med"/>
+                    </a:lnL>
+                  </a:tcPr>
+                </a:tc>
+                <a:tc hMerge="1">
+                  <a:txBody>
+                    <a:bodyPr/>
+                    <a:lstStyle/>
+                    <a:p>
+                      <a:endParaRPr lang="en-US"/>
+                    </a:p>
+                  </a:txBody>
+                  <a:tcPr/>
+                </a:tc>
+                <a:tc hMerge="1">
+                  <a:txBody>
+                    <a:bodyPr/>
+                    <a:lstStyle/>
+                    <a:p>
+                      <a:endParaRPr lang="en-US"/>
+                    </a:p>
+                  </a:txBody>
+                  <a:tcPr/>
+                </a:tc>
+              </a:tr>
+              <a:tr h="144405">
+                <a:tc>
+                  <a:txBody>
+                    <a:bodyPr/>
+                    <a:lstStyle/>
+                    <a:p>
+                      <a:r>
+                        <a:rPr lang="en-US" sz="1100" b="0" dirty="0" smtClean="0"/>
+                        <a:t>                </a:t>
                       </a:r>
                       <a:r>
-                        <a:rPr lang="en-US" sz="1100" b="0" dirty="0" smtClean="0"/>
-                        <a:t>    Properties</a:t>
+                        <a:rPr lang="en-US" sz="1100" b="0" baseline="0" dirty="0" smtClean="0"/>
+                        <a:t>            Object Reference</a:t>
                       </a:r>
                       <a:endParaRPr lang="en-US" sz="1100" b="0" dirty="0"/>
                     </a:p>
@@ -8474,26 +7346,48 @@
                     </a:lnR>
                   </a:tcPr>
                 </a:tc>
-                <a:tc>
-                  <a:txBody>
-                    <a:bodyPr/>
-                    <a:lstStyle/>
-                    <a:p>
-                      <a:endParaRPr lang="en-US" sz="1100" b="0" dirty="0" smtClean="0"/>
-                    </a:p>
-                  </a:txBody>
-                  <a:tcPr>
-                    <a:lnL w="12700" cap="flat" cmpd="sng" algn="ctr">
-                      <a:solidFill>
-                        <a:schemeClr val="tx1"/>
-                      </a:solidFill>
-                      <a:prstDash val="solid"/>
-                      <a:round/>
-                      <a:headEnd type="none" w="med" len="med"/>
-                      <a:tailEnd type="none" w="med" len="med"/>
-                    </a:lnL>
-                    <a:lnR w="12700" cap="flat" cmpd="sng" algn="ctr">
-                      <a:noFill/>
+                <a:tc gridSpan="4">
+                  <a:txBody>
+                    <a:bodyPr/>
+                    <a:lstStyle/>
+                    <a:p>
+                      <a:pPr marL="0" marR="0" indent="0" algn="l" defTabSz="914400" rtl="0" eaLnBrk="1" fontAlgn="auto" latinLnBrk="0" hangingPunct="1">
+                        <a:lnSpc>
+                          <a:spcPct val="100000"/>
+                        </a:lnSpc>
+                        <a:spcBef>
+                          <a:spcPts val="0"/>
+                        </a:spcBef>
+                        <a:spcAft>
+                          <a:spcPts val="0"/>
+                        </a:spcAft>
+                        <a:buClrTx/>
+                        <a:buSzTx/>
+                        <a:buFontTx/>
+                        <a:buNone/>
+                        <a:tabLst/>
+                        <a:defRPr/>
+                      </a:pPr>
+                      <a:r>
+                        <a:rPr lang="en-US" sz="1100" b="0" dirty="0" smtClean="0"/>
+                        <a:t>example:object-fe0c45d2-1d5a-4d62-a0f1-8295c60a599d</a:t>
+                      </a:r>
+                    </a:p>
+                  </a:txBody>
+                  <a:tcPr>
+                    <a:lnL w="12700" cap="flat" cmpd="sng" algn="ctr">
+                      <a:solidFill>
+                        <a:schemeClr val="tx1"/>
+                      </a:solidFill>
+                      <a:prstDash val="solid"/>
+                      <a:round/>
+                      <a:headEnd type="none" w="med" len="med"/>
+                      <a:tailEnd type="none" w="med" len="med"/>
+                    </a:lnL>
+                    <a:lnR w="12700" cap="flat" cmpd="sng" algn="ctr">
+                      <a:solidFill>
+                        <a:schemeClr val="tx1"/>
+                      </a:solidFill>
                       <a:prstDash val="solid"/>
                       <a:round/>
                       <a:headEnd type="none" w="med" len="med"/>
@@ -8523,12 +7417,573 @@
                     </a:lnBlToTr>
                   </a:tcPr>
                 </a:tc>
+                <a:tc hMerge="1">
+                  <a:txBody>
+                    <a:bodyPr/>
+                    <a:lstStyle/>
+                    <a:p>
+                      <a:endParaRPr lang="en-US" dirty="0"/>
+                    </a:p>
+                  </a:txBody>
+                  <a:tcPr>
+                    <a:lnL w="12700" cap="flat" cmpd="sng" algn="ctr">
+                      <a:solidFill>
+                        <a:schemeClr val="tx1"/>
+                      </a:solidFill>
+                      <a:prstDash val="solid"/>
+                      <a:round/>
+                      <a:headEnd type="none" w="med" len="med"/>
+                      <a:tailEnd type="none" w="med" len="med"/>
+                    </a:lnL>
+                  </a:tcPr>
+                </a:tc>
+                <a:tc hMerge="1">
+                  <a:txBody>
+                    <a:bodyPr/>
+                    <a:lstStyle/>
+                    <a:p>
+                      <a:endParaRPr lang="en-US"/>
+                    </a:p>
+                  </a:txBody>
+                  <a:tcPr/>
+                </a:tc>
+                <a:tc hMerge="1">
+                  <a:txBody>
+                    <a:bodyPr/>
+                    <a:lstStyle/>
+                    <a:p>
+                      <a:endParaRPr lang="en-US"/>
+                    </a:p>
+                  </a:txBody>
+                  <a:tcPr/>
+                </a:tc>
+              </a:tr>
+              <a:tr h="144405">
                 <a:tc>
                   <a:txBody>
                     <a:bodyPr/>
                     <a:lstStyle/>
                     <a:p>
-                      <a:pPr algn="r"/>
+                      <a:r>
+                        <a:rPr lang="en-US" sz="1100" b="0" dirty="0" smtClean="0"/>
+                        <a:t>        Related Object</a:t>
+                      </a:r>
+                      <a:endParaRPr lang="en-US" sz="1100" b="0" dirty="0"/>
+                    </a:p>
+                  </a:txBody>
+                  <a:tcPr>
+                    <a:lnL w="12700" cap="flat" cmpd="sng" algn="ctr">
+                      <a:solidFill>
+                        <a:schemeClr val="tx1"/>
+                      </a:solidFill>
+                      <a:prstDash val="solid"/>
+                      <a:round/>
+                      <a:headEnd type="none" w="med" len="med"/>
+                      <a:tailEnd type="none" w="med" len="med"/>
+                    </a:lnL>
+                    <a:lnR w="12700" cap="flat" cmpd="sng" algn="ctr">
+                      <a:solidFill>
+                        <a:schemeClr val="tx1"/>
+                      </a:solidFill>
+                      <a:prstDash val="solid"/>
+                      <a:round/>
+                      <a:headEnd type="none" w="med" len="med"/>
+                      <a:tailEnd type="none" w="med" len="med"/>
+                    </a:lnR>
+                  </a:tcPr>
+                </a:tc>
+                <a:tc gridSpan="4">
+                  <a:txBody>
+                    <a:bodyPr/>
+                    <a:lstStyle/>
+                    <a:p>
+                      <a:pPr marL="0" marR="0" indent="0" algn="l" defTabSz="914400" rtl="0" eaLnBrk="1" fontAlgn="auto" latinLnBrk="0" hangingPunct="1">
+                        <a:lnSpc>
+                          <a:spcPct val="100000"/>
+                        </a:lnSpc>
+                        <a:spcBef>
+                          <a:spcPts val="0"/>
+                        </a:spcBef>
+                        <a:spcAft>
+                          <a:spcPts val="0"/>
+                        </a:spcAft>
+                        <a:buClrTx/>
+                        <a:buSzTx/>
+                        <a:buFontTx/>
+                        <a:buNone/>
+                        <a:tabLst/>
+                        <a:defRPr/>
+                      </a:pPr>
+                      <a:endParaRPr lang="en-US" sz="1100" b="0" dirty="0" smtClean="0"/>
+                    </a:p>
+                  </a:txBody>
+                  <a:tcPr>
+                    <a:lnL w="12700" cap="flat" cmpd="sng" algn="ctr">
+                      <a:solidFill>
+                        <a:schemeClr val="tx1"/>
+                      </a:solidFill>
+                      <a:prstDash val="solid"/>
+                      <a:round/>
+                      <a:headEnd type="none" w="med" len="med"/>
+                      <a:tailEnd type="none" w="med" len="med"/>
+                    </a:lnL>
+                    <a:lnR w="12700" cap="flat" cmpd="sng" algn="ctr">
+                      <a:solidFill>
+                        <a:schemeClr val="tx1"/>
+                      </a:solidFill>
+                      <a:prstDash val="solid"/>
+                      <a:round/>
+                      <a:headEnd type="none" w="med" len="med"/>
+                      <a:tailEnd type="none" w="med" len="med"/>
+                    </a:lnR>
+                    <a:lnT w="12700" cap="flat" cmpd="sng" algn="ctr">
+                      <a:noFill/>
+                      <a:prstDash val="solid"/>
+                      <a:round/>
+                      <a:headEnd type="none" w="med" len="med"/>
+                      <a:tailEnd type="none" w="med" len="med"/>
+                    </a:lnT>
+                    <a:lnB w="12700" cap="flat" cmpd="sng" algn="ctr">
+                      <a:noFill/>
+                      <a:prstDash val="solid"/>
+                      <a:round/>
+                      <a:headEnd type="none" w="med" len="med"/>
+                      <a:tailEnd type="none" w="med" len="med"/>
+                    </a:lnB>
+                    <a:lnTlToBr w="12700" cmpd="sng">
+                      <a:noFill/>
+                      <a:prstDash val="solid"/>
+                    </a:lnTlToBr>
+                    <a:lnBlToTr w="12700" cmpd="sng">
+                      <a:noFill/>
+                      <a:prstDash val="solid"/>
+                    </a:lnBlToTr>
+                  </a:tcPr>
+                </a:tc>
+                <a:tc hMerge="1">
+                  <a:txBody>
+                    <a:bodyPr/>
+                    <a:lstStyle/>
+                    <a:p>
+                      <a:endParaRPr lang="en-US"/>
+                    </a:p>
+                  </a:txBody>
+                  <a:tcPr/>
+                </a:tc>
+                <a:tc hMerge="1">
+                  <a:txBody>
+                    <a:bodyPr/>
+                    <a:lstStyle/>
+                    <a:p>
+                      <a:endParaRPr lang="en-US"/>
+                    </a:p>
+                  </a:txBody>
+                  <a:tcPr/>
+                </a:tc>
+                <a:tc hMerge="1">
+                  <a:txBody>
+                    <a:bodyPr/>
+                    <a:lstStyle/>
+                    <a:p>
+                      <a:endParaRPr lang="en-US"/>
+                    </a:p>
+                  </a:txBody>
+                  <a:tcPr/>
+                </a:tc>
+              </a:tr>
+              <a:tr h="144405">
+                <a:tc>
+                  <a:txBody>
+                    <a:bodyPr/>
+                    <a:lstStyle/>
+                    <a:p>
+                      <a:r>
+                        <a:rPr lang="en-US" sz="1100" b="0" dirty="0" smtClean="0"/>
+                        <a:t>            ID</a:t>
+                      </a:r>
+                      <a:endParaRPr lang="en-US" sz="1100" b="0" dirty="0"/>
+                    </a:p>
+                  </a:txBody>
+                  <a:tcPr>
+                    <a:lnL w="12700" cap="flat" cmpd="sng" algn="ctr">
+                      <a:solidFill>
+                        <a:schemeClr val="tx1"/>
+                      </a:solidFill>
+                      <a:prstDash val="solid"/>
+                      <a:round/>
+                      <a:headEnd type="none" w="med" len="med"/>
+                      <a:tailEnd type="none" w="med" len="med"/>
+                    </a:lnL>
+                    <a:lnR w="12700" cap="flat" cmpd="sng" algn="ctr">
+                      <a:solidFill>
+                        <a:schemeClr val="tx1"/>
+                      </a:solidFill>
+                      <a:prstDash val="solid"/>
+                      <a:round/>
+                      <a:headEnd type="none" w="med" len="med"/>
+                      <a:tailEnd type="none" w="med" len="med"/>
+                    </a:lnR>
+                  </a:tcPr>
+                </a:tc>
+                <a:tc gridSpan="4">
+                  <a:txBody>
+                    <a:bodyPr/>
+                    <a:lstStyle/>
+                    <a:p>
+                      <a:pPr marL="0" marR="0" indent="0" algn="l" defTabSz="914400" rtl="0" eaLnBrk="1" fontAlgn="auto" latinLnBrk="0" hangingPunct="1">
+                        <a:lnSpc>
+                          <a:spcPct val="100000"/>
+                        </a:lnSpc>
+                        <a:spcBef>
+                          <a:spcPts val="0"/>
+                        </a:spcBef>
+                        <a:spcAft>
+                          <a:spcPts val="0"/>
+                        </a:spcAft>
+                        <a:buClrTx/>
+                        <a:buSzTx/>
+                        <a:buFontTx/>
+                        <a:buNone/>
+                        <a:tabLst/>
+                        <a:defRPr/>
+                      </a:pPr>
+                      <a:r>
+                        <a:rPr lang="en-US" sz="1100" b="0" dirty="0" smtClean="0"/>
+                        <a:t>example:object-fe0c45d2-1d5a-4d62-a0f1-8295c60a599d</a:t>
+                      </a:r>
+                    </a:p>
+                  </a:txBody>
+                  <a:tcPr>
+                    <a:lnL w="12700" cap="flat" cmpd="sng" algn="ctr">
+                      <a:solidFill>
+                        <a:schemeClr val="tx1"/>
+                      </a:solidFill>
+                      <a:prstDash val="solid"/>
+                      <a:round/>
+                      <a:headEnd type="none" w="med" len="med"/>
+                      <a:tailEnd type="none" w="med" len="med"/>
+                    </a:lnL>
+                    <a:lnR w="12700" cap="flat" cmpd="sng" algn="ctr">
+                      <a:solidFill>
+                        <a:schemeClr val="tx1"/>
+                      </a:solidFill>
+                      <a:prstDash val="solid"/>
+                      <a:round/>
+                      <a:headEnd type="none" w="med" len="med"/>
+                      <a:tailEnd type="none" w="med" len="med"/>
+                    </a:lnR>
+                    <a:lnT w="12700" cap="flat" cmpd="sng" algn="ctr">
+                      <a:noFill/>
+                      <a:prstDash val="solid"/>
+                      <a:round/>
+                      <a:headEnd type="none" w="med" len="med"/>
+                      <a:tailEnd type="none" w="med" len="med"/>
+                    </a:lnT>
+                    <a:lnB w="12700" cap="flat" cmpd="sng" algn="ctr">
+                      <a:noFill/>
+                      <a:prstDash val="solid"/>
+                      <a:round/>
+                      <a:headEnd type="none" w="med" len="med"/>
+                      <a:tailEnd type="none" w="med" len="med"/>
+                    </a:lnB>
+                    <a:lnTlToBr w="12700" cmpd="sng">
+                      <a:noFill/>
+                      <a:prstDash val="solid"/>
+                    </a:lnTlToBr>
+                    <a:lnBlToTr w="12700" cmpd="sng">
+                      <a:noFill/>
+                      <a:prstDash val="solid"/>
+                    </a:lnBlToTr>
+                  </a:tcPr>
+                </a:tc>
+                <a:tc hMerge="1">
+                  <a:txBody>
+                    <a:bodyPr/>
+                    <a:lstStyle/>
+                    <a:p>
+                      <a:endParaRPr lang="en-US"/>
+                    </a:p>
+                  </a:txBody>
+                  <a:tcPr/>
+                </a:tc>
+                <a:tc hMerge="1">
+                  <a:txBody>
+                    <a:bodyPr/>
+                    <a:lstStyle/>
+                    <a:p>
+                      <a:endParaRPr lang="en-US"/>
+                    </a:p>
+                  </a:txBody>
+                  <a:tcPr/>
+                </a:tc>
+                <a:tc hMerge="1">
+                  <a:txBody>
+                    <a:bodyPr/>
+                    <a:lstStyle/>
+                    <a:p>
+                      <a:endParaRPr lang="en-US"/>
+                    </a:p>
+                  </a:txBody>
+                  <a:tcPr/>
+                </a:tc>
+              </a:tr>
+              <a:tr h="144405">
+                <a:tc>
+                  <a:txBody>
+                    <a:bodyPr/>
+                    <a:lstStyle/>
+                    <a:p>
+                      <a:r>
+                        <a:rPr lang="en-US" sz="1100" b="0" dirty="0" smtClean="0"/>
+                        <a:t>            Relationship</a:t>
+                      </a:r>
+                      <a:endParaRPr lang="en-US" sz="1100" b="0" dirty="0"/>
+                    </a:p>
+                  </a:txBody>
+                  <a:tcPr>
+                    <a:lnL w="12700" cap="flat" cmpd="sng" algn="ctr">
+                      <a:solidFill>
+                        <a:schemeClr val="tx1"/>
+                      </a:solidFill>
+                      <a:prstDash val="solid"/>
+                      <a:round/>
+                      <a:headEnd type="none" w="med" len="med"/>
+                      <a:tailEnd type="none" w="med" len="med"/>
+                    </a:lnL>
+                    <a:lnR w="12700" cap="flat" cmpd="sng" algn="ctr">
+                      <a:solidFill>
+                        <a:schemeClr val="tx1"/>
+                      </a:solidFill>
+                      <a:prstDash val="solid"/>
+                      <a:round/>
+                      <a:headEnd type="none" w="med" len="med"/>
+                      <a:tailEnd type="none" w="med" len="med"/>
+                    </a:lnR>
+                  </a:tcPr>
+                </a:tc>
+                <a:tc gridSpan="3">
+                  <a:txBody>
+                    <a:bodyPr/>
+                    <a:lstStyle/>
+                    <a:p>
+                      <a:pPr marL="0" marR="0" indent="0" algn="l" defTabSz="914400" rtl="0" eaLnBrk="1" fontAlgn="auto" latinLnBrk="0" hangingPunct="1">
+                        <a:lnSpc>
+                          <a:spcPct val="100000"/>
+                        </a:lnSpc>
+                        <a:spcBef>
+                          <a:spcPts val="0"/>
+                        </a:spcBef>
+                        <a:spcAft>
+                          <a:spcPts val="0"/>
+                        </a:spcAft>
+                        <a:buClrTx/>
+                        <a:buSzTx/>
+                        <a:buFontTx/>
+                        <a:buNone/>
+                        <a:tabLst/>
+                        <a:defRPr/>
+                      </a:pPr>
+                      <a:r>
+                        <a:rPr lang="en-US" sz="1100" b="0" dirty="0" smtClean="0"/>
+                        <a:t>Contains</a:t>
+                      </a:r>
+                      <a:endParaRPr lang="en-US" sz="1100" b="0" dirty="0" smtClean="0"/>
+                    </a:p>
+                  </a:txBody>
+                  <a:tcPr>
+                    <a:lnL w="12700" cap="flat" cmpd="sng" algn="ctr">
+                      <a:solidFill>
+                        <a:schemeClr val="tx1"/>
+                      </a:solidFill>
+                      <a:prstDash val="solid"/>
+                      <a:round/>
+                      <a:headEnd type="none" w="med" len="med"/>
+                      <a:tailEnd type="none" w="med" len="med"/>
+                    </a:lnL>
+                    <a:lnR w="12700" cap="flat" cmpd="sng" algn="ctr">
+                      <a:noFill/>
+                      <a:prstDash val="solid"/>
+                      <a:round/>
+                      <a:headEnd type="none" w="med" len="med"/>
+                      <a:tailEnd type="none" w="med" len="med"/>
+                    </a:lnR>
+                    <a:lnT w="12700" cap="flat" cmpd="sng" algn="ctr">
+                      <a:noFill/>
+                      <a:prstDash val="solid"/>
+                      <a:round/>
+                      <a:headEnd type="none" w="med" len="med"/>
+                      <a:tailEnd type="none" w="med" len="med"/>
+                    </a:lnT>
+                    <a:lnB w="12700" cap="flat" cmpd="sng" algn="ctr">
+                      <a:noFill/>
+                      <a:prstDash val="solid"/>
+                      <a:round/>
+                      <a:headEnd type="none" w="med" len="med"/>
+                      <a:tailEnd type="none" w="med" len="med"/>
+                    </a:lnB>
+                    <a:lnTlToBr w="12700" cmpd="sng">
+                      <a:noFill/>
+                      <a:prstDash val="solid"/>
+                    </a:lnTlToBr>
+                    <a:lnBlToTr w="12700" cmpd="sng">
+                      <a:noFill/>
+                      <a:prstDash val="solid"/>
+                    </a:lnBlToTr>
+                  </a:tcPr>
+                </a:tc>
+                <a:tc hMerge="1">
+                  <a:txBody>
+                    <a:bodyPr/>
+                    <a:lstStyle/>
+                    <a:p>
+                      <a:endParaRPr lang="en-US"/>
+                    </a:p>
+                  </a:txBody>
+                  <a:tcPr/>
+                </a:tc>
+                <a:tc hMerge="1">
+                  <a:txBody>
+                    <a:bodyPr/>
+                    <a:lstStyle/>
+                    <a:p>
+                      <a:endParaRPr lang="en-US"/>
+                    </a:p>
+                  </a:txBody>
+                  <a:tcPr/>
+                </a:tc>
+                <a:tc>
+                  <a:txBody>
+                    <a:bodyPr/>
+                    <a:lstStyle/>
+                    <a:p>
+                      <a:pPr marL="0" marR="0" indent="0" algn="r" defTabSz="914400" rtl="0" eaLnBrk="1" fontAlgn="auto" latinLnBrk="0" hangingPunct="1">
+                        <a:lnSpc>
+                          <a:spcPct val="100000"/>
+                        </a:lnSpc>
+                        <a:spcBef>
+                          <a:spcPts val="0"/>
+                        </a:spcBef>
+                        <a:spcAft>
+                          <a:spcPts val="0"/>
+                        </a:spcAft>
+                        <a:buClrTx/>
+                        <a:buSzTx/>
+                        <a:buFontTx/>
+                        <a:buNone/>
+                        <a:tabLst/>
+                        <a:defRPr/>
+                      </a:pPr>
+                      <a:r>
+                        <a:rPr lang="en-US" sz="1100" b="0" dirty="0" smtClean="0">
+                          <a:solidFill>
+                            <a:schemeClr val="bg1">
+                              <a:lumMod val="50000"/>
+                            </a:schemeClr>
+                          </a:solidFill>
+                        </a:rPr>
+                        <a:t>ObjectRelationshipVocab-1.1</a:t>
+                      </a:r>
+                      <a:endParaRPr lang="en-US" sz="1100" b="0" dirty="0" smtClean="0"/>
+                    </a:p>
+                  </a:txBody>
+                  <a:tcPr>
+                    <a:lnL w="12700" cap="flat" cmpd="sng" algn="ctr">
+                      <a:noFill/>
+                      <a:prstDash val="solid"/>
+                      <a:round/>
+                      <a:headEnd type="none" w="med" len="med"/>
+                      <a:tailEnd type="none" w="med" len="med"/>
+                    </a:lnL>
+                    <a:lnR w="12700" cap="flat" cmpd="sng" algn="ctr">
+                      <a:solidFill>
+                        <a:schemeClr val="tx1"/>
+                      </a:solidFill>
+                      <a:prstDash val="solid"/>
+                      <a:round/>
+                      <a:headEnd type="none" w="med" len="med"/>
+                      <a:tailEnd type="none" w="med" len="med"/>
+                    </a:lnR>
+                    <a:lnT w="12700" cap="flat" cmpd="sng" algn="ctr">
+                      <a:noFill/>
+                      <a:prstDash val="solid"/>
+                      <a:round/>
+                      <a:headEnd type="none" w="med" len="med"/>
+                      <a:tailEnd type="none" w="med" len="med"/>
+                    </a:lnT>
+                    <a:lnB w="12700" cap="flat" cmpd="sng" algn="ctr">
+                      <a:noFill/>
+                      <a:prstDash val="solid"/>
+                      <a:round/>
+                      <a:headEnd type="none" w="med" len="med"/>
+                      <a:tailEnd type="none" w="med" len="med"/>
+                    </a:lnB>
+                    <a:lnTlToBr w="12700" cmpd="sng">
+                      <a:noFill/>
+                      <a:prstDash val="solid"/>
+                    </a:lnTlToBr>
+                    <a:lnBlToTr w="12700" cmpd="sng">
+                      <a:noFill/>
+                      <a:prstDash val="solid"/>
+                    </a:lnBlToTr>
+                  </a:tcPr>
+                </a:tc>
+              </a:tr>
+              <a:tr h="144405">
+                <a:tc>
+                  <a:txBody>
+                    <a:bodyPr/>
+                    <a:lstStyle/>
+                    <a:p>
+                      <a:r>
+                        <a:rPr lang="en-US" sz="1100" b="0" dirty="0" smtClean="0"/>
+                        <a:t>            Properties</a:t>
+                      </a:r>
+                      <a:endParaRPr lang="en-US" sz="1100" b="0" dirty="0"/>
+                    </a:p>
+                  </a:txBody>
+                  <a:tcPr>
+                    <a:lnL w="12700" cap="flat" cmpd="sng" algn="ctr">
+                      <a:solidFill>
+                        <a:schemeClr val="tx1"/>
+                      </a:solidFill>
+                      <a:prstDash val="solid"/>
+                      <a:round/>
+                      <a:headEnd type="none" w="med" len="med"/>
+                      <a:tailEnd type="none" w="med" len="med"/>
+                    </a:lnL>
+                    <a:lnR w="12700" cap="flat" cmpd="sng" algn="ctr">
+                      <a:solidFill>
+                        <a:schemeClr val="tx1"/>
+                      </a:solidFill>
+                      <a:prstDash val="solid"/>
+                      <a:round/>
+                      <a:headEnd type="none" w="med" len="med"/>
+                      <a:tailEnd type="none" w="med" len="med"/>
+                    </a:lnR>
+                  </a:tcPr>
+                </a:tc>
+                <a:tc gridSpan="4">
+                  <a:txBody>
+                    <a:bodyPr/>
+                    <a:lstStyle/>
+                    <a:p>
+                      <a:pPr marL="0" marR="0" indent="0" algn="r" defTabSz="914400" rtl="0" eaLnBrk="1" fontAlgn="auto" latinLnBrk="0" hangingPunct="1">
+                        <a:lnSpc>
+                          <a:spcPct val="100000"/>
+                        </a:lnSpc>
+                        <a:spcBef>
+                          <a:spcPts val="0"/>
+                        </a:spcBef>
+                        <a:spcAft>
+                          <a:spcPts val="0"/>
+                        </a:spcAft>
+                        <a:buClrTx/>
+                        <a:buSzTx/>
+                        <a:buFontTx/>
+                        <a:buNone/>
+                        <a:tabLst/>
+                        <a:defRPr/>
+                      </a:pPr>
                       <a:r>
                         <a:rPr lang="en-US" sz="1100" b="0" dirty="0" err="1" smtClean="0">
                           <a:solidFill>
@@ -8539,18 +7994,14 @@
                         </a:rPr>
                         <a:t>FileObjectType</a:t>
                       </a:r>
-                      <a:endParaRPr lang="en-US" sz="1100" b="0" dirty="0" smtClean="0">
-                        <a:solidFill>
-                          <a:schemeClr val="bg1">
-                            <a:lumMod val="50000"/>
-                          </a:schemeClr>
-                        </a:solidFill>
-                      </a:endParaRPr>
-                    </a:p>
-                  </a:txBody>
-                  <a:tcPr>
-                    <a:lnL w="12700" cap="flat" cmpd="sng" algn="ctr">
-                      <a:noFill/>
+                      <a:endParaRPr lang="en-US" sz="1100" b="0" dirty="0" smtClean="0"/>
+                    </a:p>
+                  </a:txBody>
+                  <a:tcPr>
+                    <a:lnL w="12700" cap="flat" cmpd="sng" algn="ctr">
+                      <a:solidFill>
+                        <a:schemeClr val="tx1"/>
+                      </a:solidFill>
                       <a:prstDash val="solid"/>
                       <a:round/>
                       <a:headEnd type="none" w="med" len="med"/>
@@ -8588,6 +8039,36 @@
                       <a:prstDash val="solid"/>
                     </a:lnBlToTr>
                   </a:tcPr>
+                </a:tc>
+                <a:tc hMerge="1">
+                  <a:txBody>
+                    <a:bodyPr/>
+                    <a:lstStyle/>
+                    <a:p>
+                      <a:endParaRPr lang="en-US"/>
+                    </a:p>
+                  </a:txBody>
+                  <a:tcPr/>
+                </a:tc>
+                <a:tc hMerge="1">
+                  <a:txBody>
+                    <a:bodyPr/>
+                    <a:lstStyle/>
+                    <a:p>
+                      <a:endParaRPr lang="en-US"/>
+                    </a:p>
+                  </a:txBody>
+                  <a:tcPr/>
+                </a:tc>
+                <a:tc hMerge="1">
+                  <a:txBody>
+                    <a:bodyPr/>
+                    <a:lstStyle/>
+                    <a:p>
+                      <a:endParaRPr lang="en-US"/>
+                    </a:p>
+                  </a:txBody>
+                  <a:tcPr/>
                 </a:tc>
               </a:tr>
               <a:tr h="144405">
@@ -8598,11 +8079,7 @@
                     <a:p>
                       <a:r>
                         <a:rPr lang="en-US" sz="1100" b="0" dirty="0" smtClean="0"/>
-                        <a:t>        </a:t>
-                      </a:r>
-                      <a:r>
-                        <a:rPr lang="en-US" sz="1100" b="0" dirty="0" smtClean="0"/>
-                        <a:t>    File Name</a:t>
+                        <a:t>                File Name</a:t>
                       </a:r>
                       <a:endParaRPr lang="en-US" sz="1100" b="0" dirty="0"/>
                     </a:p>
@@ -8628,174 +8105,45 @@
                     </a:lnR>
                   </a:tcPr>
                 </a:tc>
-                <a:tc gridSpan="2">
-                  <a:txBody>
-                    <a:bodyPr/>
-                    <a:lstStyle/>
-                    <a:p>
-                      <a:r>
-                        <a:rPr lang="en-US" sz="1100" b="0" dirty="0" smtClean="0"/>
-                        <a:t>Final Report</a:t>
-                      </a:r>
-                      <a:endParaRPr lang="en-US" sz="1100" b="0" dirty="0" smtClean="0"/>
-                    </a:p>
-                  </a:txBody>
-                  <a:tcPr>
-                    <a:lnL w="12700" cap="flat" cmpd="sng" algn="ctr">
-                      <a:solidFill>
-                        <a:schemeClr val="tx1"/>
-                      </a:solidFill>
-                      <a:prstDash val="solid"/>
-                      <a:round/>
-                      <a:headEnd type="none" w="med" len="med"/>
-                      <a:tailEnd type="none" w="med" len="med"/>
-                    </a:lnL>
-                    <a:lnR w="12700" cap="flat" cmpd="sng" algn="ctr">
-                      <a:solidFill>
-                        <a:schemeClr val="tx1"/>
-                      </a:solidFill>
-                      <a:prstDash val="solid"/>
-                      <a:round/>
-                      <a:headEnd type="none" w="med" len="med"/>
-                      <a:tailEnd type="none" w="med" len="med"/>
-                    </a:lnR>
-                    <a:lnT w="12700" cap="flat" cmpd="sng" algn="ctr">
-                      <a:noFill/>
-                      <a:prstDash val="solid"/>
-                      <a:round/>
-                      <a:headEnd type="none" w="med" len="med"/>
-                      <a:tailEnd type="none" w="med" len="med"/>
-                    </a:lnT>
-                    <a:lnB w="12700" cap="flat" cmpd="sng" algn="ctr">
-                      <a:noFill/>
-                      <a:prstDash val="solid"/>
-                      <a:round/>
-                      <a:headEnd type="none" w="med" len="med"/>
-                      <a:tailEnd type="none" w="med" len="med"/>
-                    </a:lnB>
-                    <a:lnTlToBr w="12700" cmpd="sng">
-                      <a:noFill/>
-                      <a:prstDash val="solid"/>
-                    </a:lnTlToBr>
-                    <a:lnBlToTr w="12700" cmpd="sng">
-                      <a:noFill/>
-                      <a:prstDash val="solid"/>
-                    </a:lnBlToTr>
-                  </a:tcPr>
-                </a:tc>
-                <a:tc hMerge="1">
-                  <a:txBody>
-                    <a:bodyPr/>
-                    <a:lstStyle/>
-                    <a:p>
-                      <a:pPr algn="r"/>
-                      <a:endParaRPr lang="en-US" sz="1100" b="0" dirty="0" smtClean="0">
-                        <a:solidFill>
-                          <a:schemeClr val="bg1">
-                            <a:lumMod val="50000"/>
-                          </a:schemeClr>
-                        </a:solidFill>
-                      </a:endParaRPr>
-                    </a:p>
-                  </a:txBody>
-                  <a:tcPr>
-                    <a:lnL w="12700" cap="flat" cmpd="sng" algn="ctr">
-                      <a:noFill/>
-                      <a:prstDash val="solid"/>
-                      <a:round/>
-                      <a:headEnd type="none" w="med" len="med"/>
-                      <a:tailEnd type="none" w="med" len="med"/>
-                    </a:lnL>
-                    <a:lnR w="12700" cap="flat" cmpd="sng" algn="ctr">
-                      <a:solidFill>
-                        <a:schemeClr val="tx1"/>
-                      </a:solidFill>
-                      <a:prstDash val="solid"/>
-                      <a:round/>
-                      <a:headEnd type="none" w="med" len="med"/>
-                      <a:tailEnd type="none" w="med" len="med"/>
-                    </a:lnR>
-                    <a:lnT w="12700" cap="flat" cmpd="sng" algn="ctr">
-                      <a:noFill/>
-                      <a:prstDash val="solid"/>
-                      <a:round/>
-                      <a:headEnd type="none" w="med" len="med"/>
-                      <a:tailEnd type="none" w="med" len="med"/>
-                    </a:lnT>
-                    <a:lnB w="12700" cap="flat" cmpd="sng" algn="ctr">
-                      <a:noFill/>
-                      <a:prstDash val="solid"/>
-                      <a:round/>
-                      <a:headEnd type="none" w="med" len="med"/>
-                      <a:tailEnd type="none" w="med" len="med"/>
-                    </a:lnB>
-                    <a:lnTlToBr w="12700" cmpd="sng">
-                      <a:noFill/>
-                      <a:prstDash val="solid"/>
-                    </a:lnTlToBr>
-                    <a:lnBlToTr w="12700" cmpd="sng">
-                      <a:noFill/>
-                      <a:prstDash val="solid"/>
-                    </a:lnBlToTr>
-                  </a:tcPr>
-                </a:tc>
-              </a:tr>
-              <a:tr h="144405">
-                <a:tc>
-                  <a:txBody>
-                    <a:bodyPr/>
-                    <a:lstStyle/>
-                    <a:p>
-                      <a:r>
-                        <a:rPr lang="en-US" sz="1100" b="0" dirty="0" smtClean="0"/>
-                        <a:t>            </a:t>
-                      </a:r>
-                      <a:r>
-                        <a:rPr lang="en-US" sz="1100" b="0" baseline="0" dirty="0" smtClean="0"/>
-                        <a:t>    Condition</a:t>
-                      </a:r>
-                      <a:endParaRPr lang="en-US" sz="1100" b="0" dirty="0"/>
-                    </a:p>
-                  </a:txBody>
-                  <a:tcPr>
-                    <a:lnL w="12700" cap="flat" cmpd="sng" algn="ctr">
-                      <a:solidFill>
-                        <a:schemeClr val="tx1"/>
-                      </a:solidFill>
-                      <a:prstDash val="solid"/>
-                      <a:round/>
-                      <a:headEnd type="none" w="med" len="med"/>
-                      <a:tailEnd type="none" w="med" len="med"/>
-                    </a:lnL>
-                    <a:lnR w="12700" cap="flat" cmpd="sng" algn="ctr">
-                      <a:solidFill>
-                        <a:schemeClr val="tx1"/>
-                      </a:solidFill>
-                      <a:prstDash val="solid"/>
-                      <a:round/>
-                      <a:headEnd type="none" w="med" len="med"/>
-                      <a:tailEnd type="none" w="med" len="med"/>
-                    </a:lnR>
-                  </a:tcPr>
-                </a:tc>
-                <a:tc gridSpan="2">
-                  <a:txBody>
-                    <a:bodyPr/>
-                    <a:lstStyle/>
-                    <a:p>
+                <a:tc gridSpan="4">
+                  <a:txBody>
+                    <a:bodyPr/>
+                    <a:lstStyle/>
+                    <a:p>
+                      <a:pPr marL="0" marR="0" indent="0" algn="l" defTabSz="914400" rtl="0" eaLnBrk="1" fontAlgn="auto" latinLnBrk="0" hangingPunct="1">
+                        <a:lnSpc>
+                          <a:spcPct val="100000"/>
+                        </a:lnSpc>
+                        <a:spcBef>
+                          <a:spcPts val="0"/>
+                        </a:spcBef>
+                        <a:spcAft>
+                          <a:spcPts val="0"/>
+                        </a:spcAft>
+                        <a:buClrTx/>
+                        <a:buSzTx/>
+                        <a:buFontTx/>
+                        <a:buNone/>
+                        <a:tabLst/>
+                        <a:defRPr/>
+                      </a:pPr>
                       <a:r>
                         <a:rPr lang="en-US" sz="1100" b="0" dirty="0" smtClean="0">
                           <a:solidFill>
                             <a:schemeClr val="tx1"/>
                           </a:solidFill>
                         </a:rPr>
-                        <a:t>Starts With</a:t>
+                        <a:t>Final</a:t>
                       </a:r>
-                      <a:endParaRPr lang="en-US" sz="1100" b="0" dirty="0" smtClean="0">
-                        <a:solidFill>
-                          <a:schemeClr val="tx1"/>
-                        </a:solidFill>
-                      </a:endParaRPr>
+                      <a:r>
+                        <a:rPr lang="en-US" sz="1100" b="0" baseline="0" dirty="0" smtClean="0">
+                          <a:solidFill>
+                            <a:schemeClr val="tx1"/>
+                          </a:solidFill>
+                        </a:rPr>
+                        <a:t> Report</a:t>
+                      </a:r>
+                      <a:endParaRPr lang="en-US" sz="1100" b="0" dirty="0" smtClean="0"/>
                     </a:p>
                   </a:txBody>
                   <a:tcPr>
@@ -8846,56 +8194,30 @@
                     <a:bodyPr/>
                     <a:lstStyle/>
                     <a:p>
-                      <a:pPr algn="r"/>
-                      <a:endParaRPr lang="en-US" sz="1100" b="0" dirty="0" smtClean="0">
-                        <a:solidFill>
-                          <a:schemeClr val="bg1">
-                            <a:lumMod val="50000"/>
-                          </a:schemeClr>
-                        </a:solidFill>
-                      </a:endParaRPr>
-                    </a:p>
-                  </a:txBody>
-                  <a:tcPr>
-                    <a:lnL w="12700" cap="flat" cmpd="sng" algn="ctr">
-                      <a:noFill/>
-                      <a:prstDash val="solid"/>
-                      <a:round/>
-                      <a:headEnd type="none" w="med" len="med"/>
-                      <a:tailEnd type="none" w="med" len="med"/>
-                    </a:lnL>
-                    <a:lnR w="12700" cap="flat" cmpd="sng" algn="ctr">
-                      <a:solidFill>
-                        <a:schemeClr val="tx1"/>
-                      </a:solidFill>
-                      <a:prstDash val="solid"/>
-                      <a:round/>
-                      <a:headEnd type="none" w="med" len="med"/>
-                      <a:tailEnd type="none" w="med" len="med"/>
-                    </a:lnR>
-                    <a:lnT w="12700" cap="flat" cmpd="sng" algn="ctr">
-                      <a:noFill/>
-                      <a:prstDash val="solid"/>
-                      <a:round/>
-                      <a:headEnd type="none" w="med" len="med"/>
-                      <a:tailEnd type="none" w="med" len="med"/>
-                    </a:lnT>
-                    <a:lnB w="12700" cap="flat" cmpd="sng" algn="ctr">
-                      <a:noFill/>
-                      <a:prstDash val="solid"/>
-                      <a:round/>
-                      <a:headEnd type="none" w="med" len="med"/>
-                      <a:tailEnd type="none" w="med" len="med"/>
-                    </a:lnB>
-                    <a:lnTlToBr w="12700" cmpd="sng">
-                      <a:noFill/>
-                      <a:prstDash val="solid"/>
-                    </a:lnTlToBr>
-                    <a:lnBlToTr w="12700" cmpd="sng">
-                      <a:noFill/>
-                      <a:prstDash val="solid"/>
-                    </a:lnBlToTr>
-                  </a:tcPr>
+                      <a:endParaRPr lang="en-US"/>
+                    </a:p>
+                  </a:txBody>
+                  <a:tcPr/>
+                </a:tc>
+                <a:tc hMerge="1">
+                  <a:txBody>
+                    <a:bodyPr/>
+                    <a:lstStyle/>
+                    <a:p>
+                      <a:endParaRPr lang="en-US"/>
+                    </a:p>
+                  </a:txBody>
+                  <a:tcPr/>
+                </a:tc>
+                <a:tc hMerge="1">
+                  <a:txBody>
+                    <a:bodyPr/>
+                    <a:lstStyle/>
+                    <a:p>
+                      <a:endParaRPr lang="en-US"/>
+                    </a:p>
+                  </a:txBody>
+                  <a:tcPr/>
                 </a:tc>
               </a:tr>
               <a:tr h="144405">
@@ -8906,11 +8228,7 @@
                     <a:p>
                       <a:r>
                         <a:rPr lang="en-US" sz="1100" b="0" dirty="0" smtClean="0"/>
-                        <a:t>            </a:t>
-                      </a:r>
-                      <a:r>
-                        <a:rPr lang="en-US" sz="1100" b="0" baseline="0" dirty="0" smtClean="0"/>
-                        <a:t>File Extension</a:t>
+                        <a:t>                    Condition</a:t>
                       </a:r>
                       <a:endParaRPr lang="en-US" sz="1100" b="0" dirty="0"/>
                     </a:p>
@@ -8936,7 +8254,144 @@
                     </a:lnR>
                   </a:tcPr>
                 </a:tc>
-                <a:tc gridSpan="2">
+                <a:tc gridSpan="4">
+                  <a:txBody>
+                    <a:bodyPr/>
+                    <a:lstStyle/>
+                    <a:p>
+                      <a:pPr marL="0" marR="0" indent="0" algn="l" defTabSz="914400" rtl="0" eaLnBrk="1" fontAlgn="auto" latinLnBrk="0" hangingPunct="1">
+                        <a:lnSpc>
+                          <a:spcPct val="100000"/>
+                        </a:lnSpc>
+                        <a:spcBef>
+                          <a:spcPts val="0"/>
+                        </a:spcBef>
+                        <a:spcAft>
+                          <a:spcPts val="0"/>
+                        </a:spcAft>
+                        <a:buClrTx/>
+                        <a:buSzTx/>
+                        <a:buFontTx/>
+                        <a:buNone/>
+                        <a:tabLst/>
+                        <a:defRPr/>
+                      </a:pPr>
+                      <a:r>
+                        <a:rPr lang="en-US" sz="1100" b="0" dirty="0" err="1" smtClean="0"/>
+                        <a:t>StartsWith</a:t>
+                      </a:r>
+                      <a:endParaRPr lang="en-US" sz="1100" b="0" dirty="0" smtClean="0"/>
+                    </a:p>
+                  </a:txBody>
+                  <a:tcPr>
+                    <a:lnL w="12700" cap="flat" cmpd="sng" algn="ctr">
+                      <a:solidFill>
+                        <a:schemeClr val="tx1"/>
+                      </a:solidFill>
+                      <a:prstDash val="solid"/>
+                      <a:round/>
+                      <a:headEnd type="none" w="med" len="med"/>
+                      <a:tailEnd type="none" w="med" len="med"/>
+                    </a:lnL>
+                    <a:lnR w="12700" cap="flat" cmpd="sng" algn="ctr">
+                      <a:solidFill>
+                        <a:schemeClr val="tx1"/>
+                      </a:solidFill>
+                      <a:prstDash val="solid"/>
+                      <a:round/>
+                      <a:headEnd type="none" w="med" len="med"/>
+                      <a:tailEnd type="none" w="med" len="med"/>
+                    </a:lnR>
+                    <a:lnT w="12700" cap="flat" cmpd="sng" algn="ctr">
+                      <a:noFill/>
+                      <a:prstDash val="solid"/>
+                      <a:round/>
+                      <a:headEnd type="none" w="med" len="med"/>
+                      <a:tailEnd type="none" w="med" len="med"/>
+                    </a:lnT>
+                    <a:lnB w="12700" cap="flat" cmpd="sng" algn="ctr">
+                      <a:noFill/>
+                      <a:prstDash val="solid"/>
+                      <a:round/>
+                      <a:headEnd type="none" w="med" len="med"/>
+                      <a:tailEnd type="none" w="med" len="med"/>
+                    </a:lnB>
+                    <a:lnTlToBr w="12700" cmpd="sng">
+                      <a:noFill/>
+                      <a:prstDash val="solid"/>
+                    </a:lnTlToBr>
+                    <a:lnBlToTr w="12700" cmpd="sng">
+                      <a:noFill/>
+                      <a:prstDash val="solid"/>
+                    </a:lnBlToTr>
+                  </a:tcPr>
+                </a:tc>
+                <a:tc hMerge="1">
+                  <a:txBody>
+                    <a:bodyPr/>
+                    <a:lstStyle/>
+                    <a:p>
+                      <a:endParaRPr lang="en-US"/>
+                    </a:p>
+                  </a:txBody>
+                  <a:tcPr/>
+                </a:tc>
+                <a:tc hMerge="1">
+                  <a:txBody>
+                    <a:bodyPr/>
+                    <a:lstStyle/>
+                    <a:p>
+                      <a:endParaRPr lang="en-US"/>
+                    </a:p>
+                  </a:txBody>
+                  <a:tcPr/>
+                </a:tc>
+                <a:tc hMerge="1">
+                  <a:txBody>
+                    <a:bodyPr/>
+                    <a:lstStyle/>
+                    <a:p>
+                      <a:endParaRPr lang="en-US"/>
+                    </a:p>
+                  </a:txBody>
+                  <a:tcPr/>
+                </a:tc>
+              </a:tr>
+              <a:tr h="144405">
+                <a:tc>
+                  <a:txBody>
+                    <a:bodyPr/>
+                    <a:lstStyle/>
+                    <a:p>
+                      <a:r>
+                        <a:rPr lang="en-US" sz="1100" b="0" dirty="0" smtClean="0"/>
+                        <a:t>                File Extension</a:t>
+                      </a:r>
+                      <a:endParaRPr lang="en-US" sz="1100" b="0" dirty="0"/>
+                    </a:p>
+                  </a:txBody>
+                  <a:tcPr>
+                    <a:lnL w="12700" cap="flat" cmpd="sng" algn="ctr">
+                      <a:solidFill>
+                        <a:schemeClr val="tx1"/>
+                      </a:solidFill>
+                      <a:prstDash val="solid"/>
+                      <a:round/>
+                      <a:headEnd type="none" w="med" len="med"/>
+                      <a:tailEnd type="none" w="med" len="med"/>
+                    </a:lnL>
+                    <a:lnR w="12700" cap="flat" cmpd="sng" algn="ctr">
+                      <a:solidFill>
+                        <a:schemeClr val="tx1"/>
+                      </a:solidFill>
+                      <a:prstDash val="solid"/>
+                      <a:round/>
+                      <a:headEnd type="none" w="med" len="med"/>
+                      <a:tailEnd type="none" w="med" len="med"/>
+                    </a:lnR>
+                  </a:tcPr>
+                </a:tc>
+                <a:tc gridSpan="4">
                   <a:txBody>
                     <a:bodyPr/>
                     <a:lstStyle/>
@@ -9012,56 +8467,30 @@
                     <a:bodyPr/>
                     <a:lstStyle/>
                     <a:p>
-                      <a:pPr algn="r"/>
-                      <a:endParaRPr lang="en-US" sz="1100" b="0" dirty="0" smtClean="0">
-                        <a:solidFill>
-                          <a:schemeClr val="bg1">
-                            <a:lumMod val="50000"/>
-                          </a:schemeClr>
-                        </a:solidFill>
-                      </a:endParaRPr>
-                    </a:p>
-                  </a:txBody>
-                  <a:tcPr>
-                    <a:lnL w="12700" cap="flat" cmpd="sng" algn="ctr">
-                      <a:noFill/>
-                      <a:prstDash val="solid"/>
-                      <a:round/>
-                      <a:headEnd type="none" w="med" len="med"/>
-                      <a:tailEnd type="none" w="med" len="med"/>
-                    </a:lnL>
-                    <a:lnR w="12700" cap="flat" cmpd="sng" algn="ctr">
-                      <a:solidFill>
-                        <a:schemeClr val="tx1"/>
-                      </a:solidFill>
-                      <a:prstDash val="solid"/>
-                      <a:round/>
-                      <a:headEnd type="none" w="med" len="med"/>
-                      <a:tailEnd type="none" w="med" len="med"/>
-                    </a:lnR>
-                    <a:lnT w="12700" cap="flat" cmpd="sng" algn="ctr">
-                      <a:noFill/>
-                      <a:prstDash val="solid"/>
-                      <a:round/>
-                      <a:headEnd type="none" w="med" len="med"/>
-                      <a:tailEnd type="none" w="med" len="med"/>
-                    </a:lnT>
-                    <a:lnB w="12700" cap="flat" cmpd="sng" algn="ctr">
-                      <a:noFill/>
-                      <a:prstDash val="solid"/>
-                      <a:round/>
-                      <a:headEnd type="none" w="med" len="med"/>
-                      <a:tailEnd type="none" w="med" len="med"/>
-                    </a:lnB>
-                    <a:lnTlToBr w="12700" cmpd="sng">
-                      <a:noFill/>
-                      <a:prstDash val="solid"/>
-                    </a:lnTlToBr>
-                    <a:lnBlToTr w="12700" cmpd="sng">
-                      <a:noFill/>
-                      <a:prstDash val="solid"/>
-                    </a:lnBlToTr>
-                  </a:tcPr>
+                      <a:endParaRPr lang="en-US"/>
+                    </a:p>
+                  </a:txBody>
+                  <a:tcPr/>
+                </a:tc>
+                <a:tc hMerge="1">
+                  <a:txBody>
+                    <a:bodyPr/>
+                    <a:lstStyle/>
+                    <a:p>
+                      <a:endParaRPr lang="en-US"/>
+                    </a:p>
+                  </a:txBody>
+                  <a:tcPr/>
+                </a:tc>
+                <a:tc hMerge="1">
+                  <a:txBody>
+                    <a:bodyPr/>
+                    <a:lstStyle/>
+                    <a:p>
+                      <a:endParaRPr lang="en-US"/>
+                    </a:p>
+                  </a:txBody>
+                  <a:tcPr/>
                 </a:tc>
               </a:tr>
               <a:tr h="144405">
@@ -9072,7 +8501,7 @@
                     <a:p>
                       <a:r>
                         <a:rPr lang="en-US" sz="1100" b="0" dirty="0" smtClean="0"/>
-                        <a:t>                Condition</a:t>
+                        <a:t>                    Condition</a:t>
                       </a:r>
                       <a:endParaRPr lang="en-US" sz="1100" b="0" dirty="0"/>
                     </a:p>
@@ -9098,7 +8527,7 @@
                     </a:lnR>
                   </a:tcPr>
                 </a:tc>
-                <a:tc gridSpan="2">
+                <a:tc gridSpan="4">
                   <a:txBody>
                     <a:bodyPr/>
                     <a:lstStyle/>
@@ -9179,6 +8608,26 @@
                   </a:txBody>
                   <a:tcPr/>
                 </a:tc>
+                <a:tc hMerge="1">
+                  <a:txBody>
+                    <a:bodyPr/>
+                    <a:lstStyle/>
+                    <a:p>
+                      <a:endParaRPr lang="en-US"/>
+                    </a:p>
+                  </a:txBody>
+                  <a:tcPr/>
+                </a:tc>
+                <a:tc hMerge="1">
+                  <a:txBody>
+                    <a:bodyPr/>
+                    <a:lstStyle/>
+                    <a:p>
+                      <a:endParaRPr lang="en-US"/>
+                    </a:p>
+                  </a:txBody>
+                  <a:tcPr/>
+                </a:tc>
               </a:tr>
               <a:tr h="144405">
                 <a:tc>
@@ -9263,7 +8712,7 @@
                     </a:lnBlToTr>
                   </a:tcPr>
                 </a:tc>
-                <a:tc>
+                <a:tc gridSpan="3">
                   <a:txBody>
                     <a:bodyPr/>
                     <a:lstStyle/>
@@ -9319,6 +8768,26 @@
                     </a:lnBlToTr>
                   </a:tcPr>
                 </a:tc>
+                <a:tc hMerge="1">
+                  <a:txBody>
+                    <a:bodyPr/>
+                    <a:lstStyle/>
+                    <a:p>
+                      <a:endParaRPr lang="en-US"/>
+                    </a:p>
+                  </a:txBody>
+                  <a:tcPr/>
+                </a:tc>
+                <a:tc hMerge="1">
+                  <a:txBody>
+                    <a:bodyPr/>
+                    <a:lstStyle/>
+                    <a:p>
+                      <a:endParaRPr lang="en-US"/>
+                    </a:p>
+                  </a:txBody>
+                  <a:tcPr/>
+                </a:tc>
               </a:tr>
               <a:tr h="144405">
                 <a:tc>
@@ -9354,7 +8823,7 @@
                     </a:lnR>
                   </a:tcPr>
                 </a:tc>
-                <a:tc gridSpan="2">
+                <a:tc gridSpan="4">
                   <a:txBody>
                     <a:bodyPr/>
                     <a:lstStyle/>
@@ -9460,6 +8929,26 @@
                       <a:prstDash val="solid"/>
                     </a:lnBlToTr>
                   </a:tcPr>
+                </a:tc>
+                <a:tc hMerge="1">
+                  <a:txBody>
+                    <a:bodyPr/>
+                    <a:lstStyle/>
+                    <a:p>
+                      <a:endParaRPr lang="en-US"/>
+                    </a:p>
+                  </a:txBody>
+                  <a:tcPr/>
+                </a:tc>
+                <a:tc hMerge="1">
+                  <a:txBody>
+                    <a:bodyPr/>
+                    <a:lstStyle/>
+                    <a:p>
+                      <a:endParaRPr lang="en-US"/>
+                    </a:p>
+                  </a:txBody>
+                  <a:tcPr/>
                 </a:tc>
               </a:tr>
               <a:tr h="144405">
@@ -9500,7 +8989,7 @@
                     </a:lnR>
                   </a:tcPr>
                 </a:tc>
-                <a:tc gridSpan="2">
+                <a:tc gridSpan="4">
                   <a:txBody>
                     <a:bodyPr/>
                     <a:lstStyle/>
@@ -9513,11 +9002,6 @@
                         </a:rPr>
                         <a:t>example:ttp-c32a6ab5-17b0-4bf4-b85b-a1f4f54d2ecd</a:t>
                       </a:r>
-                      <a:endParaRPr lang="en-US" sz="1100" b="0" dirty="0" smtClean="0">
-                        <a:solidFill>
-                          <a:schemeClr val="tx1"/>
-                        </a:solidFill>
-                      </a:endParaRPr>
                     </a:p>
                   </a:txBody>
                   <a:tcPr>
@@ -9621,6 +9105,26 @@
                     </a:lnBlToTr>
                   </a:tcPr>
                 </a:tc>
+                <a:tc hMerge="1">
+                  <a:txBody>
+                    <a:bodyPr/>
+                    <a:lstStyle/>
+                    <a:p>
+                      <a:endParaRPr lang="en-US"/>
+                    </a:p>
+                  </a:txBody>
+                  <a:tcPr/>
+                </a:tc>
+                <a:tc hMerge="1">
+                  <a:txBody>
+                    <a:bodyPr/>
+                    <a:lstStyle/>
+                    <a:p>
+                      <a:endParaRPr lang="en-US"/>
+                    </a:p>
+                  </a:txBody>
+                  <a:tcPr/>
+                </a:tc>
               </a:tr>
               <a:tr h="144405">
                 <a:tc>
@@ -9656,7 +9160,7 @@
                     </a:lnR>
                   </a:tcPr>
                 </a:tc>
-                <a:tc gridSpan="2">
+                <a:tc gridSpan="4">
                   <a:txBody>
                     <a:bodyPr/>
                     <a:lstStyle/>
@@ -9721,6 +9225,26 @@
                   </a:txBody>
                   <a:tcPr/>
                 </a:tc>
+                <a:tc hMerge="1">
+                  <a:txBody>
+                    <a:bodyPr/>
+                    <a:lstStyle/>
+                    <a:p>
+                      <a:endParaRPr lang="en-US"/>
+                    </a:p>
+                  </a:txBody>
+                  <a:tcPr/>
+                </a:tc>
+                <a:tc hMerge="1">
+                  <a:txBody>
+                    <a:bodyPr/>
+                    <a:lstStyle/>
+                    <a:p>
+                      <a:endParaRPr lang="en-US"/>
+                    </a:p>
+                  </a:txBody>
+                  <a:tcPr/>
+                </a:tc>
               </a:tr>
               <a:tr h="144405">
                 <a:tc>
@@ -9787,9 +9311,7 @@
                       <a:tailEnd type="none" w="med" len="med"/>
                     </a:lnL>
                     <a:lnR w="12700" cap="flat" cmpd="sng" algn="ctr">
-                      <a:solidFill>
-                        <a:schemeClr val="tx1"/>
-                      </a:solidFill>
+                      <a:noFill/>
                       <a:prstDash val="solid"/>
                       <a:round/>
                       <a:headEnd type="none" w="med" len="med"/>
@@ -9821,7 +9343,7 @@
                     </a:lnBlToTr>
                   </a:tcPr>
                 </a:tc>
-                <a:tc>
+                <a:tc gridSpan="3">
                   <a:txBody>
                     <a:bodyPr/>
                     <a:lstStyle/>
@@ -9840,6 +9362,13 @@
                     </a:p>
                   </a:txBody>
                   <a:tcPr>
+                    <a:lnL w="12700" cap="flat" cmpd="sng" algn="ctr">
+                      <a:noFill/>
+                      <a:prstDash val="solid"/>
+                      <a:round/>
+                      <a:headEnd type="none" w="med" len="med"/>
+                      <a:tailEnd type="none" w="med" len="med"/>
+                    </a:lnL>
                     <a:lnR w="12700" cap="flat" cmpd="sng" algn="ctr">
                       <a:solidFill>
                         <a:schemeClr val="tx1"/>
@@ -9859,6 +9388,26 @@
                       <a:tailEnd type="none" w="med" len="med"/>
                     </a:lnB>
                   </a:tcPr>
+                </a:tc>
+                <a:tc hMerge="1">
+                  <a:txBody>
+                    <a:bodyPr/>
+                    <a:lstStyle/>
+                    <a:p>
+                      <a:endParaRPr lang="en-US"/>
+                    </a:p>
+                  </a:txBody>
+                  <a:tcPr/>
+                </a:tc>
+                <a:tc hMerge="1">
+                  <a:txBody>
+                    <a:bodyPr/>
+                    <a:lstStyle/>
+                    <a:p>
+                      <a:endParaRPr lang="en-US"/>
+                    </a:p>
+                  </a:txBody>
+                  <a:tcPr/>
                 </a:tc>
               </a:tr>
             </a:tbl>
@@ -9867,20 +9416,20 @@
       </p:graphicFrame>
       <p:graphicFrame>
         <p:nvGraphicFramePr>
-          <p:cNvPr id="12" name="Table 11"/>
+          <p:cNvPr id="73" name="Table 72"/>
           <p:cNvGraphicFramePr>
             <a:graphicFrameLocks noGrp="1"/>
           </p:cNvGraphicFramePr>
           <p:nvPr>
             <p:extLst>
               <p:ext uri="{D42A27DB-BD31-4B8C-83A1-F6EECF244321}">
-                <p14:modId xmlns:p14="http://schemas.microsoft.com/office/powerpoint/2010/main" val="2380679680"/>
+                <p14:modId xmlns:p14="http://schemas.microsoft.com/office/powerpoint/2010/main" val="2660770538"/>
               </p:ext>
             </p:extLst>
           </p:nvPr>
         </p:nvGraphicFramePr>
         <p:xfrm>
-          <a:off x="1336132" y="6021705"/>
+          <a:off x="-839015" y="6873240"/>
           <a:ext cx="3959768" cy="853440"/>
         </p:xfrm>
         <a:graphic>
@@ -10039,6 +9588,1249 @@
                         </a:rPr>
                         <a:t>example:ttp-c32a6ab5-17b0-4bf4-b85b-a1f4f54d2ecd</a:t>
                       </a:r>
+                    </a:p>
+                  </a:txBody>
+                  <a:tcPr>
+                    <a:lnL w="12700" cap="flat" cmpd="sng" algn="ctr">
+                      <a:solidFill>
+                        <a:schemeClr val="tx1"/>
+                      </a:solidFill>
+                      <a:prstDash val="solid"/>
+                      <a:round/>
+                      <a:headEnd type="none" w="med" len="med"/>
+                      <a:tailEnd type="none" w="med" len="med"/>
+                    </a:lnL>
+                    <a:lnR w="12700" cap="flat" cmpd="sng" algn="ctr">
+                      <a:solidFill>
+                        <a:schemeClr val="tx1"/>
+                      </a:solidFill>
+                      <a:prstDash val="solid"/>
+                      <a:round/>
+                      <a:headEnd type="none" w="med" len="med"/>
+                      <a:tailEnd type="none" w="med" len="med"/>
+                    </a:lnR>
+                    <a:lnB w="12700" cap="flat" cmpd="sng" algn="ctr">
+                      <a:noFill/>
+                      <a:prstDash val="solid"/>
+                      <a:round/>
+                      <a:headEnd type="none" w="med" len="med"/>
+                      <a:tailEnd type="none" w="med" len="med"/>
+                    </a:lnB>
+                  </a:tcPr>
+                </a:tc>
+              </a:tr>
+              <a:tr h="144405">
+                <a:tc>
+                  <a:txBody>
+                    <a:bodyPr/>
+                    <a:lstStyle/>
+                    <a:p>
+                      <a:r>
+                        <a:rPr lang="en-US" sz="1100" dirty="0" smtClean="0"/>
+                        <a:t>Title</a:t>
+                      </a:r>
+                      <a:endParaRPr lang="en-US" sz="1100" b="0" dirty="0"/>
+                    </a:p>
+                  </a:txBody>
+                  <a:tcPr>
+                    <a:lnL w="12700" cap="flat" cmpd="sng" algn="ctr">
+                      <a:solidFill>
+                        <a:schemeClr val="tx1"/>
+                      </a:solidFill>
+                      <a:prstDash val="solid"/>
+                      <a:round/>
+                      <a:headEnd type="none" w="med" len="med"/>
+                      <a:tailEnd type="none" w="med" len="med"/>
+                    </a:lnL>
+                    <a:lnR w="12700" cap="flat" cmpd="sng" algn="ctr">
+                      <a:solidFill>
+                        <a:schemeClr val="tx1"/>
+                      </a:solidFill>
+                      <a:prstDash val="solid"/>
+                      <a:round/>
+                      <a:headEnd type="none" w="med" len="med"/>
+                      <a:tailEnd type="none" w="med" len="med"/>
+                    </a:lnR>
+                    <a:lnB w="12700" cap="flat" cmpd="sng" algn="ctr">
+                      <a:solidFill>
+                        <a:schemeClr val="tx1"/>
+                      </a:solidFill>
+                      <a:prstDash val="solid"/>
+                      <a:round/>
+                      <a:headEnd type="none" w="med" len="med"/>
+                      <a:tailEnd type="none" w="med" len="med"/>
+                    </a:lnB>
+                  </a:tcPr>
+                </a:tc>
+                <a:tc>
+                  <a:txBody>
+                    <a:bodyPr/>
+                    <a:lstStyle/>
+                    <a:p>
+                      <a:r>
+                        <a:rPr lang="en-US" sz="1100" dirty="0" smtClean="0"/>
+                        <a:t>Phishing</a:t>
+                      </a:r>
+                    </a:p>
+                  </a:txBody>
+                  <a:tcPr>
+                    <a:lnL w="12700" cap="flat" cmpd="sng" algn="ctr">
+                      <a:solidFill>
+                        <a:schemeClr val="tx1"/>
+                      </a:solidFill>
+                      <a:prstDash val="solid"/>
+                      <a:round/>
+                      <a:headEnd type="none" w="med" len="med"/>
+                      <a:tailEnd type="none" w="med" len="med"/>
+                    </a:lnL>
+                    <a:lnR w="12700" cap="flat" cmpd="sng" algn="ctr">
+                      <a:solidFill>
+                        <a:schemeClr val="tx1"/>
+                      </a:solidFill>
+                      <a:prstDash val="solid"/>
+                      <a:round/>
+                      <a:headEnd type="none" w="med" len="med"/>
+                      <a:tailEnd type="none" w="med" len="med"/>
+                    </a:lnR>
+                    <a:lnT w="12700" cap="flat" cmpd="sng" algn="ctr">
+                      <a:noFill/>
+                      <a:prstDash val="solid"/>
+                      <a:round/>
+                      <a:headEnd type="none" w="med" len="med"/>
+                      <a:tailEnd type="none" w="med" len="med"/>
+                    </a:lnT>
+                    <a:lnB w="12700" cap="flat" cmpd="sng" algn="ctr">
+                      <a:solidFill>
+                        <a:schemeClr val="tx1"/>
+                      </a:solidFill>
+                      <a:prstDash val="solid"/>
+                      <a:round/>
+                      <a:headEnd type="none" w="med" len="med"/>
+                      <a:tailEnd type="none" w="med" len="med"/>
+                    </a:lnB>
+                    <a:lnTlToBr w="12700" cmpd="sng">
+                      <a:noFill/>
+                      <a:prstDash val="solid"/>
+                    </a:lnTlToBr>
+                    <a:lnBlToTr w="12700" cmpd="sng">
+                      <a:noFill/>
+                      <a:prstDash val="solid"/>
+                    </a:lnBlToTr>
+                  </a:tcPr>
+                </a:tc>
+              </a:tr>
+            </a:tbl>
+          </a:graphicData>
+        </a:graphic>
+      </p:graphicFrame>
+      <p:graphicFrame>
+        <p:nvGraphicFramePr>
+          <p:cNvPr id="74" name="Table 73"/>
+          <p:cNvGraphicFramePr>
+            <a:graphicFrameLocks noGrp="1"/>
+          </p:cNvGraphicFramePr>
+          <p:nvPr>
+            <p:extLst>
+              <p:ext uri="{D42A27DB-BD31-4B8C-83A1-F6EECF244321}">
+                <p14:modId xmlns:p14="http://schemas.microsoft.com/office/powerpoint/2010/main" val="339609028"/>
+              </p:ext>
+            </p:extLst>
+          </p:nvPr>
+        </p:nvGraphicFramePr>
+        <p:xfrm>
+          <a:off x="4333875" y="4724400"/>
+          <a:ext cx="5296715" cy="3962400"/>
+        </p:xfrm>
+        <a:graphic>
+          <a:graphicData uri="http://schemas.openxmlformats.org/drawingml/2006/table">
+            <a:tbl>
+              <a:tblPr firstRow="1" bandRow="1">
+                <a:tableStyleId>{5C22544A-7EE6-4342-B048-85BDC9FD1C3A}</a:tableStyleId>
+              </a:tblPr>
+              <a:tblGrid>
+                <a:gridCol w="1477191"/>
+                <a:gridCol w="1385642"/>
+                <a:gridCol w="304773"/>
+                <a:gridCol w="2129109"/>
+              </a:tblGrid>
+              <a:tr h="175041">
+                <a:tc gridSpan="4">
+                  <a:txBody>
+                    <a:bodyPr/>
+                    <a:lstStyle/>
+                    <a:p>
+                      <a:pPr algn="ctr"/>
+                      <a:r>
+                        <a:rPr lang="en-US" sz="1600" dirty="0" smtClean="0">
+                          <a:solidFill>
+                            <a:schemeClr val="bg1"/>
+                          </a:solidFill>
+                        </a:rPr>
+                        <a:t>Indicator</a:t>
+                      </a:r>
+                      <a:endParaRPr lang="en-US" sz="1600" b="1" dirty="0">
+                        <a:solidFill>
+                          <a:schemeClr val="bg1"/>
+                        </a:solidFill>
+                      </a:endParaRPr>
+                    </a:p>
+                  </a:txBody>
+                  <a:tcPr>
+                    <a:lnL w="12700" cap="flat" cmpd="sng" algn="ctr">
+                      <a:solidFill>
+                        <a:schemeClr val="tx1"/>
+                      </a:solidFill>
+                      <a:prstDash val="solid"/>
+                      <a:round/>
+                      <a:headEnd type="none" w="med" len="med"/>
+                      <a:tailEnd type="none" w="med" len="med"/>
+                    </a:lnL>
+                    <a:lnR w="12700" cap="flat" cmpd="sng" algn="ctr">
+                      <a:solidFill>
+                        <a:schemeClr val="tx1"/>
+                      </a:solidFill>
+                      <a:prstDash val="solid"/>
+                      <a:round/>
+                      <a:headEnd type="none" w="med" len="med"/>
+                      <a:tailEnd type="none" w="med" len="med"/>
+                    </a:lnR>
+                    <a:lnT w="12700" cap="flat" cmpd="sng" algn="ctr">
+                      <a:solidFill>
+                        <a:schemeClr val="tx1"/>
+                      </a:solidFill>
+                      <a:prstDash val="solid"/>
+                      <a:round/>
+                      <a:headEnd type="none" w="med" len="med"/>
+                      <a:tailEnd type="none" w="med" len="med"/>
+                    </a:lnT>
+                    <a:solidFill>
+                      <a:schemeClr val="accent1">
+                        <a:lumMod val="75000"/>
+                      </a:schemeClr>
+                    </a:solidFill>
+                  </a:tcPr>
+                </a:tc>
+                <a:tc hMerge="1">
+                  <a:txBody>
+                    <a:bodyPr/>
+                    <a:lstStyle/>
+                    <a:p>
+                      <a:endParaRPr lang="en-US" sz="1200" dirty="0"/>
+                    </a:p>
+                  </a:txBody>
+                  <a:tcPr>
+                    <a:lnL w="12700" cap="flat" cmpd="sng" algn="ctr">
+                      <a:noFill/>
+                      <a:prstDash val="solid"/>
+                      <a:round/>
+                      <a:headEnd type="none" w="med" len="med"/>
+                      <a:tailEnd type="none" w="med" len="med"/>
+                    </a:lnL>
+                    <a:lnR w="9525" cap="flat" cmpd="sng" algn="ctr">
+                      <a:noFill/>
+                      <a:prstDash val="solid"/>
+                    </a:lnR>
+                    <a:lnT w="9525" cap="flat" cmpd="sng" algn="ctr">
+                      <a:noFill/>
+                      <a:prstDash val="solid"/>
+                    </a:lnT>
+                    <a:lnB w="12700" cap="flat" cmpd="sng" algn="ctr">
+                      <a:noFill/>
+                      <a:prstDash val="solid"/>
+                      <a:round/>
+                      <a:headEnd type="none" w="med" len="med"/>
+                      <a:tailEnd type="none" w="med" len="med"/>
+                    </a:lnB>
+                    <a:lnTlToBr w="12700" cmpd="sng">
+                      <a:noFill/>
+                      <a:prstDash val="solid"/>
+                    </a:lnTlToBr>
+                    <a:lnBlToTr w="12700" cmpd="sng">
+                      <a:noFill/>
+                      <a:prstDash val="solid"/>
+                    </a:lnBlToTr>
+                  </a:tcPr>
+                </a:tc>
+                <a:tc hMerge="1">
+                  <a:txBody>
+                    <a:bodyPr/>
+                    <a:lstStyle/>
+                    <a:p>
+                      <a:endParaRPr lang="en-US"/>
+                    </a:p>
+                  </a:txBody>
+                  <a:tcPr/>
+                </a:tc>
+                <a:tc hMerge="1">
+                  <a:txBody>
+                    <a:bodyPr/>
+                    <a:lstStyle/>
+                    <a:p>
+                      <a:endParaRPr lang="en-US"/>
+                    </a:p>
+                  </a:txBody>
+                  <a:tcPr/>
+                </a:tc>
+              </a:tr>
+              <a:tr h="144405">
+                <a:tc>
+                  <a:txBody>
+                    <a:bodyPr/>
+                    <a:lstStyle/>
+                    <a:p>
+                      <a:r>
+                        <a:rPr lang="en-US" sz="1100" dirty="0" smtClean="0"/>
+                        <a:t>ID</a:t>
+                      </a:r>
+                      <a:endParaRPr lang="en-US" sz="1100" b="0" dirty="0"/>
+                    </a:p>
+                  </a:txBody>
+                  <a:tcPr>
+                    <a:lnL w="12700" cap="flat" cmpd="sng" algn="ctr">
+                      <a:solidFill>
+                        <a:schemeClr val="tx1"/>
+                      </a:solidFill>
+                      <a:prstDash val="solid"/>
+                      <a:round/>
+                      <a:headEnd type="none" w="med" len="med"/>
+                      <a:tailEnd type="none" w="med" len="med"/>
+                    </a:lnL>
+                    <a:lnR w="12700" cap="flat" cmpd="sng" algn="ctr">
+                      <a:solidFill>
+                        <a:schemeClr val="tx1"/>
+                      </a:solidFill>
+                      <a:prstDash val="solid"/>
+                      <a:round/>
+                      <a:headEnd type="none" w="med" len="med"/>
+                      <a:tailEnd type="none" w="med" len="med"/>
+                    </a:lnR>
+                  </a:tcPr>
+                </a:tc>
+                <a:tc gridSpan="3">
+                  <a:txBody>
+                    <a:bodyPr/>
+                    <a:lstStyle/>
+                    <a:p>
+                      <a:r>
+                        <a:rPr lang="en-US" sz="1100" b="0" dirty="0" smtClean="0"/>
+                        <a:t>example:indicator-462964e9-b50a-4f83-8907-260a0d3c1d6e</a:t>
+                      </a:r>
+                      <a:endParaRPr lang="en-US" sz="1100" dirty="0" smtClean="0"/>
+                    </a:p>
+                  </a:txBody>
+                  <a:tcPr>
+                    <a:lnL w="12700" cap="flat" cmpd="sng" algn="ctr">
+                      <a:solidFill>
+                        <a:schemeClr val="tx1"/>
+                      </a:solidFill>
+                      <a:prstDash val="solid"/>
+                      <a:round/>
+                      <a:headEnd type="none" w="med" len="med"/>
+                      <a:tailEnd type="none" w="med" len="med"/>
+                    </a:lnL>
+                    <a:lnR w="12700" cap="flat" cmpd="sng" algn="ctr">
+                      <a:solidFill>
+                        <a:schemeClr val="tx1"/>
+                      </a:solidFill>
+                      <a:prstDash val="solid"/>
+                      <a:round/>
+                      <a:headEnd type="none" w="med" len="med"/>
+                      <a:tailEnd type="none" w="med" len="med"/>
+                    </a:lnR>
+                    <a:lnB w="12700" cap="flat" cmpd="sng" algn="ctr">
+                      <a:noFill/>
+                      <a:prstDash val="solid"/>
+                      <a:round/>
+                      <a:headEnd type="none" w="med" len="med"/>
+                      <a:tailEnd type="none" w="med" len="med"/>
+                    </a:lnB>
+                  </a:tcPr>
+                </a:tc>
+                <a:tc hMerge="1">
+                  <a:txBody>
+                    <a:bodyPr/>
+                    <a:lstStyle/>
+                    <a:p>
+                      <a:endParaRPr lang="en-US"/>
+                    </a:p>
+                  </a:txBody>
+                  <a:tcPr/>
+                </a:tc>
+                <a:tc hMerge="1">
+                  <a:txBody>
+                    <a:bodyPr/>
+                    <a:lstStyle/>
+                    <a:p>
+                      <a:endParaRPr lang="en-US"/>
+                    </a:p>
+                  </a:txBody>
+                  <a:tcPr/>
+                </a:tc>
+              </a:tr>
+              <a:tr h="144405">
+                <a:tc>
+                  <a:txBody>
+                    <a:bodyPr/>
+                    <a:lstStyle/>
+                    <a:p>
+                      <a:r>
+                        <a:rPr lang="en-US" sz="1100" dirty="0" smtClean="0"/>
+                        <a:t>Title</a:t>
+                      </a:r>
+                      <a:endParaRPr lang="en-US" sz="1100" b="0" dirty="0"/>
+                    </a:p>
+                  </a:txBody>
+                  <a:tcPr>
+                    <a:lnL w="12700" cap="flat" cmpd="sng" algn="ctr">
+                      <a:solidFill>
+                        <a:schemeClr val="tx1"/>
+                      </a:solidFill>
+                      <a:prstDash val="solid"/>
+                      <a:round/>
+                      <a:headEnd type="none" w="med" len="med"/>
+                      <a:tailEnd type="none" w="med" len="med"/>
+                    </a:lnL>
+                    <a:lnR w="12700" cap="flat" cmpd="sng" algn="ctr">
+                      <a:solidFill>
+                        <a:schemeClr val="tx1"/>
+                      </a:solidFill>
+                      <a:prstDash val="solid"/>
+                      <a:round/>
+                      <a:headEnd type="none" w="med" len="med"/>
+                      <a:tailEnd type="none" w="med" len="med"/>
+                    </a:lnR>
+                  </a:tcPr>
+                </a:tc>
+                <a:tc gridSpan="3">
+                  <a:txBody>
+                    <a:bodyPr/>
+                    <a:lstStyle/>
+                    <a:p>
+                      <a:r>
+                        <a:rPr lang="en-US" sz="1100" dirty="0" smtClean="0"/>
+                        <a:t>Malicious E-mail Subject Line</a:t>
+                      </a:r>
+                    </a:p>
+                  </a:txBody>
+                  <a:tcPr>
+                    <a:lnL w="12700" cap="flat" cmpd="sng" algn="ctr">
+                      <a:solidFill>
+                        <a:schemeClr val="tx1"/>
+                      </a:solidFill>
+                      <a:prstDash val="solid"/>
+                      <a:round/>
+                      <a:headEnd type="none" w="med" len="med"/>
+                      <a:tailEnd type="none" w="med" len="med"/>
+                    </a:lnL>
+                    <a:lnR w="12700" cap="flat" cmpd="sng" algn="ctr">
+                      <a:solidFill>
+                        <a:schemeClr val="tx1"/>
+                      </a:solidFill>
+                      <a:prstDash val="solid"/>
+                      <a:round/>
+                      <a:headEnd type="none" w="med" len="med"/>
+                      <a:tailEnd type="none" w="med" len="med"/>
+                    </a:lnR>
+                    <a:lnT w="12700" cap="flat" cmpd="sng" algn="ctr">
+                      <a:noFill/>
+                      <a:prstDash val="solid"/>
+                      <a:round/>
+                      <a:headEnd type="none" w="med" len="med"/>
+                      <a:tailEnd type="none" w="med" len="med"/>
+                    </a:lnT>
+                    <a:lnB w="12700" cap="flat" cmpd="sng" algn="ctr">
+                      <a:noFill/>
+                      <a:prstDash val="solid"/>
+                      <a:round/>
+                      <a:headEnd type="none" w="med" len="med"/>
+                      <a:tailEnd type="none" w="med" len="med"/>
+                    </a:lnB>
+                    <a:lnTlToBr w="12700" cmpd="sng">
+                      <a:noFill/>
+                      <a:prstDash val="solid"/>
+                    </a:lnTlToBr>
+                    <a:lnBlToTr w="12700" cmpd="sng">
+                      <a:noFill/>
+                      <a:prstDash val="solid"/>
+                    </a:lnBlToTr>
+                  </a:tcPr>
+                </a:tc>
+                <a:tc hMerge="1">
+                  <a:txBody>
+                    <a:bodyPr/>
+                    <a:lstStyle/>
+                    <a:p>
+                      <a:endParaRPr lang="en-US"/>
+                    </a:p>
+                  </a:txBody>
+                  <a:tcPr/>
+                </a:tc>
+                <a:tc hMerge="1">
+                  <a:txBody>
+                    <a:bodyPr/>
+                    <a:lstStyle/>
+                    <a:p>
+                      <a:endParaRPr lang="en-US"/>
+                    </a:p>
+                  </a:txBody>
+                  <a:tcPr/>
+                </a:tc>
+              </a:tr>
+              <a:tr h="144405">
+                <a:tc>
+                  <a:txBody>
+                    <a:bodyPr/>
+                    <a:lstStyle/>
+                    <a:p>
+                      <a:r>
+                        <a:rPr lang="en-US" sz="1100" b="0" dirty="0" smtClean="0"/>
+                        <a:t>Type</a:t>
+                      </a:r>
+                      <a:endParaRPr lang="en-US" sz="1100" b="0" dirty="0"/>
+                    </a:p>
+                  </a:txBody>
+                  <a:tcPr>
+                    <a:lnL w="12700" cap="flat" cmpd="sng" algn="ctr">
+                      <a:solidFill>
+                        <a:schemeClr val="tx1"/>
+                      </a:solidFill>
+                      <a:prstDash val="solid"/>
+                      <a:round/>
+                      <a:headEnd type="none" w="med" len="med"/>
+                      <a:tailEnd type="none" w="med" len="med"/>
+                    </a:lnL>
+                    <a:lnR w="12700" cap="flat" cmpd="sng" algn="ctr">
+                      <a:solidFill>
+                        <a:schemeClr val="tx1"/>
+                      </a:solidFill>
+                      <a:prstDash val="solid"/>
+                      <a:round/>
+                      <a:headEnd type="none" w="med" len="med"/>
+                      <a:tailEnd type="none" w="med" len="med"/>
+                    </a:lnR>
+                  </a:tcPr>
+                </a:tc>
+                <a:tc gridSpan="2">
+                  <a:txBody>
+                    <a:bodyPr/>
+                    <a:lstStyle/>
+                    <a:p>
+                      <a:r>
+                        <a:rPr lang="en-US" sz="1100" b="0" dirty="0" smtClean="0"/>
+                        <a:t>Malicious E-mail</a:t>
+                      </a:r>
+                    </a:p>
+                  </a:txBody>
+                  <a:tcPr>
+                    <a:lnL w="12700" cap="flat" cmpd="sng" algn="ctr">
+                      <a:solidFill>
+                        <a:schemeClr val="tx1"/>
+                      </a:solidFill>
+                      <a:prstDash val="solid"/>
+                      <a:round/>
+                      <a:headEnd type="none" w="med" len="med"/>
+                      <a:tailEnd type="none" w="med" len="med"/>
+                    </a:lnL>
+                    <a:lnR w="12700" cap="flat" cmpd="sng" algn="ctr">
+                      <a:noFill/>
+                      <a:prstDash val="solid"/>
+                      <a:round/>
+                      <a:headEnd type="none" w="med" len="med"/>
+                      <a:tailEnd type="none" w="med" len="med"/>
+                    </a:lnR>
+                    <a:lnT w="12700" cap="flat" cmpd="sng" algn="ctr">
+                      <a:noFill/>
+                      <a:prstDash val="solid"/>
+                      <a:round/>
+                      <a:headEnd type="none" w="med" len="med"/>
+                      <a:tailEnd type="none" w="med" len="med"/>
+                    </a:lnT>
+                    <a:lnB w="12700" cap="flat" cmpd="sng" algn="ctr">
+                      <a:noFill/>
+                      <a:prstDash val="solid"/>
+                      <a:round/>
+                      <a:headEnd type="none" w="med" len="med"/>
+                      <a:tailEnd type="none" w="med" len="med"/>
+                    </a:lnB>
+                    <a:lnTlToBr w="12700" cmpd="sng">
+                      <a:noFill/>
+                      <a:prstDash val="solid"/>
+                    </a:lnTlToBr>
+                    <a:lnBlToTr w="12700" cmpd="sng">
+                      <a:noFill/>
+                      <a:prstDash val="solid"/>
+                    </a:lnBlToTr>
+                  </a:tcPr>
+                </a:tc>
+                <a:tc hMerge="1">
+                  <a:txBody>
+                    <a:bodyPr/>
+                    <a:lstStyle/>
+                    <a:p>
+                      <a:endParaRPr lang="en-US"/>
+                    </a:p>
+                  </a:txBody>
+                  <a:tcPr/>
+                </a:tc>
+                <a:tc>
+                  <a:txBody>
+                    <a:bodyPr/>
+                    <a:lstStyle/>
+                    <a:p>
+                      <a:pPr algn="r"/>
+                      <a:r>
+                        <a:rPr lang="en-US" sz="1100" b="0" dirty="0" smtClean="0">
+                          <a:solidFill>
+                            <a:schemeClr val="bg1">
+                              <a:lumMod val="50000"/>
+                            </a:schemeClr>
+                          </a:solidFill>
+                        </a:rPr>
+                        <a:t>IndicatorTypeVocab-1.1</a:t>
+                      </a:r>
+                    </a:p>
+                  </a:txBody>
+                  <a:tcPr>
+                    <a:lnL w="12700" cap="flat" cmpd="sng" algn="ctr">
+                      <a:noFill/>
+                      <a:prstDash val="solid"/>
+                      <a:round/>
+                      <a:headEnd type="none" w="med" len="med"/>
+                      <a:tailEnd type="none" w="med" len="med"/>
+                    </a:lnL>
+                    <a:lnR w="12700" cap="flat" cmpd="sng" algn="ctr">
+                      <a:solidFill>
+                        <a:schemeClr val="tx1"/>
+                      </a:solidFill>
+                      <a:prstDash val="solid"/>
+                      <a:round/>
+                      <a:headEnd type="none" w="med" len="med"/>
+                      <a:tailEnd type="none" w="med" len="med"/>
+                    </a:lnR>
+                    <a:lnT w="12700" cap="flat" cmpd="sng" algn="ctr">
+                      <a:noFill/>
+                      <a:prstDash val="solid"/>
+                      <a:round/>
+                      <a:headEnd type="none" w="med" len="med"/>
+                      <a:tailEnd type="none" w="med" len="med"/>
+                    </a:lnT>
+                    <a:lnB w="12700" cap="flat" cmpd="sng" algn="ctr">
+                      <a:noFill/>
+                      <a:prstDash val="solid"/>
+                      <a:round/>
+                      <a:headEnd type="none" w="med" len="med"/>
+                      <a:tailEnd type="none" w="med" len="med"/>
+                    </a:lnB>
+                    <a:lnTlToBr w="12700" cmpd="sng">
+                      <a:noFill/>
+                      <a:prstDash val="solid"/>
+                    </a:lnTlToBr>
+                    <a:lnBlToTr w="12700" cmpd="sng">
+                      <a:noFill/>
+                      <a:prstDash val="solid"/>
+                    </a:lnBlToTr>
+                  </a:tcPr>
+                </a:tc>
+              </a:tr>
+              <a:tr h="144405">
+                <a:tc>
+                  <a:txBody>
+                    <a:bodyPr/>
+                    <a:lstStyle/>
+                    <a:p>
+                      <a:r>
+                        <a:rPr lang="en-US" sz="1100" dirty="0" smtClean="0"/>
+                        <a:t>Observable</a:t>
+                      </a:r>
+                      <a:endParaRPr lang="en-US" sz="1100" b="0" dirty="0"/>
+                    </a:p>
+                  </a:txBody>
+                  <a:tcPr>
+                    <a:lnL w="12700" cap="flat" cmpd="sng" algn="ctr">
+                      <a:solidFill>
+                        <a:schemeClr val="tx1"/>
+                      </a:solidFill>
+                      <a:prstDash val="solid"/>
+                      <a:round/>
+                      <a:headEnd type="none" w="med" len="med"/>
+                      <a:tailEnd type="none" w="med" len="med"/>
+                    </a:lnL>
+                    <a:lnR w="12700" cap="flat" cmpd="sng" algn="ctr">
+                      <a:solidFill>
+                        <a:schemeClr val="tx1"/>
+                      </a:solidFill>
+                      <a:prstDash val="solid"/>
+                      <a:round/>
+                      <a:headEnd type="none" w="med" len="med"/>
+                      <a:tailEnd type="none" w="med" len="med"/>
+                    </a:lnR>
+                  </a:tcPr>
+                </a:tc>
+                <a:tc gridSpan="3">
+                  <a:txBody>
+                    <a:bodyPr/>
+                    <a:lstStyle/>
+                    <a:p>
+                      <a:endParaRPr lang="en-US" sz="1100" b="0" dirty="0" smtClean="0"/>
+                    </a:p>
+                  </a:txBody>
+                  <a:tcPr>
+                    <a:lnL w="12700" cap="flat" cmpd="sng" algn="ctr">
+                      <a:solidFill>
+                        <a:schemeClr val="tx1"/>
+                      </a:solidFill>
+                      <a:prstDash val="solid"/>
+                      <a:round/>
+                      <a:headEnd type="none" w="med" len="med"/>
+                      <a:tailEnd type="none" w="med" len="med"/>
+                    </a:lnL>
+                    <a:lnR w="12700" cap="flat" cmpd="sng" algn="ctr">
+                      <a:solidFill>
+                        <a:schemeClr val="tx1"/>
+                      </a:solidFill>
+                      <a:prstDash val="solid"/>
+                      <a:round/>
+                      <a:headEnd type="none" w="med" len="med"/>
+                      <a:tailEnd type="none" w="med" len="med"/>
+                    </a:lnR>
+                    <a:lnT w="12700" cap="flat" cmpd="sng" algn="ctr">
+                      <a:noFill/>
+                      <a:prstDash val="solid"/>
+                      <a:round/>
+                      <a:headEnd type="none" w="med" len="med"/>
+                      <a:tailEnd type="none" w="med" len="med"/>
+                    </a:lnT>
+                    <a:lnB w="12700" cap="flat" cmpd="sng" algn="ctr">
+                      <a:noFill/>
+                      <a:prstDash val="solid"/>
+                      <a:round/>
+                      <a:headEnd type="none" w="med" len="med"/>
+                      <a:tailEnd type="none" w="med" len="med"/>
+                    </a:lnB>
+                    <a:lnTlToBr w="12700" cmpd="sng">
+                      <a:noFill/>
+                      <a:prstDash val="solid"/>
+                    </a:lnTlToBr>
+                    <a:lnBlToTr w="12700" cmpd="sng">
+                      <a:noFill/>
+                      <a:prstDash val="solid"/>
+                    </a:lnBlToTr>
+                  </a:tcPr>
+                </a:tc>
+                <a:tc hMerge="1">
+                  <a:txBody>
+                    <a:bodyPr/>
+                    <a:lstStyle/>
+                    <a:p>
+                      <a:endParaRPr lang="en-US"/>
+                    </a:p>
+                  </a:txBody>
+                  <a:tcPr/>
+                </a:tc>
+                <a:tc hMerge="1">
+                  <a:txBody>
+                    <a:bodyPr/>
+                    <a:lstStyle/>
+                    <a:p>
+                      <a:endParaRPr lang="en-US"/>
+                    </a:p>
+                  </a:txBody>
+                  <a:tcPr/>
+                </a:tc>
+              </a:tr>
+              <a:tr h="144405">
+                <a:tc>
+                  <a:txBody>
+                    <a:bodyPr/>
+                    <a:lstStyle/>
+                    <a:p>
+                      <a:r>
+                        <a:rPr lang="en-US" sz="1100" dirty="0" smtClean="0"/>
+                        <a:t>    Object</a:t>
+                      </a:r>
+                      <a:endParaRPr lang="en-US" sz="1100" b="0" dirty="0"/>
+                    </a:p>
+                  </a:txBody>
+                  <a:tcPr>
+                    <a:lnL w="12700" cap="flat" cmpd="sng" algn="ctr">
+                      <a:solidFill>
+                        <a:schemeClr val="tx1"/>
+                      </a:solidFill>
+                      <a:prstDash val="solid"/>
+                      <a:round/>
+                      <a:headEnd type="none" w="med" len="med"/>
+                      <a:tailEnd type="none" w="med" len="med"/>
+                    </a:lnL>
+                    <a:lnR w="12700" cap="flat" cmpd="sng" algn="ctr">
+                      <a:solidFill>
+                        <a:schemeClr val="tx1"/>
+                      </a:solidFill>
+                      <a:prstDash val="solid"/>
+                      <a:round/>
+                      <a:headEnd type="none" w="med" len="med"/>
+                      <a:tailEnd type="none" w="med" len="med"/>
+                    </a:lnR>
+                  </a:tcPr>
+                </a:tc>
+                <a:tc gridSpan="3">
+                  <a:txBody>
+                    <a:bodyPr/>
+                    <a:lstStyle/>
+                    <a:p>
+                      <a:endParaRPr lang="en-US" sz="1100" b="0" dirty="0" smtClean="0"/>
+                    </a:p>
+                  </a:txBody>
+                  <a:tcPr>
+                    <a:lnL w="12700" cap="flat" cmpd="sng" algn="ctr">
+                      <a:solidFill>
+                        <a:schemeClr val="tx1"/>
+                      </a:solidFill>
+                      <a:prstDash val="solid"/>
+                      <a:round/>
+                      <a:headEnd type="none" w="med" len="med"/>
+                      <a:tailEnd type="none" w="med" len="med"/>
+                    </a:lnL>
+                    <a:lnR w="12700" cap="flat" cmpd="sng" algn="ctr">
+                      <a:solidFill>
+                        <a:schemeClr val="tx1"/>
+                      </a:solidFill>
+                      <a:prstDash val="solid"/>
+                      <a:round/>
+                      <a:headEnd type="none" w="med" len="med"/>
+                      <a:tailEnd type="none" w="med" len="med"/>
+                    </a:lnR>
+                    <a:lnT w="12700" cap="flat" cmpd="sng" algn="ctr">
+                      <a:noFill/>
+                      <a:prstDash val="solid"/>
+                      <a:round/>
+                      <a:headEnd type="none" w="med" len="med"/>
+                      <a:tailEnd type="none" w="med" len="med"/>
+                    </a:lnT>
+                    <a:lnB w="12700" cap="flat" cmpd="sng" algn="ctr">
+                      <a:noFill/>
+                      <a:prstDash val="solid"/>
+                      <a:round/>
+                      <a:headEnd type="none" w="med" len="med"/>
+                      <a:tailEnd type="none" w="med" len="med"/>
+                    </a:lnB>
+                    <a:lnTlToBr w="12700" cmpd="sng">
+                      <a:noFill/>
+                      <a:prstDash val="solid"/>
+                    </a:lnTlToBr>
+                    <a:lnBlToTr w="12700" cmpd="sng">
+                      <a:noFill/>
+                      <a:prstDash val="solid"/>
+                    </a:lnBlToTr>
+                  </a:tcPr>
+                </a:tc>
+                <a:tc hMerge="1">
+                  <a:txBody>
+                    <a:bodyPr/>
+                    <a:lstStyle/>
+                    <a:p>
+                      <a:endParaRPr lang="en-US"/>
+                    </a:p>
+                  </a:txBody>
+                  <a:tcPr/>
+                </a:tc>
+                <a:tc hMerge="1">
+                  <a:txBody>
+                    <a:bodyPr/>
+                    <a:lstStyle/>
+                    <a:p>
+                      <a:endParaRPr lang="en-US"/>
+                    </a:p>
+                  </a:txBody>
+                  <a:tcPr/>
+                </a:tc>
+              </a:tr>
+              <a:tr h="144405">
+                <a:tc>
+                  <a:txBody>
+                    <a:bodyPr/>
+                    <a:lstStyle/>
+                    <a:p>
+                      <a:r>
+                        <a:rPr lang="en-US" sz="1100" b="0" dirty="0" smtClean="0"/>
+                        <a:t>        Properties</a:t>
+                      </a:r>
+                      <a:endParaRPr lang="en-US" sz="1100" b="0" dirty="0"/>
+                    </a:p>
+                  </a:txBody>
+                  <a:tcPr>
+                    <a:lnL w="12700" cap="flat" cmpd="sng" algn="ctr">
+                      <a:solidFill>
+                        <a:schemeClr val="tx1"/>
+                      </a:solidFill>
+                      <a:prstDash val="solid"/>
+                      <a:round/>
+                      <a:headEnd type="none" w="med" len="med"/>
+                      <a:tailEnd type="none" w="med" len="med"/>
+                    </a:lnL>
+                    <a:lnR w="12700" cap="flat" cmpd="sng" algn="ctr">
+                      <a:solidFill>
+                        <a:schemeClr val="tx1"/>
+                      </a:solidFill>
+                      <a:prstDash val="solid"/>
+                      <a:round/>
+                      <a:headEnd type="none" w="med" len="med"/>
+                      <a:tailEnd type="none" w="med" len="med"/>
+                    </a:lnR>
+                  </a:tcPr>
+                </a:tc>
+                <a:tc gridSpan="2">
+                  <a:txBody>
+                    <a:bodyPr/>
+                    <a:lstStyle/>
+                    <a:p>
+                      <a:endParaRPr lang="en-US" sz="1100" b="0" dirty="0" smtClean="0"/>
+                    </a:p>
+                  </a:txBody>
+                  <a:tcPr>
+                    <a:lnL w="12700" cap="flat" cmpd="sng" algn="ctr">
+                      <a:solidFill>
+                        <a:schemeClr val="tx1"/>
+                      </a:solidFill>
+                      <a:prstDash val="solid"/>
+                      <a:round/>
+                      <a:headEnd type="none" w="med" len="med"/>
+                      <a:tailEnd type="none" w="med" len="med"/>
+                    </a:lnL>
+                    <a:lnR w="12700" cap="flat" cmpd="sng" algn="ctr">
+                      <a:noFill/>
+                      <a:prstDash val="solid"/>
+                      <a:round/>
+                      <a:headEnd type="none" w="med" len="med"/>
+                      <a:tailEnd type="none" w="med" len="med"/>
+                    </a:lnR>
+                    <a:lnT w="12700" cap="flat" cmpd="sng" algn="ctr">
+                      <a:noFill/>
+                      <a:prstDash val="solid"/>
+                      <a:round/>
+                      <a:headEnd type="none" w="med" len="med"/>
+                      <a:tailEnd type="none" w="med" len="med"/>
+                    </a:lnT>
+                    <a:lnB w="12700" cap="flat" cmpd="sng" algn="ctr">
+                      <a:noFill/>
+                      <a:prstDash val="solid"/>
+                      <a:round/>
+                      <a:headEnd type="none" w="med" len="med"/>
+                      <a:tailEnd type="none" w="med" len="med"/>
+                    </a:lnB>
+                    <a:lnTlToBr w="12700" cmpd="sng">
+                      <a:noFill/>
+                      <a:prstDash val="solid"/>
+                    </a:lnTlToBr>
+                    <a:lnBlToTr w="12700" cmpd="sng">
+                      <a:noFill/>
+                      <a:prstDash val="solid"/>
+                    </a:lnBlToTr>
+                  </a:tcPr>
+                </a:tc>
+                <a:tc hMerge="1">
+                  <a:txBody>
+                    <a:bodyPr/>
+                    <a:lstStyle/>
+                    <a:p>
+                      <a:endParaRPr lang="en-US"/>
+                    </a:p>
+                  </a:txBody>
+                  <a:tcPr/>
+                </a:tc>
+                <a:tc>
+                  <a:txBody>
+                    <a:bodyPr/>
+                    <a:lstStyle/>
+                    <a:p>
+                      <a:pPr algn="r"/>
+                      <a:r>
+                        <a:rPr lang="en-US" sz="1100" b="0" dirty="0" err="1" smtClean="0">
+                          <a:solidFill>
+                            <a:schemeClr val="bg1">
+                              <a:lumMod val="50000"/>
+                            </a:schemeClr>
+                          </a:solidFill>
+                        </a:rPr>
+                        <a:t>EmailMessageObjectType</a:t>
+                      </a:r>
+                      <a:endParaRPr lang="en-US" sz="1100" b="0" dirty="0" smtClean="0">
+                        <a:solidFill>
+                          <a:schemeClr val="bg1">
+                            <a:lumMod val="50000"/>
+                          </a:schemeClr>
+                        </a:solidFill>
+                      </a:endParaRPr>
+                    </a:p>
+                  </a:txBody>
+                  <a:tcPr>
+                    <a:lnL w="12700" cap="flat" cmpd="sng" algn="ctr">
+                      <a:noFill/>
+                      <a:prstDash val="solid"/>
+                      <a:round/>
+                      <a:headEnd type="none" w="med" len="med"/>
+                      <a:tailEnd type="none" w="med" len="med"/>
+                    </a:lnL>
+                    <a:lnR w="12700" cap="flat" cmpd="sng" algn="ctr">
+                      <a:solidFill>
+                        <a:schemeClr val="tx1"/>
+                      </a:solidFill>
+                      <a:prstDash val="solid"/>
+                      <a:round/>
+                      <a:headEnd type="none" w="med" len="med"/>
+                      <a:tailEnd type="none" w="med" len="med"/>
+                    </a:lnR>
+                    <a:lnT w="12700" cap="flat" cmpd="sng" algn="ctr">
+                      <a:noFill/>
+                      <a:prstDash val="solid"/>
+                      <a:round/>
+                      <a:headEnd type="none" w="med" len="med"/>
+                      <a:tailEnd type="none" w="med" len="med"/>
+                    </a:lnT>
+                    <a:lnB w="12700" cap="flat" cmpd="sng" algn="ctr">
+                      <a:noFill/>
+                      <a:prstDash val="solid"/>
+                      <a:round/>
+                      <a:headEnd type="none" w="med" len="med"/>
+                      <a:tailEnd type="none" w="med" len="med"/>
+                    </a:lnB>
+                    <a:lnTlToBr w="12700" cmpd="sng">
+                      <a:noFill/>
+                      <a:prstDash val="solid"/>
+                    </a:lnTlToBr>
+                    <a:lnBlToTr w="12700" cmpd="sng">
+                      <a:noFill/>
+                      <a:prstDash val="solid"/>
+                    </a:lnBlToTr>
+                  </a:tcPr>
+                </a:tc>
+              </a:tr>
+              <a:tr h="144405">
+                <a:tc>
+                  <a:txBody>
+                    <a:bodyPr/>
+                    <a:lstStyle/>
+                    <a:p>
+                      <a:r>
+                        <a:rPr lang="en-US" sz="1100" b="0" dirty="0" smtClean="0"/>
+                        <a:t>            Header</a:t>
+                      </a:r>
+                      <a:endParaRPr lang="en-US" sz="1100" b="0" dirty="0"/>
+                    </a:p>
+                  </a:txBody>
+                  <a:tcPr>
+                    <a:lnL w="12700" cap="flat" cmpd="sng" algn="ctr">
+                      <a:solidFill>
+                        <a:schemeClr val="tx1"/>
+                      </a:solidFill>
+                      <a:prstDash val="solid"/>
+                      <a:round/>
+                      <a:headEnd type="none" w="med" len="med"/>
+                      <a:tailEnd type="none" w="med" len="med"/>
+                    </a:lnL>
+                    <a:lnR w="12700" cap="flat" cmpd="sng" algn="ctr">
+                      <a:solidFill>
+                        <a:schemeClr val="tx1"/>
+                      </a:solidFill>
+                      <a:prstDash val="solid"/>
+                      <a:round/>
+                      <a:headEnd type="none" w="med" len="med"/>
+                      <a:tailEnd type="none" w="med" len="med"/>
+                    </a:lnR>
+                  </a:tcPr>
+                </a:tc>
+                <a:tc gridSpan="3">
+                  <a:txBody>
+                    <a:bodyPr/>
+                    <a:lstStyle/>
+                    <a:p>
+                      <a:endParaRPr lang="en-US" sz="1100" b="0" dirty="0" smtClean="0"/>
+                    </a:p>
+                  </a:txBody>
+                  <a:tcPr>
+                    <a:lnL w="12700" cap="flat" cmpd="sng" algn="ctr">
+                      <a:solidFill>
+                        <a:schemeClr val="tx1"/>
+                      </a:solidFill>
+                      <a:prstDash val="solid"/>
+                      <a:round/>
+                      <a:headEnd type="none" w="med" len="med"/>
+                      <a:tailEnd type="none" w="med" len="med"/>
+                    </a:lnL>
+                    <a:lnR w="12700" cap="flat" cmpd="sng" algn="ctr">
+                      <a:solidFill>
+                        <a:schemeClr val="tx1"/>
+                      </a:solidFill>
+                      <a:prstDash val="solid"/>
+                      <a:round/>
+                      <a:headEnd type="none" w="med" len="med"/>
+                      <a:tailEnd type="none" w="med" len="med"/>
+                    </a:lnR>
+                    <a:lnT w="12700" cap="flat" cmpd="sng" algn="ctr">
+                      <a:noFill/>
+                      <a:prstDash val="solid"/>
+                      <a:round/>
+                      <a:headEnd type="none" w="med" len="med"/>
+                      <a:tailEnd type="none" w="med" len="med"/>
+                    </a:lnT>
+                    <a:lnB w="12700" cap="flat" cmpd="sng" algn="ctr">
+                      <a:noFill/>
+                      <a:prstDash val="solid"/>
+                      <a:round/>
+                      <a:headEnd type="none" w="med" len="med"/>
+                      <a:tailEnd type="none" w="med" len="med"/>
+                    </a:lnB>
+                    <a:lnTlToBr w="12700" cmpd="sng">
+                      <a:noFill/>
+                      <a:prstDash val="solid"/>
+                    </a:lnTlToBr>
+                    <a:lnBlToTr w="12700" cmpd="sng">
+                      <a:noFill/>
+                      <a:prstDash val="solid"/>
+                    </a:lnBlToTr>
+                  </a:tcPr>
+                </a:tc>
+                <a:tc hMerge="1">
+                  <a:txBody>
+                    <a:bodyPr/>
+                    <a:lstStyle/>
+                    <a:p>
+                      <a:endParaRPr lang="en-US"/>
+                    </a:p>
+                  </a:txBody>
+                  <a:tcPr/>
+                </a:tc>
+                <a:tc hMerge="1">
+                  <a:txBody>
+                    <a:bodyPr/>
+                    <a:lstStyle/>
+                    <a:p>
+                      <a:pPr algn="r"/>
+                      <a:endParaRPr lang="en-US" sz="1100" b="0" dirty="0" smtClean="0">
+                        <a:solidFill>
+                          <a:schemeClr val="bg1">
+                            <a:lumMod val="50000"/>
+                          </a:schemeClr>
+                        </a:solidFill>
+                      </a:endParaRPr>
+                    </a:p>
+                  </a:txBody>
+                  <a:tcPr>
+                    <a:lnL w="12700" cap="flat" cmpd="sng" algn="ctr">
+                      <a:noFill/>
+                      <a:prstDash val="solid"/>
+                      <a:round/>
+                      <a:headEnd type="none" w="med" len="med"/>
+                      <a:tailEnd type="none" w="med" len="med"/>
+                    </a:lnL>
+                    <a:lnR w="12700" cap="flat" cmpd="sng" algn="ctr">
+                      <a:solidFill>
+                        <a:schemeClr val="tx1"/>
+                      </a:solidFill>
+                      <a:prstDash val="solid"/>
+                      <a:round/>
+                      <a:headEnd type="none" w="med" len="med"/>
+                      <a:tailEnd type="none" w="med" len="med"/>
+                    </a:lnR>
+                    <a:lnT w="12700" cap="flat" cmpd="sng" algn="ctr">
+                      <a:noFill/>
+                      <a:prstDash val="solid"/>
+                      <a:round/>
+                      <a:headEnd type="none" w="med" len="med"/>
+                      <a:tailEnd type="none" w="med" len="med"/>
+                    </a:lnT>
+                    <a:lnB w="12700" cap="flat" cmpd="sng" algn="ctr">
+                      <a:noFill/>
+                      <a:prstDash val="solid"/>
+                      <a:round/>
+                      <a:headEnd type="none" w="med" len="med"/>
+                      <a:tailEnd type="none" w="med" len="med"/>
+                    </a:lnB>
+                    <a:lnTlToBr w="12700" cmpd="sng">
+                      <a:noFill/>
+                      <a:prstDash val="solid"/>
+                    </a:lnTlToBr>
+                    <a:lnBlToTr w="12700" cmpd="sng">
+                      <a:noFill/>
+                      <a:prstDash val="solid"/>
+                    </a:lnBlToTr>
+                  </a:tcPr>
+                </a:tc>
+              </a:tr>
+              <a:tr h="144405">
+                <a:tc>
+                  <a:txBody>
+                    <a:bodyPr/>
+                    <a:lstStyle/>
+                    <a:p>
+                      <a:r>
+                        <a:rPr lang="en-US" sz="1100" b="0" dirty="0" smtClean="0"/>
+                        <a:t>            </a:t>
+                      </a:r>
+                      <a:r>
+                        <a:rPr lang="en-US" sz="1100" b="0" baseline="0" dirty="0" smtClean="0"/>
+                        <a:t>    Subject</a:t>
+                      </a:r>
+                      <a:endParaRPr lang="en-US" sz="1100" b="0" dirty="0"/>
+                    </a:p>
+                  </a:txBody>
+                  <a:tcPr>
+                    <a:lnL w="12700" cap="flat" cmpd="sng" algn="ctr">
+                      <a:solidFill>
+                        <a:schemeClr val="tx1"/>
+                      </a:solidFill>
+                      <a:prstDash val="solid"/>
+                      <a:round/>
+                      <a:headEnd type="none" w="med" len="med"/>
+                      <a:tailEnd type="none" w="med" len="med"/>
+                    </a:lnL>
+                    <a:lnR w="12700" cap="flat" cmpd="sng" algn="ctr">
+                      <a:solidFill>
+                        <a:schemeClr val="tx1"/>
+                      </a:solidFill>
+                      <a:prstDash val="solid"/>
+                      <a:round/>
+                      <a:headEnd type="none" w="med" len="med"/>
+                      <a:tailEnd type="none" w="med" len="med"/>
+                    </a:lnR>
+                  </a:tcPr>
+                </a:tc>
+                <a:tc gridSpan="3">
+                  <a:txBody>
+                    <a:bodyPr/>
+                    <a:lstStyle/>
+                    <a:p>
+                      <a:r>
+                        <a:rPr lang="en-US" sz="1100" b="0" dirty="0" smtClean="0">
+                          <a:solidFill>
+                            <a:schemeClr val="tx1"/>
+                          </a:solidFill>
+                        </a:rPr>
+                        <a:t>[IMPORTANT]</a:t>
+                      </a:r>
+                      <a:r>
+                        <a:rPr lang="en-US" sz="1100" b="0" baseline="0" dirty="0" smtClean="0">
+                          <a:solidFill>
+                            <a:schemeClr val="tx1"/>
+                          </a:solidFill>
+                        </a:rPr>
+                        <a:t> </a:t>
+                      </a:r>
+                      <a:r>
+                        <a:rPr lang="en-US" sz="1100" b="0" dirty="0" smtClean="0">
+                          <a:solidFill>
+                            <a:schemeClr val="tx1"/>
+                          </a:solidFill>
+                        </a:rPr>
+                        <a:t>Please Review</a:t>
+                      </a:r>
+                      <a:r>
+                        <a:rPr lang="en-US" sz="1100" b="0" baseline="0" dirty="0" smtClean="0">
+                          <a:solidFill>
+                            <a:schemeClr val="tx1"/>
+                          </a:solidFill>
+                        </a:rPr>
+                        <a:t> Before</a:t>
+                      </a:r>
                       <a:endParaRPr lang="en-US" sz="1100" b="0" dirty="0" smtClean="0">
                         <a:solidFill>
                           <a:schemeClr val="tx1"/>
@@ -10065,6 +10857,13 @@
                       <a:headEnd type="none" w="med" len="med"/>
                       <a:tailEnd type="none" w="med" len="med"/>
                     </a:lnR>
+                    <a:lnT w="12700" cap="flat" cmpd="sng" algn="ctr">
+                      <a:noFill/>
+                      <a:prstDash val="solid"/>
+                      <a:round/>
+                      <a:headEnd type="none" w="med" len="med"/>
+                      <a:tailEnd type="none" w="med" len="med"/>
+                    </a:lnT>
                     <a:lnB w="12700" cap="flat" cmpd="sng" algn="ctr">
                       <a:noFill/>
                       <a:prstDash val="solid"/>
@@ -10072,6 +10871,80 @@
                       <a:headEnd type="none" w="med" len="med"/>
                       <a:tailEnd type="none" w="med" len="med"/>
                     </a:lnB>
+                    <a:lnTlToBr w="12700" cmpd="sng">
+                      <a:noFill/>
+                      <a:prstDash val="solid"/>
+                    </a:lnTlToBr>
+                    <a:lnBlToTr w="12700" cmpd="sng">
+                      <a:noFill/>
+                      <a:prstDash val="solid"/>
+                    </a:lnBlToTr>
+                  </a:tcPr>
+                </a:tc>
+                <a:tc hMerge="1">
+                  <a:txBody>
+                    <a:bodyPr/>
+                    <a:lstStyle/>
+                    <a:p>
+                      <a:endParaRPr lang="en-US"/>
+                    </a:p>
+                  </a:txBody>
+                  <a:tcPr/>
+                </a:tc>
+                <a:tc hMerge="1">
+                  <a:txBody>
+                    <a:bodyPr/>
+                    <a:lstStyle/>
+                    <a:p>
+                      <a:pPr algn="r"/>
+                      <a:endParaRPr lang="en-US" sz="1100" b="0" dirty="0" smtClean="0">
+                        <a:solidFill>
+                          <a:schemeClr val="bg1">
+                            <a:lumMod val="50000"/>
+                          </a:schemeClr>
+                        </a:solidFill>
+                      </a:endParaRPr>
+                    </a:p>
+                  </a:txBody>
+                  <a:tcPr>
+                    <a:lnL w="12700" cap="flat" cmpd="sng" algn="ctr">
+                      <a:noFill/>
+                      <a:prstDash val="solid"/>
+                      <a:round/>
+                      <a:headEnd type="none" w="med" len="med"/>
+                      <a:tailEnd type="none" w="med" len="med"/>
+                    </a:lnL>
+                    <a:lnR w="12700" cap="flat" cmpd="sng" algn="ctr">
+                      <a:solidFill>
+                        <a:schemeClr val="tx1"/>
+                      </a:solidFill>
+                      <a:prstDash val="solid"/>
+                      <a:round/>
+                      <a:headEnd type="none" w="med" len="med"/>
+                      <a:tailEnd type="none" w="med" len="med"/>
+                    </a:lnR>
+                    <a:lnT w="12700" cap="flat" cmpd="sng" algn="ctr">
+                      <a:noFill/>
+                      <a:prstDash val="solid"/>
+                      <a:round/>
+                      <a:headEnd type="none" w="med" len="med"/>
+                      <a:tailEnd type="none" w="med" len="med"/>
+                    </a:lnT>
+                    <a:lnB w="12700" cap="flat" cmpd="sng" algn="ctr">
+                      <a:noFill/>
+                      <a:prstDash val="solid"/>
+                      <a:round/>
+                      <a:headEnd type="none" w="med" len="med"/>
+                      <a:tailEnd type="none" w="med" len="med"/>
+                    </a:lnB>
+                    <a:lnTlToBr w="12700" cmpd="sng">
+                      <a:noFill/>
+                      <a:prstDash val="solid"/>
+                    </a:lnTlToBr>
+                    <a:lnBlToTr w="12700" cmpd="sng">
+                      <a:noFill/>
+                      <a:prstDash val="solid"/>
+                    </a:lnBlToTr>
                   </a:tcPr>
                 </a:tc>
               </a:tr>
@@ -10082,8 +10955,8 @@
                     <a:lstStyle/>
                     <a:p>
                       <a:r>
-                        <a:rPr lang="en-US" sz="1100" dirty="0" smtClean="0"/>
-                        <a:t>Title</a:t>
+                        <a:rPr lang="en-US" sz="1100" b="0" dirty="0" smtClean="0"/>
+                        <a:t>                    Condition</a:t>
                       </a:r>
                       <a:endParaRPr lang="en-US" sz="1100" b="0" dirty="0"/>
                     </a:p>
@@ -10107,27 +10980,34 @@
                       <a:headEnd type="none" w="med" len="med"/>
                       <a:tailEnd type="none" w="med" len="med"/>
                     </a:lnR>
-                    <a:lnB w="12700" cap="flat" cmpd="sng" algn="ctr">
-                      <a:solidFill>
-                        <a:schemeClr val="tx1"/>
-                      </a:solidFill>
-                      <a:prstDash val="solid"/>
-                      <a:round/>
-                      <a:headEnd type="none" w="med" len="med"/>
-                      <a:tailEnd type="none" w="med" len="med"/>
-                    </a:lnB>
-                  </a:tcPr>
-                </a:tc>
-                <a:tc>
-                  <a:txBody>
-                    <a:bodyPr/>
-                    <a:lstStyle/>
-                    <a:p>
+                  </a:tcPr>
+                </a:tc>
+                <a:tc gridSpan="3">
+                  <a:txBody>
+                    <a:bodyPr/>
+                    <a:lstStyle/>
+                    <a:p>
+                      <a:pPr marL="0" marR="0" indent="0" algn="l" defTabSz="914400" rtl="0" eaLnBrk="1" fontAlgn="auto" latinLnBrk="0" hangingPunct="1">
+                        <a:lnSpc>
+                          <a:spcPct val="100000"/>
+                        </a:lnSpc>
+                        <a:spcBef>
+                          <a:spcPts val="0"/>
+                        </a:spcBef>
+                        <a:spcAft>
+                          <a:spcPts val="0"/>
+                        </a:spcAft>
+                        <a:buClrTx/>
+                        <a:buSzTx/>
+                        <a:buFontTx/>
+                        <a:buNone/>
+                        <a:tabLst/>
+                        <a:defRPr/>
+                      </a:pPr>
                       <a:r>
-                        <a:rPr lang="en-US" sz="1100" dirty="0" smtClean="0"/>
-                        <a:t>Phishing</a:t>
+                        <a:rPr lang="en-US" sz="1100" b="0" dirty="0" smtClean="0"/>
+                        <a:t>Starts With</a:t>
                       </a:r>
-                      <a:endParaRPr lang="en-US" sz="1100" dirty="0" smtClean="0"/>
                     </a:p>
                   </a:txBody>
                   <a:tcPr>
@@ -10157,9 +11037,7 @@
                       <a:tailEnd type="none" w="med" len="med"/>
                     </a:lnT>
                     <a:lnB w="12700" cap="flat" cmpd="sng" algn="ctr">
-                      <a:solidFill>
-                        <a:schemeClr val="tx1"/>
-                      </a:solidFill>
+                      <a:noFill/>
                       <a:prstDash val="solid"/>
                       <a:round/>
                       <a:headEnd type="none" w="med" len="med"/>
@@ -10174,6 +11052,810 @@
                       <a:prstDash val="solid"/>
                     </a:lnBlToTr>
                   </a:tcPr>
+                </a:tc>
+                <a:tc hMerge="1">
+                  <a:txBody>
+                    <a:bodyPr/>
+                    <a:lstStyle/>
+                    <a:p>
+                      <a:endParaRPr lang="en-US"/>
+                    </a:p>
+                  </a:txBody>
+                  <a:tcPr/>
+                </a:tc>
+                <a:tc hMerge="1">
+                  <a:txBody>
+                    <a:bodyPr/>
+                    <a:lstStyle/>
+                    <a:p>
+                      <a:pPr algn="r"/>
+                      <a:endParaRPr lang="en-US" sz="1100" b="0" dirty="0" smtClean="0">
+                        <a:solidFill>
+                          <a:schemeClr val="bg1">
+                            <a:lumMod val="50000"/>
+                          </a:schemeClr>
+                        </a:solidFill>
+                      </a:endParaRPr>
+                    </a:p>
+                  </a:txBody>
+                  <a:tcPr>
+                    <a:lnL w="12700" cap="flat" cmpd="sng" algn="ctr">
+                      <a:noFill/>
+                      <a:prstDash val="solid"/>
+                      <a:round/>
+                      <a:headEnd type="none" w="med" len="med"/>
+                      <a:tailEnd type="none" w="med" len="med"/>
+                    </a:lnL>
+                    <a:lnR w="12700" cap="flat" cmpd="sng" algn="ctr">
+                      <a:solidFill>
+                        <a:schemeClr val="tx1"/>
+                      </a:solidFill>
+                      <a:prstDash val="solid"/>
+                      <a:round/>
+                      <a:headEnd type="none" w="med" len="med"/>
+                      <a:tailEnd type="none" w="med" len="med"/>
+                    </a:lnR>
+                    <a:lnT w="12700" cap="flat" cmpd="sng" algn="ctr">
+                      <a:noFill/>
+                      <a:prstDash val="solid"/>
+                      <a:round/>
+                      <a:headEnd type="none" w="med" len="med"/>
+                      <a:tailEnd type="none" w="med" len="med"/>
+                    </a:lnT>
+                    <a:lnB w="12700" cap="flat" cmpd="sng" algn="ctr">
+                      <a:noFill/>
+                      <a:prstDash val="solid"/>
+                      <a:round/>
+                      <a:headEnd type="none" w="med" len="med"/>
+                      <a:tailEnd type="none" w="med" len="med"/>
+                    </a:lnB>
+                    <a:lnTlToBr w="12700" cmpd="sng">
+                      <a:noFill/>
+                      <a:prstDash val="solid"/>
+                    </a:lnTlToBr>
+                    <a:lnBlToTr w="12700" cmpd="sng">
+                      <a:noFill/>
+                      <a:prstDash val="solid"/>
+                    </a:lnBlToTr>
+                  </a:tcPr>
+                </a:tc>
+              </a:tr>
+              <a:tr h="144405">
+                <a:tc>
+                  <a:txBody>
+                    <a:bodyPr/>
+                    <a:lstStyle/>
+                    <a:p>
+                      <a:r>
+                        <a:rPr lang="en-US" sz="1100" b="0" dirty="0" smtClean="0"/>
+                        <a:t>Indicated TTP</a:t>
+                      </a:r>
+                      <a:endParaRPr lang="en-US" sz="1100" b="0" dirty="0"/>
+                    </a:p>
+                  </a:txBody>
+                  <a:tcPr>
+                    <a:lnL w="12700" cap="flat" cmpd="sng" algn="ctr">
+                      <a:solidFill>
+                        <a:schemeClr val="tx1"/>
+                      </a:solidFill>
+                      <a:prstDash val="solid"/>
+                      <a:round/>
+                      <a:headEnd type="none" w="med" len="med"/>
+                      <a:tailEnd type="none" w="med" len="med"/>
+                    </a:lnL>
+                    <a:lnR w="12700" cap="flat" cmpd="sng" algn="ctr">
+                      <a:solidFill>
+                        <a:schemeClr val="tx1"/>
+                      </a:solidFill>
+                      <a:prstDash val="solid"/>
+                      <a:round/>
+                      <a:headEnd type="none" w="med" len="med"/>
+                      <a:tailEnd type="none" w="med" len="med"/>
+                    </a:lnR>
+                  </a:tcPr>
+                </a:tc>
+                <a:tc gridSpan="2">
+                  <a:txBody>
+                    <a:bodyPr/>
+                    <a:lstStyle/>
+                    <a:p>
+                      <a:endParaRPr lang="en-US" sz="1100" b="0" dirty="0" smtClean="0"/>
+                    </a:p>
+                  </a:txBody>
+                  <a:tcPr>
+                    <a:lnL w="12700" cap="flat" cmpd="sng" algn="ctr">
+                      <a:solidFill>
+                        <a:schemeClr val="tx1"/>
+                      </a:solidFill>
+                      <a:prstDash val="solid"/>
+                      <a:round/>
+                      <a:headEnd type="none" w="med" len="med"/>
+                      <a:tailEnd type="none" w="med" len="med"/>
+                    </a:lnL>
+                    <a:lnR w="12700" cap="flat" cmpd="sng" algn="ctr">
+                      <a:noFill/>
+                      <a:prstDash val="solid"/>
+                      <a:round/>
+                      <a:headEnd type="none" w="med" len="med"/>
+                      <a:tailEnd type="none" w="med" len="med"/>
+                    </a:lnR>
+                    <a:lnT w="12700" cap="flat" cmpd="sng" algn="ctr">
+                      <a:noFill/>
+                      <a:prstDash val="solid"/>
+                      <a:round/>
+                      <a:headEnd type="none" w="med" len="med"/>
+                      <a:tailEnd type="none" w="med" len="med"/>
+                    </a:lnT>
+                    <a:lnB w="12700" cap="flat" cmpd="sng" algn="ctr">
+                      <a:noFill/>
+                      <a:prstDash val="solid"/>
+                      <a:round/>
+                      <a:headEnd type="none" w="med" len="med"/>
+                      <a:tailEnd type="none" w="med" len="med"/>
+                    </a:lnB>
+                    <a:lnTlToBr w="12700" cmpd="sng">
+                      <a:noFill/>
+                      <a:prstDash val="solid"/>
+                    </a:lnTlToBr>
+                    <a:lnBlToTr w="12700" cmpd="sng">
+                      <a:noFill/>
+                      <a:prstDash val="solid"/>
+                    </a:lnBlToTr>
+                  </a:tcPr>
+                </a:tc>
+                <a:tc hMerge="1">
+                  <a:txBody>
+                    <a:bodyPr/>
+                    <a:lstStyle/>
+                    <a:p>
+                      <a:endParaRPr lang="en-US"/>
+                    </a:p>
+                  </a:txBody>
+                  <a:tcPr/>
+                </a:tc>
+                <a:tc>
+                  <a:txBody>
+                    <a:bodyPr/>
+                    <a:lstStyle/>
+                    <a:p>
+                      <a:pPr algn="r"/>
+                      <a:endParaRPr lang="en-US" sz="1100" b="0" dirty="0" smtClean="0">
+                        <a:solidFill>
+                          <a:schemeClr val="bg1">
+                            <a:lumMod val="50000"/>
+                          </a:schemeClr>
+                        </a:solidFill>
+                      </a:endParaRPr>
+                    </a:p>
+                  </a:txBody>
+                  <a:tcPr>
+                    <a:lnL w="12700" cap="flat" cmpd="sng" algn="ctr">
+                      <a:noFill/>
+                      <a:prstDash val="solid"/>
+                      <a:round/>
+                      <a:headEnd type="none" w="med" len="med"/>
+                      <a:tailEnd type="none" w="med" len="med"/>
+                    </a:lnL>
+                    <a:lnR w="12700" cap="flat" cmpd="sng" algn="ctr">
+                      <a:solidFill>
+                        <a:schemeClr val="tx1"/>
+                      </a:solidFill>
+                      <a:prstDash val="solid"/>
+                      <a:round/>
+                      <a:headEnd type="none" w="med" len="med"/>
+                      <a:tailEnd type="none" w="med" len="med"/>
+                    </a:lnR>
+                    <a:lnT w="12700" cap="flat" cmpd="sng" algn="ctr">
+                      <a:noFill/>
+                      <a:prstDash val="solid"/>
+                      <a:round/>
+                      <a:headEnd type="none" w="med" len="med"/>
+                      <a:tailEnd type="none" w="med" len="med"/>
+                    </a:lnT>
+                    <a:lnB w="12700" cap="flat" cmpd="sng" algn="ctr">
+                      <a:noFill/>
+                      <a:prstDash val="solid"/>
+                      <a:round/>
+                      <a:headEnd type="none" w="med" len="med"/>
+                      <a:tailEnd type="none" w="med" len="med"/>
+                    </a:lnB>
+                    <a:lnTlToBr w="12700" cmpd="sng">
+                      <a:noFill/>
+                      <a:prstDash val="solid"/>
+                    </a:lnTlToBr>
+                    <a:lnBlToTr w="12700" cmpd="sng">
+                      <a:noFill/>
+                      <a:prstDash val="solid"/>
+                    </a:lnBlToTr>
+                  </a:tcPr>
+                </a:tc>
+              </a:tr>
+              <a:tr h="144405">
+                <a:tc>
+                  <a:txBody>
+                    <a:bodyPr/>
+                    <a:lstStyle/>
+                    <a:p>
+                      <a:r>
+                        <a:rPr lang="en-US" sz="1100" b="0" dirty="0" smtClean="0"/>
+                        <a:t>    TTP</a:t>
+                      </a:r>
+                      <a:endParaRPr lang="en-US" sz="1100" b="0" dirty="0"/>
+                    </a:p>
+                  </a:txBody>
+                  <a:tcPr>
+                    <a:lnL w="12700" cap="flat" cmpd="sng" algn="ctr">
+                      <a:solidFill>
+                        <a:schemeClr val="tx1"/>
+                      </a:solidFill>
+                      <a:prstDash val="solid"/>
+                      <a:round/>
+                      <a:headEnd type="none" w="med" len="med"/>
+                      <a:tailEnd type="none" w="med" len="med"/>
+                    </a:lnL>
+                    <a:lnR w="12700" cap="flat" cmpd="sng" algn="ctr">
+                      <a:solidFill>
+                        <a:schemeClr val="tx1"/>
+                      </a:solidFill>
+                      <a:prstDash val="solid"/>
+                      <a:round/>
+                      <a:headEnd type="none" w="med" len="med"/>
+                      <a:tailEnd type="none" w="med" len="med"/>
+                    </a:lnR>
+                  </a:tcPr>
+                </a:tc>
+                <a:tc gridSpan="3">
+                  <a:txBody>
+                    <a:bodyPr/>
+                    <a:lstStyle/>
+                    <a:p>
+                      <a:endParaRPr lang="en-US" sz="1100" b="0" dirty="0" smtClean="0"/>
+                    </a:p>
+                  </a:txBody>
+                  <a:tcPr>
+                    <a:lnL w="12700" cap="flat" cmpd="sng" algn="ctr">
+                      <a:solidFill>
+                        <a:schemeClr val="tx1"/>
+                      </a:solidFill>
+                      <a:prstDash val="solid"/>
+                      <a:round/>
+                      <a:headEnd type="none" w="med" len="med"/>
+                      <a:tailEnd type="none" w="med" len="med"/>
+                    </a:lnL>
+                    <a:lnR w="12700" cap="flat" cmpd="sng" algn="ctr">
+                      <a:solidFill>
+                        <a:schemeClr val="tx1"/>
+                      </a:solidFill>
+                      <a:prstDash val="solid"/>
+                      <a:round/>
+                      <a:headEnd type="none" w="med" len="med"/>
+                      <a:tailEnd type="none" w="med" len="med"/>
+                    </a:lnR>
+                    <a:lnT w="12700" cap="flat" cmpd="sng" algn="ctr">
+                      <a:noFill/>
+                      <a:prstDash val="solid"/>
+                      <a:round/>
+                      <a:headEnd type="none" w="med" len="med"/>
+                      <a:tailEnd type="none" w="med" len="med"/>
+                    </a:lnT>
+                    <a:lnB w="12700" cap="flat" cmpd="sng" algn="ctr">
+                      <a:noFill/>
+                      <a:prstDash val="solid"/>
+                      <a:round/>
+                      <a:headEnd type="none" w="med" len="med"/>
+                      <a:tailEnd type="none" w="med" len="med"/>
+                    </a:lnB>
+                    <a:lnTlToBr w="12700" cmpd="sng">
+                      <a:noFill/>
+                      <a:prstDash val="solid"/>
+                    </a:lnTlToBr>
+                    <a:lnBlToTr w="12700" cmpd="sng">
+                      <a:noFill/>
+                      <a:prstDash val="solid"/>
+                    </a:lnBlToTr>
+                  </a:tcPr>
+                </a:tc>
+                <a:tc hMerge="1">
+                  <a:txBody>
+                    <a:bodyPr/>
+                    <a:lstStyle/>
+                    <a:p>
+                      <a:endParaRPr lang="en-US"/>
+                    </a:p>
+                  </a:txBody>
+                  <a:tcPr/>
+                </a:tc>
+                <a:tc hMerge="1">
+                  <a:txBody>
+                    <a:bodyPr/>
+                    <a:lstStyle/>
+                    <a:p>
+                      <a:pPr algn="r"/>
+                      <a:endParaRPr lang="en-US" sz="1100" b="0" dirty="0" smtClean="0">
+                        <a:solidFill>
+                          <a:schemeClr val="bg1">
+                            <a:lumMod val="50000"/>
+                          </a:schemeClr>
+                        </a:solidFill>
+                      </a:endParaRPr>
+                    </a:p>
+                  </a:txBody>
+                  <a:tcPr>
+                    <a:lnL w="12700" cap="flat" cmpd="sng" algn="ctr">
+                      <a:noFill/>
+                      <a:prstDash val="solid"/>
+                      <a:round/>
+                      <a:headEnd type="none" w="med" len="med"/>
+                      <a:tailEnd type="none" w="med" len="med"/>
+                    </a:lnL>
+                    <a:lnR w="12700" cap="flat" cmpd="sng" algn="ctr">
+                      <a:solidFill>
+                        <a:schemeClr val="tx1"/>
+                      </a:solidFill>
+                      <a:prstDash val="solid"/>
+                      <a:round/>
+                      <a:headEnd type="none" w="med" len="med"/>
+                      <a:tailEnd type="none" w="med" len="med"/>
+                    </a:lnR>
+                    <a:lnT w="12700" cap="flat" cmpd="sng" algn="ctr">
+                      <a:noFill/>
+                      <a:prstDash val="solid"/>
+                      <a:round/>
+                      <a:headEnd type="none" w="med" len="med"/>
+                      <a:tailEnd type="none" w="med" len="med"/>
+                    </a:lnT>
+                    <a:lnB w="12700" cap="flat" cmpd="sng" algn="ctr">
+                      <a:noFill/>
+                      <a:prstDash val="solid"/>
+                      <a:round/>
+                      <a:headEnd type="none" w="med" len="med"/>
+                      <a:tailEnd type="none" w="med" len="med"/>
+                    </a:lnB>
+                    <a:lnTlToBr w="12700" cmpd="sng">
+                      <a:noFill/>
+                      <a:prstDash val="solid"/>
+                    </a:lnTlToBr>
+                    <a:lnBlToTr w="12700" cmpd="sng">
+                      <a:noFill/>
+                      <a:prstDash val="solid"/>
+                    </a:lnBlToTr>
+                  </a:tcPr>
+                </a:tc>
+              </a:tr>
+              <a:tr h="144405">
+                <a:tc>
+                  <a:txBody>
+                    <a:bodyPr/>
+                    <a:lstStyle/>
+                    <a:p>
+                      <a:r>
+                        <a:rPr lang="en-US" sz="1100" b="0" dirty="0" smtClean="0"/>
+                        <a:t>        </a:t>
+                      </a:r>
+                      <a:r>
+                        <a:rPr lang="en-US" sz="1100" b="0" dirty="0" err="1" smtClean="0"/>
+                        <a:t>idref</a:t>
+                      </a:r>
+                      <a:endParaRPr lang="en-US" sz="1100" b="0" dirty="0"/>
+                    </a:p>
+                  </a:txBody>
+                  <a:tcPr>
+                    <a:lnL w="12700" cap="flat" cmpd="sng" algn="ctr">
+                      <a:solidFill>
+                        <a:schemeClr val="tx1"/>
+                      </a:solidFill>
+                      <a:prstDash val="solid"/>
+                      <a:round/>
+                      <a:headEnd type="none" w="med" len="med"/>
+                      <a:tailEnd type="none" w="med" len="med"/>
+                    </a:lnL>
+                    <a:lnR w="12700" cap="flat" cmpd="sng" algn="ctr">
+                      <a:solidFill>
+                        <a:schemeClr val="tx1"/>
+                      </a:solidFill>
+                      <a:prstDash val="solid"/>
+                      <a:round/>
+                      <a:headEnd type="none" w="med" len="med"/>
+                      <a:tailEnd type="none" w="med" len="med"/>
+                    </a:lnR>
+                  </a:tcPr>
+                </a:tc>
+                <a:tc gridSpan="3">
+                  <a:txBody>
+                    <a:bodyPr/>
+                    <a:lstStyle/>
+                    <a:p>
+                      <a:r>
+                        <a:rPr lang="en-US" sz="1100" b="0" dirty="0" smtClean="0">
+                          <a:solidFill>
+                            <a:schemeClr val="tx1"/>
+                          </a:solidFill>
+                        </a:rPr>
+                        <a:t>example:ttp-c32a6ab5-17b0-4bf4-b85b-a1f4f54d2ecd</a:t>
+                      </a:r>
+                    </a:p>
+                  </a:txBody>
+                  <a:tcPr>
+                    <a:lnL w="12700" cap="flat" cmpd="sng" algn="ctr">
+                      <a:solidFill>
+                        <a:schemeClr val="tx1"/>
+                      </a:solidFill>
+                      <a:prstDash val="solid"/>
+                      <a:round/>
+                      <a:headEnd type="none" w="med" len="med"/>
+                      <a:tailEnd type="none" w="med" len="med"/>
+                    </a:lnL>
+                    <a:lnR w="12700" cap="flat" cmpd="sng" algn="ctr">
+                      <a:solidFill>
+                        <a:schemeClr val="tx1"/>
+                      </a:solidFill>
+                      <a:prstDash val="solid"/>
+                      <a:round/>
+                      <a:headEnd type="none" w="med" len="med"/>
+                      <a:tailEnd type="none" w="med" len="med"/>
+                    </a:lnR>
+                    <a:lnT w="12700" cap="flat" cmpd="sng" algn="ctr">
+                      <a:noFill/>
+                      <a:prstDash val="solid"/>
+                      <a:round/>
+                      <a:headEnd type="none" w="med" len="med"/>
+                      <a:tailEnd type="none" w="med" len="med"/>
+                    </a:lnT>
+                    <a:lnB w="12700" cap="flat" cmpd="sng" algn="ctr">
+                      <a:noFill/>
+                      <a:prstDash val="solid"/>
+                      <a:round/>
+                      <a:headEnd type="none" w="med" len="med"/>
+                      <a:tailEnd type="none" w="med" len="med"/>
+                    </a:lnB>
+                    <a:lnTlToBr w="12700" cmpd="sng">
+                      <a:noFill/>
+                      <a:prstDash val="solid"/>
+                    </a:lnTlToBr>
+                    <a:lnBlToTr w="12700" cmpd="sng">
+                      <a:noFill/>
+                      <a:prstDash val="solid"/>
+                    </a:lnBlToTr>
+                  </a:tcPr>
+                </a:tc>
+                <a:tc hMerge="1">
+                  <a:txBody>
+                    <a:bodyPr/>
+                    <a:lstStyle/>
+                    <a:p>
+                      <a:endParaRPr lang="en-US"/>
+                    </a:p>
+                  </a:txBody>
+                  <a:tcPr/>
+                </a:tc>
+                <a:tc hMerge="1">
+                  <a:txBody>
+                    <a:bodyPr/>
+                    <a:lstStyle/>
+                    <a:p>
+                      <a:pPr algn="r"/>
+                      <a:endParaRPr lang="en-US" sz="1100" b="0" dirty="0" smtClean="0">
+                        <a:solidFill>
+                          <a:schemeClr val="bg1">
+                            <a:lumMod val="50000"/>
+                          </a:schemeClr>
+                        </a:solidFill>
+                      </a:endParaRPr>
+                    </a:p>
+                  </a:txBody>
+                  <a:tcPr>
+                    <a:lnL w="12700" cap="flat" cmpd="sng" algn="ctr">
+                      <a:noFill/>
+                      <a:prstDash val="solid"/>
+                      <a:round/>
+                      <a:headEnd type="none" w="med" len="med"/>
+                      <a:tailEnd type="none" w="med" len="med"/>
+                    </a:lnL>
+                    <a:lnR w="12700" cap="flat" cmpd="sng" algn="ctr">
+                      <a:solidFill>
+                        <a:schemeClr val="tx1"/>
+                      </a:solidFill>
+                      <a:prstDash val="solid"/>
+                      <a:round/>
+                      <a:headEnd type="none" w="med" len="med"/>
+                      <a:tailEnd type="none" w="med" len="med"/>
+                    </a:lnR>
+                    <a:lnT w="12700" cap="flat" cmpd="sng" algn="ctr">
+                      <a:noFill/>
+                      <a:prstDash val="solid"/>
+                      <a:round/>
+                      <a:headEnd type="none" w="med" len="med"/>
+                      <a:tailEnd type="none" w="med" len="med"/>
+                    </a:lnT>
+                    <a:lnB w="12700" cap="flat" cmpd="sng" algn="ctr">
+                      <a:solidFill>
+                        <a:schemeClr val="tx1"/>
+                      </a:solidFill>
+                      <a:prstDash val="solid"/>
+                      <a:round/>
+                      <a:headEnd type="none" w="med" len="med"/>
+                      <a:tailEnd type="none" w="med" len="med"/>
+                    </a:lnB>
+                    <a:lnTlToBr w="12700" cmpd="sng">
+                      <a:noFill/>
+                      <a:prstDash val="solid"/>
+                    </a:lnTlToBr>
+                    <a:lnBlToTr w="12700" cmpd="sng">
+                      <a:noFill/>
+                      <a:prstDash val="solid"/>
+                    </a:lnBlToTr>
+                  </a:tcPr>
+                </a:tc>
+              </a:tr>
+              <a:tr h="144405">
+                <a:tc>
+                  <a:txBody>
+                    <a:bodyPr/>
+                    <a:lstStyle/>
+                    <a:p>
+                      <a:r>
+                        <a:rPr lang="en-US" sz="1100" b="0" dirty="0" smtClean="0"/>
+                        <a:t>Confidence</a:t>
+                      </a:r>
+                      <a:endParaRPr lang="en-US" sz="1100" b="0" dirty="0"/>
+                    </a:p>
+                  </a:txBody>
+                  <a:tcPr>
+                    <a:lnL w="12700" cap="flat" cmpd="sng" algn="ctr">
+                      <a:solidFill>
+                        <a:schemeClr val="tx1"/>
+                      </a:solidFill>
+                      <a:prstDash val="solid"/>
+                      <a:round/>
+                      <a:headEnd type="none" w="med" len="med"/>
+                      <a:tailEnd type="none" w="med" len="med"/>
+                    </a:lnL>
+                    <a:lnR w="12700" cap="flat" cmpd="sng" algn="ctr">
+                      <a:solidFill>
+                        <a:schemeClr val="tx1"/>
+                      </a:solidFill>
+                      <a:prstDash val="solid"/>
+                      <a:round/>
+                      <a:headEnd type="none" w="med" len="med"/>
+                      <a:tailEnd type="none" w="med" len="med"/>
+                    </a:lnR>
+                  </a:tcPr>
+                </a:tc>
+                <a:tc gridSpan="3">
+                  <a:txBody>
+                    <a:bodyPr/>
+                    <a:lstStyle/>
+                    <a:p>
+                      <a:endParaRPr lang="en-US" sz="1100" b="0" dirty="0" smtClean="0">
+                        <a:solidFill>
+                          <a:schemeClr val="tx1"/>
+                        </a:solidFill>
+                      </a:endParaRPr>
+                    </a:p>
+                  </a:txBody>
+                  <a:tcPr>
+                    <a:lnL w="12700" cap="flat" cmpd="sng" algn="ctr">
+                      <a:solidFill>
+                        <a:schemeClr val="tx1"/>
+                      </a:solidFill>
+                      <a:prstDash val="solid"/>
+                      <a:round/>
+                      <a:headEnd type="none" w="med" len="med"/>
+                      <a:tailEnd type="none" w="med" len="med"/>
+                    </a:lnL>
+                    <a:lnR w="12700" cap="flat" cmpd="sng" algn="ctr">
+                      <a:solidFill>
+                        <a:schemeClr val="tx1"/>
+                      </a:solidFill>
+                      <a:prstDash val="solid"/>
+                      <a:round/>
+                      <a:headEnd type="none" w="med" len="med"/>
+                      <a:tailEnd type="none" w="med" len="med"/>
+                    </a:lnR>
+                    <a:lnT w="12700" cap="flat" cmpd="sng" algn="ctr">
+                      <a:noFill/>
+                      <a:prstDash val="solid"/>
+                      <a:round/>
+                      <a:headEnd type="none" w="med" len="med"/>
+                      <a:tailEnd type="none" w="med" len="med"/>
+                    </a:lnT>
+                    <a:lnB w="12700" cap="flat" cmpd="sng" algn="ctr">
+                      <a:noFill/>
+                      <a:prstDash val="solid"/>
+                      <a:round/>
+                      <a:headEnd type="none" w="med" len="med"/>
+                      <a:tailEnd type="none" w="med" len="med"/>
+                    </a:lnB>
+                    <a:lnTlToBr w="12700" cmpd="sng">
+                      <a:noFill/>
+                      <a:prstDash val="solid"/>
+                    </a:lnTlToBr>
+                    <a:lnBlToTr w="12700" cmpd="sng">
+                      <a:noFill/>
+                      <a:prstDash val="solid"/>
+                    </a:lnBlToTr>
+                  </a:tcPr>
+                </a:tc>
+                <a:tc hMerge="1">
+                  <a:txBody>
+                    <a:bodyPr/>
+                    <a:lstStyle/>
+                    <a:p>
+                      <a:endParaRPr lang="en-US"/>
+                    </a:p>
+                  </a:txBody>
+                  <a:tcPr/>
+                </a:tc>
+                <a:tc hMerge="1">
+                  <a:txBody>
+                    <a:bodyPr/>
+                    <a:lstStyle/>
+                    <a:p>
+                      <a:endParaRPr lang="en-US"/>
+                    </a:p>
+                  </a:txBody>
+                  <a:tcPr/>
+                </a:tc>
+              </a:tr>
+              <a:tr h="144405">
+                <a:tc>
+                  <a:txBody>
+                    <a:bodyPr/>
+                    <a:lstStyle/>
+                    <a:p>
+                      <a:r>
+                        <a:rPr lang="en-US" sz="1100" b="0" dirty="0" smtClean="0"/>
+                        <a:t>    Value</a:t>
+                      </a:r>
+                      <a:endParaRPr lang="en-US" sz="1100" b="0" dirty="0"/>
+                    </a:p>
+                  </a:txBody>
+                  <a:tcPr>
+                    <a:lnL w="12700" cap="flat" cmpd="sng" algn="ctr">
+                      <a:solidFill>
+                        <a:schemeClr val="tx1"/>
+                      </a:solidFill>
+                      <a:prstDash val="solid"/>
+                      <a:round/>
+                      <a:headEnd type="none" w="med" len="med"/>
+                      <a:tailEnd type="none" w="med" len="med"/>
+                    </a:lnL>
+                    <a:lnR w="12700" cap="flat" cmpd="sng" algn="ctr">
+                      <a:solidFill>
+                        <a:schemeClr val="tx1"/>
+                      </a:solidFill>
+                      <a:prstDash val="solid"/>
+                      <a:round/>
+                      <a:headEnd type="none" w="med" len="med"/>
+                      <a:tailEnd type="none" w="med" len="med"/>
+                    </a:lnR>
+                    <a:lnB w="12700" cap="flat" cmpd="sng" algn="ctr">
+                      <a:solidFill>
+                        <a:schemeClr val="tx1"/>
+                      </a:solidFill>
+                      <a:prstDash val="solid"/>
+                      <a:round/>
+                      <a:headEnd type="none" w="med" len="med"/>
+                      <a:tailEnd type="none" w="med" len="med"/>
+                    </a:lnB>
+                  </a:tcPr>
+                </a:tc>
+                <a:tc>
+                  <a:txBody>
+                    <a:bodyPr/>
+                    <a:lstStyle/>
+                    <a:p>
+                      <a:r>
+                        <a:rPr lang="en-US" sz="1100" b="0" dirty="0" smtClean="0"/>
+                        <a:t>Low</a:t>
+                      </a:r>
+                    </a:p>
+                  </a:txBody>
+                  <a:tcPr>
+                    <a:lnL w="12700" cap="flat" cmpd="sng" algn="ctr">
+                      <a:solidFill>
+                        <a:schemeClr val="tx1"/>
+                      </a:solidFill>
+                      <a:prstDash val="solid"/>
+                      <a:round/>
+                      <a:headEnd type="none" w="med" len="med"/>
+                      <a:tailEnd type="none" w="med" len="med"/>
+                    </a:lnL>
+                    <a:lnR w="12700" cap="flat" cmpd="sng" algn="ctr">
+                      <a:noFill/>
+                      <a:prstDash val="solid"/>
+                      <a:round/>
+                      <a:headEnd type="none" w="med" len="med"/>
+                      <a:tailEnd type="none" w="med" len="med"/>
+                    </a:lnR>
+                    <a:lnT w="12700" cap="flat" cmpd="sng" algn="ctr">
+                      <a:noFill/>
+                      <a:prstDash val="solid"/>
+                      <a:round/>
+                      <a:headEnd type="none" w="med" len="med"/>
+                      <a:tailEnd type="none" w="med" len="med"/>
+                    </a:lnT>
+                    <a:lnB w="12700" cap="flat" cmpd="sng" algn="ctr">
+                      <a:solidFill>
+                        <a:schemeClr val="tx1"/>
+                      </a:solidFill>
+                      <a:prstDash val="solid"/>
+                      <a:round/>
+                      <a:headEnd type="none" w="med" len="med"/>
+                      <a:tailEnd type="none" w="med" len="med"/>
+                    </a:lnB>
+                    <a:lnTlToBr w="12700" cmpd="sng">
+                      <a:noFill/>
+                      <a:prstDash val="solid"/>
+                    </a:lnTlToBr>
+                    <a:lnBlToTr w="12700" cmpd="sng">
+                      <a:noFill/>
+                      <a:prstDash val="solid"/>
+                    </a:lnBlToTr>
+                  </a:tcPr>
+                </a:tc>
+                <a:tc gridSpan="2">
+                  <a:txBody>
+                    <a:bodyPr/>
+                    <a:lstStyle/>
+                    <a:p>
+                      <a:pPr algn="r"/>
+                      <a:r>
+                        <a:rPr lang="en-US" sz="1100" b="0" dirty="0" smtClean="0">
+                          <a:solidFill>
+                            <a:schemeClr val="bg1">
+                              <a:lumMod val="50000"/>
+                            </a:schemeClr>
+                          </a:solidFill>
+                        </a:rPr>
+                        <a:t>HighMediumLowVocab-1.0</a:t>
+                      </a:r>
+                    </a:p>
+                  </a:txBody>
+                  <a:tcPr>
+                    <a:lnL w="12700" cap="flat" cmpd="sng" algn="ctr">
+                      <a:noFill/>
+                      <a:prstDash val="solid"/>
+                      <a:round/>
+                      <a:headEnd type="none" w="med" len="med"/>
+                      <a:tailEnd type="none" w="med" len="med"/>
+                    </a:lnL>
+                    <a:lnR w="12700" cap="flat" cmpd="sng" algn="ctr">
+                      <a:solidFill>
+                        <a:schemeClr val="tx1"/>
+                      </a:solidFill>
+                      <a:prstDash val="solid"/>
+                      <a:round/>
+                      <a:headEnd type="none" w="med" len="med"/>
+                      <a:tailEnd type="none" w="med" len="med"/>
+                    </a:lnR>
+                    <a:lnB w="12700" cap="flat" cmpd="sng" algn="ctr">
+                      <a:solidFill>
+                        <a:schemeClr val="tx1"/>
+                      </a:solidFill>
+                      <a:prstDash val="solid"/>
+                      <a:round/>
+                      <a:headEnd type="none" w="med" len="med"/>
+                      <a:tailEnd type="none" w="med" len="med"/>
+                    </a:lnB>
+                  </a:tcPr>
+                </a:tc>
+                <a:tc hMerge="1">
+                  <a:txBody>
+                    <a:bodyPr/>
+                    <a:lstStyle/>
+                    <a:p>
+                      <a:pPr algn="r"/>
+                      <a:endParaRPr lang="en-US" sz="1100" b="0" dirty="0" smtClean="0">
+                        <a:solidFill>
+                          <a:schemeClr val="bg1">
+                            <a:lumMod val="50000"/>
+                          </a:schemeClr>
+                        </a:solidFill>
+                      </a:endParaRPr>
+                    </a:p>
+                  </a:txBody>
+                  <a:tcPr/>
                 </a:tc>
               </a:tr>
             </a:tbl>
@@ -10182,14 +11864,194 @@
       </p:graphicFrame>
       <p:cxnSp>
         <p:nvCxnSpPr>
-          <p:cNvPr id="3" name="Straight Connector 2"/>
+          <p:cNvPr id="75" name="Straight Connector 74"/>
           <p:cNvCxnSpPr/>
           <p:nvPr/>
         </p:nvCxnSpPr>
         <p:spPr>
           <a:xfrm>
-            <a:off x="5095875" y="4000502"/>
-            <a:ext cx="476250" cy="0"/>
+            <a:off x="3581400" y="3971925"/>
+            <a:ext cx="0" cy="4086225"/>
+          </a:xfrm>
+          <a:prstGeom prst="line">
+            <a:avLst/>
+          </a:prstGeom>
+          <a:ln w="25400">
+            <a:solidFill>
+              <a:srgbClr val="FF0000"/>
+            </a:solidFill>
+            <a:tailEnd type="none"/>
+          </a:ln>
+        </p:spPr>
+        <p:style>
+          <a:lnRef idx="1">
+            <a:schemeClr val="accent1"/>
+          </a:lnRef>
+          <a:fillRef idx="0">
+            <a:schemeClr val="accent1"/>
+          </a:fillRef>
+          <a:effectRef idx="0">
+            <a:schemeClr val="accent1"/>
+          </a:effectRef>
+          <a:fontRef idx="minor">
+            <a:schemeClr val="tx1"/>
+          </a:fontRef>
+        </p:style>
+      </p:cxnSp>
+      <p:cxnSp>
+        <p:nvCxnSpPr>
+          <p:cNvPr id="76" name="Straight Connector 75"/>
+          <p:cNvCxnSpPr/>
+          <p:nvPr/>
+        </p:nvCxnSpPr>
+        <p:spPr>
+          <a:xfrm>
+            <a:off x="3581400" y="8058150"/>
+            <a:ext cx="1066800" cy="0"/>
+          </a:xfrm>
+          <a:prstGeom prst="line">
+            <a:avLst/>
+          </a:prstGeom>
+          <a:ln w="25400">
+            <a:solidFill>
+              <a:srgbClr val="FF0000"/>
+            </a:solidFill>
+            <a:tailEnd type="none"/>
+          </a:ln>
+        </p:spPr>
+        <p:style>
+          <a:lnRef idx="1">
+            <a:schemeClr val="accent1"/>
+          </a:lnRef>
+          <a:fillRef idx="0">
+            <a:schemeClr val="accent1"/>
+          </a:fillRef>
+          <a:effectRef idx="0">
+            <a:schemeClr val="accent1"/>
+          </a:effectRef>
+          <a:fontRef idx="minor">
+            <a:schemeClr val="tx1"/>
+          </a:fontRef>
+        </p:style>
+      </p:cxnSp>
+      <p:cxnSp>
+        <p:nvCxnSpPr>
+          <p:cNvPr id="77" name="Straight Connector 76"/>
+          <p:cNvCxnSpPr/>
+          <p:nvPr/>
+        </p:nvCxnSpPr>
+        <p:spPr>
+          <a:xfrm>
+            <a:off x="2781300" y="5934075"/>
+            <a:ext cx="800100" cy="0"/>
+          </a:xfrm>
+          <a:prstGeom prst="line">
+            <a:avLst/>
+          </a:prstGeom>
+          <a:ln w="25400">
+            <a:solidFill>
+              <a:srgbClr val="FF0000"/>
+            </a:solidFill>
+            <a:tailEnd type="none"/>
+          </a:ln>
+        </p:spPr>
+        <p:style>
+          <a:lnRef idx="1">
+            <a:schemeClr val="accent1"/>
+          </a:lnRef>
+          <a:fillRef idx="0">
+            <a:schemeClr val="accent1"/>
+          </a:fillRef>
+          <a:effectRef idx="0">
+            <a:schemeClr val="accent1"/>
+          </a:effectRef>
+          <a:fontRef idx="minor">
+            <a:schemeClr val="tx1"/>
+          </a:fontRef>
+        </p:style>
+      </p:cxnSp>
+      <p:cxnSp>
+        <p:nvCxnSpPr>
+          <p:cNvPr id="78" name="Straight Connector 77"/>
+          <p:cNvCxnSpPr/>
+          <p:nvPr/>
+        </p:nvCxnSpPr>
+        <p:spPr>
+          <a:xfrm>
+            <a:off x="3581400" y="3971925"/>
+            <a:ext cx="1066800" cy="0"/>
+          </a:xfrm>
+          <a:prstGeom prst="line">
+            <a:avLst/>
+          </a:prstGeom>
+          <a:ln w="25400">
+            <a:solidFill>
+              <a:srgbClr val="FF0000"/>
+            </a:solidFill>
+            <a:tailEnd type="none"/>
+          </a:ln>
+        </p:spPr>
+        <p:style>
+          <a:lnRef idx="1">
+            <a:schemeClr val="accent1"/>
+          </a:lnRef>
+          <a:fillRef idx="0">
+            <a:schemeClr val="accent1"/>
+          </a:fillRef>
+          <a:effectRef idx="0">
+            <a:schemeClr val="accent1"/>
+          </a:effectRef>
+          <a:fontRef idx="minor">
+            <a:schemeClr val="tx1"/>
+          </a:fontRef>
+        </p:style>
+      </p:cxnSp>
+      <p:cxnSp>
+        <p:nvCxnSpPr>
+          <p:cNvPr id="79" name="Straight Connector 78"/>
+          <p:cNvCxnSpPr/>
+          <p:nvPr/>
+        </p:nvCxnSpPr>
+        <p:spPr>
+          <a:xfrm flipH="1">
+            <a:off x="2962275" y="7357111"/>
+            <a:ext cx="619125" cy="1"/>
+          </a:xfrm>
+          <a:prstGeom prst="line">
+            <a:avLst/>
+          </a:prstGeom>
+          <a:ln w="25400">
+            <a:solidFill>
+              <a:srgbClr val="FF0000"/>
+            </a:solidFill>
+            <a:tailEnd type="triangle"/>
+          </a:ln>
+        </p:spPr>
+        <p:style>
+          <a:lnRef idx="1">
+            <a:schemeClr val="accent1"/>
+          </a:lnRef>
+          <a:fillRef idx="0">
+            <a:schemeClr val="accent1"/>
+          </a:fillRef>
+          <a:effectRef idx="0">
+            <a:schemeClr val="accent1"/>
+          </a:effectRef>
+          <a:fontRef idx="minor">
+            <a:schemeClr val="tx1"/>
+          </a:fontRef>
+        </p:style>
+      </p:cxnSp>
+      <p:cxnSp>
+        <p:nvCxnSpPr>
+          <p:cNvPr id="80" name="Straight Connector 79"/>
+          <p:cNvCxnSpPr/>
+          <p:nvPr/>
+        </p:nvCxnSpPr>
+        <p:spPr>
+          <a:xfrm>
+            <a:off x="4210050" y="3200400"/>
+            <a:ext cx="838200" cy="0"/>
           </a:xfrm>
           <a:prstGeom prst="line">
             <a:avLst/>
@@ -10218,14 +12080,51 @@
       </p:cxnSp>
       <p:cxnSp>
         <p:nvCxnSpPr>
-          <p:cNvPr id="17" name="Straight Connector 16"/>
+          <p:cNvPr id="81" name="Straight Connector 80"/>
           <p:cNvCxnSpPr/>
           <p:nvPr/>
         </p:nvCxnSpPr>
         <p:spPr>
           <a:xfrm>
-            <a:off x="5572125" y="333375"/>
-            <a:ext cx="0" cy="3667127"/>
+            <a:off x="2854053" y="3619500"/>
+            <a:ext cx="533400" cy="0"/>
+          </a:xfrm>
+          <a:prstGeom prst="line">
+            <a:avLst/>
+          </a:prstGeom>
+          <a:ln w="25400">
+            <a:solidFill>
+              <a:srgbClr val="00B050"/>
+            </a:solidFill>
+            <a:headEnd type="triangle"/>
+            <a:tailEnd type="none"/>
+          </a:ln>
+        </p:spPr>
+        <p:style>
+          <a:lnRef idx="1">
+            <a:schemeClr val="accent1"/>
+          </a:lnRef>
+          <a:fillRef idx="0">
+            <a:schemeClr val="accent1"/>
+          </a:fillRef>
+          <a:effectRef idx="0">
+            <a:schemeClr val="accent1"/>
+          </a:effectRef>
+          <a:fontRef idx="minor">
+            <a:schemeClr val="tx1"/>
+          </a:fontRef>
+        </p:style>
+      </p:cxnSp>
+      <p:cxnSp>
+        <p:nvCxnSpPr>
+          <p:cNvPr id="82" name="Straight Connector 81"/>
+          <p:cNvCxnSpPr/>
+          <p:nvPr/>
+        </p:nvCxnSpPr>
+        <p:spPr>
+          <a:xfrm>
+            <a:off x="2854053" y="3095625"/>
+            <a:ext cx="432072" cy="1905"/>
           </a:xfrm>
           <a:prstGeom prst="line">
             <a:avLst/>
@@ -10254,51 +12153,14 @@
       </p:cxnSp>
       <p:cxnSp>
         <p:nvCxnSpPr>
-          <p:cNvPr id="21" name="Straight Connector 20"/>
+          <p:cNvPr id="83" name="Straight Connector 82"/>
           <p:cNvCxnSpPr/>
           <p:nvPr/>
         </p:nvCxnSpPr>
         <p:spPr>
-          <a:xfrm>
-            <a:off x="5572125" y="333375"/>
-            <a:ext cx="355057" cy="0"/>
-          </a:xfrm>
-          <a:prstGeom prst="line">
-            <a:avLst/>
-          </a:prstGeom>
-          <a:ln w="25400">
-            <a:solidFill>
-              <a:srgbClr val="00B050"/>
-            </a:solidFill>
-            <a:headEnd type="none"/>
-            <a:tailEnd type="triangle"/>
-          </a:ln>
-        </p:spPr>
-        <p:style>
-          <a:lnRef idx="1">
-            <a:schemeClr val="accent1"/>
-          </a:lnRef>
-          <a:fillRef idx="0">
-            <a:schemeClr val="accent1"/>
-          </a:fillRef>
-          <a:effectRef idx="0">
-            <a:schemeClr val="accent1"/>
-          </a:effectRef>
-          <a:fontRef idx="minor">
-            <a:schemeClr val="tx1"/>
-          </a:fontRef>
-        </p:style>
-      </p:cxnSp>
-      <p:cxnSp>
-        <p:nvCxnSpPr>
-          <p:cNvPr id="24" name="Straight Connector 23"/>
-          <p:cNvCxnSpPr/>
-          <p:nvPr/>
-        </p:nvCxnSpPr>
-        <p:spPr>
-          <a:xfrm>
-            <a:off x="5095875" y="4495802"/>
-            <a:ext cx="476250" cy="0"/>
+          <a:xfrm flipV="1">
+            <a:off x="3282678" y="3095623"/>
+            <a:ext cx="0" cy="523875"/>
           </a:xfrm>
           <a:prstGeom prst="line">
             <a:avLst/>
@@ -10327,14 +12189,14 @@
       </p:cxnSp>
       <p:cxnSp>
         <p:nvCxnSpPr>
-          <p:cNvPr id="25" name="Straight Connector 24"/>
+          <p:cNvPr id="84" name="Straight Connector 83"/>
           <p:cNvCxnSpPr/>
           <p:nvPr/>
         </p:nvCxnSpPr>
         <p:spPr>
-          <a:xfrm>
-            <a:off x="5572125" y="4495802"/>
-            <a:ext cx="0" cy="1257298"/>
+          <a:xfrm flipV="1">
+            <a:off x="4210050" y="3200400"/>
+            <a:ext cx="0" cy="419098"/>
           </a:xfrm>
           <a:prstGeom prst="line">
             <a:avLst/>
@@ -10363,14 +12225,14 @@
       </p:cxnSp>
       <p:cxnSp>
         <p:nvCxnSpPr>
-          <p:cNvPr id="29" name="Straight Connector 28"/>
+          <p:cNvPr id="85" name="Straight Connector 84"/>
           <p:cNvCxnSpPr/>
           <p:nvPr/>
         </p:nvCxnSpPr>
         <p:spPr>
-          <a:xfrm>
-            <a:off x="5572125" y="5753100"/>
-            <a:ext cx="447675" cy="0"/>
+          <a:xfrm flipV="1">
+            <a:off x="3387453" y="3619498"/>
+            <a:ext cx="822597" cy="2"/>
           </a:xfrm>
           <a:prstGeom prst="line">
             <a:avLst/>
@@ -10379,370 +12241,7 @@
             <a:solidFill>
               <a:srgbClr val="00B050"/>
             </a:solidFill>
-            <a:headEnd type="none"/>
-            <a:tailEnd type="triangle"/>
-          </a:ln>
-        </p:spPr>
-        <p:style>
-          <a:lnRef idx="1">
-            <a:schemeClr val="accent1"/>
-          </a:lnRef>
-          <a:fillRef idx="0">
-            <a:schemeClr val="accent1"/>
-          </a:fillRef>
-          <a:effectRef idx="0">
-            <a:schemeClr val="accent1"/>
-          </a:effectRef>
-          <a:fontRef idx="minor">
-            <a:schemeClr val="tx1"/>
-          </a:fontRef>
-        </p:style>
-      </p:cxnSp>
-      <p:cxnSp>
-        <p:nvCxnSpPr>
-          <p:cNvPr id="30" name="Straight Connector 29"/>
-          <p:cNvCxnSpPr/>
-          <p:nvPr/>
-        </p:nvCxnSpPr>
-        <p:spPr>
-          <a:xfrm>
-            <a:off x="4772025" y="5295902"/>
-            <a:ext cx="571500" cy="0"/>
-          </a:xfrm>
-          <a:prstGeom prst="line">
-            <a:avLst/>
-          </a:prstGeom>
-          <a:ln w="25400">
-            <a:solidFill>
-              <a:srgbClr val="FF0000"/>
-            </a:solidFill>
             <a:tailEnd type="none"/>
-          </a:ln>
-        </p:spPr>
-        <p:style>
-          <a:lnRef idx="1">
-            <a:schemeClr val="accent1"/>
-          </a:lnRef>
-          <a:fillRef idx="0">
-            <a:schemeClr val="accent1"/>
-          </a:fillRef>
-          <a:effectRef idx="0">
-            <a:schemeClr val="accent1"/>
-          </a:effectRef>
-          <a:fontRef idx="minor">
-            <a:schemeClr val="tx1"/>
-          </a:fontRef>
-        </p:style>
-      </p:cxnSp>
-      <p:cxnSp>
-        <p:nvCxnSpPr>
-          <p:cNvPr id="32" name="Straight Connector 31"/>
-          <p:cNvCxnSpPr/>
-          <p:nvPr/>
-        </p:nvCxnSpPr>
-        <p:spPr>
-          <a:xfrm>
-            <a:off x="5362575" y="5285385"/>
-            <a:ext cx="0" cy="1201140"/>
-          </a:xfrm>
-          <a:prstGeom prst="line">
-            <a:avLst/>
-          </a:prstGeom>
-          <a:ln w="25400">
-            <a:solidFill>
-              <a:srgbClr val="FF0000"/>
-            </a:solidFill>
-            <a:tailEnd type="none"/>
-          </a:ln>
-        </p:spPr>
-        <p:style>
-          <a:lnRef idx="1">
-            <a:schemeClr val="accent1"/>
-          </a:lnRef>
-          <a:fillRef idx="0">
-            <a:schemeClr val="accent1"/>
-          </a:fillRef>
-          <a:effectRef idx="0">
-            <a:schemeClr val="accent1"/>
-          </a:effectRef>
-          <a:fontRef idx="minor">
-            <a:schemeClr val="tx1"/>
-          </a:fontRef>
-        </p:style>
-      </p:cxnSp>
-      <p:cxnSp>
-        <p:nvCxnSpPr>
-          <p:cNvPr id="38" name="Straight Connector 37"/>
-          <p:cNvCxnSpPr/>
-          <p:nvPr/>
-        </p:nvCxnSpPr>
-        <p:spPr>
-          <a:xfrm>
-            <a:off x="5715000" y="4295775"/>
-            <a:ext cx="507457" cy="0"/>
-          </a:xfrm>
-          <a:prstGeom prst="line">
-            <a:avLst/>
-          </a:prstGeom>
-          <a:ln w="25400">
-            <a:solidFill>
-              <a:srgbClr val="FF0000"/>
-            </a:solidFill>
-            <a:tailEnd type="none"/>
-          </a:ln>
-        </p:spPr>
-        <p:style>
-          <a:lnRef idx="1">
-            <a:schemeClr val="accent1"/>
-          </a:lnRef>
-          <a:fillRef idx="0">
-            <a:schemeClr val="accent1"/>
-          </a:fillRef>
-          <a:effectRef idx="0">
-            <a:schemeClr val="accent1"/>
-          </a:effectRef>
-          <a:fontRef idx="minor">
-            <a:schemeClr val="tx1"/>
-          </a:fontRef>
-        </p:style>
-      </p:cxnSp>
-      <p:cxnSp>
-        <p:nvCxnSpPr>
-          <p:cNvPr id="39" name="Straight Connector 38"/>
-          <p:cNvCxnSpPr/>
-          <p:nvPr/>
-        </p:nvCxnSpPr>
-        <p:spPr>
-          <a:xfrm>
-            <a:off x="5724525" y="4295775"/>
-            <a:ext cx="0" cy="1819275"/>
-          </a:xfrm>
-          <a:prstGeom prst="line">
-            <a:avLst/>
-          </a:prstGeom>
-          <a:ln w="25400">
-            <a:solidFill>
-              <a:srgbClr val="FF0000"/>
-            </a:solidFill>
-            <a:tailEnd type="none"/>
-          </a:ln>
-        </p:spPr>
-        <p:style>
-          <a:lnRef idx="1">
-            <a:schemeClr val="accent1"/>
-          </a:lnRef>
-          <a:fillRef idx="0">
-            <a:schemeClr val="accent1"/>
-          </a:fillRef>
-          <a:effectRef idx="0">
-            <a:schemeClr val="accent1"/>
-          </a:effectRef>
-          <a:fontRef idx="minor">
-            <a:schemeClr val="tx1"/>
-          </a:fontRef>
-        </p:style>
-      </p:cxnSp>
-      <p:cxnSp>
-        <p:nvCxnSpPr>
-          <p:cNvPr id="42" name="Straight Connector 41"/>
-          <p:cNvCxnSpPr/>
-          <p:nvPr/>
-        </p:nvCxnSpPr>
-        <p:spPr>
-          <a:xfrm>
-            <a:off x="5095875" y="6486525"/>
-            <a:ext cx="609600" cy="0"/>
-          </a:xfrm>
-          <a:prstGeom prst="line">
-            <a:avLst/>
-          </a:prstGeom>
-          <a:ln w="25400">
-            <a:solidFill>
-              <a:srgbClr val="FF0000"/>
-            </a:solidFill>
-            <a:headEnd type="triangle"/>
-            <a:tailEnd type="none"/>
-          </a:ln>
-        </p:spPr>
-        <p:style>
-          <a:lnRef idx="1">
-            <a:schemeClr val="accent1"/>
-          </a:lnRef>
-          <a:fillRef idx="0">
-            <a:schemeClr val="accent1"/>
-          </a:fillRef>
-          <a:effectRef idx="0">
-            <a:schemeClr val="accent1"/>
-          </a:effectRef>
-          <a:fontRef idx="minor">
-            <a:schemeClr val="tx1"/>
-          </a:fontRef>
-        </p:style>
-      </p:cxnSp>
-      <p:cxnSp>
-        <p:nvCxnSpPr>
-          <p:cNvPr id="45" name="Straight Connector 44"/>
-          <p:cNvCxnSpPr/>
-          <p:nvPr/>
-        </p:nvCxnSpPr>
-        <p:spPr>
-          <a:xfrm>
-            <a:off x="5724525" y="9467852"/>
-            <a:ext cx="476250" cy="0"/>
-          </a:xfrm>
-          <a:prstGeom prst="line">
-            <a:avLst/>
-          </a:prstGeom>
-          <a:ln w="25400">
-            <a:solidFill>
-              <a:srgbClr val="FF0000"/>
-            </a:solidFill>
-            <a:tailEnd type="none"/>
-          </a:ln>
-        </p:spPr>
-        <p:style>
-          <a:lnRef idx="1">
-            <a:schemeClr val="accent1"/>
-          </a:lnRef>
-          <a:fillRef idx="0">
-            <a:schemeClr val="accent1"/>
-          </a:fillRef>
-          <a:effectRef idx="0">
-            <a:schemeClr val="accent1"/>
-          </a:effectRef>
-          <a:fontRef idx="minor">
-            <a:schemeClr val="tx1"/>
-          </a:fontRef>
-        </p:style>
-      </p:cxnSp>
-      <p:cxnSp>
-        <p:nvCxnSpPr>
-          <p:cNvPr id="46" name="Straight Connector 45"/>
-          <p:cNvCxnSpPr/>
-          <p:nvPr/>
-        </p:nvCxnSpPr>
-        <p:spPr>
-          <a:xfrm flipH="1">
-            <a:off x="5715000" y="6115050"/>
-            <a:ext cx="9525" cy="3352802"/>
-          </a:xfrm>
-          <a:prstGeom prst="line">
-            <a:avLst/>
-          </a:prstGeom>
-          <a:ln w="25400">
-            <a:solidFill>
-              <a:srgbClr val="FF0000"/>
-            </a:solidFill>
-            <a:tailEnd type="none"/>
-          </a:ln>
-        </p:spPr>
-        <p:style>
-          <a:lnRef idx="1">
-            <a:schemeClr val="accent1"/>
-          </a:lnRef>
-          <a:fillRef idx="0">
-            <a:schemeClr val="accent1"/>
-          </a:fillRef>
-          <a:effectRef idx="0">
-            <a:schemeClr val="accent1"/>
-          </a:effectRef>
-          <a:fontRef idx="minor">
-            <a:schemeClr val="tx1"/>
-          </a:fontRef>
-        </p:style>
-      </p:cxnSp>
-      <p:cxnSp>
-        <p:nvCxnSpPr>
-          <p:cNvPr id="49" name="Straight Connector 48"/>
-          <p:cNvCxnSpPr/>
-          <p:nvPr/>
-        </p:nvCxnSpPr>
-        <p:spPr>
-          <a:xfrm>
-            <a:off x="5848350" y="3362327"/>
-            <a:ext cx="695325" cy="0"/>
-          </a:xfrm>
-          <a:prstGeom prst="line">
-            <a:avLst/>
-          </a:prstGeom>
-          <a:ln w="25400">
-            <a:solidFill>
-              <a:srgbClr val="0070C0"/>
-            </a:solidFill>
-            <a:tailEnd type="none"/>
-          </a:ln>
-        </p:spPr>
-        <p:style>
-          <a:lnRef idx="1">
-            <a:schemeClr val="accent1"/>
-          </a:lnRef>
-          <a:fillRef idx="0">
-            <a:schemeClr val="accent1"/>
-          </a:fillRef>
-          <a:effectRef idx="0">
-            <a:schemeClr val="accent1"/>
-          </a:effectRef>
-          <a:fontRef idx="minor">
-            <a:schemeClr val="tx1"/>
-          </a:fontRef>
-        </p:style>
-      </p:cxnSp>
-      <p:cxnSp>
-        <p:nvCxnSpPr>
-          <p:cNvPr id="57" name="Straight Connector 56"/>
-          <p:cNvCxnSpPr/>
-          <p:nvPr/>
-        </p:nvCxnSpPr>
-        <p:spPr>
-          <a:xfrm flipV="1">
-            <a:off x="5848350" y="3362328"/>
-            <a:ext cx="0" cy="3857622"/>
-          </a:xfrm>
-          <a:prstGeom prst="line">
-            <a:avLst/>
-          </a:prstGeom>
-          <a:ln w="25400">
-            <a:solidFill>
-              <a:srgbClr val="0070C0"/>
-            </a:solidFill>
-            <a:tailEnd type="none"/>
-          </a:ln>
-        </p:spPr>
-        <p:style>
-          <a:lnRef idx="1">
-            <a:schemeClr val="accent1"/>
-          </a:lnRef>
-          <a:fillRef idx="0">
-            <a:schemeClr val="accent1"/>
-          </a:fillRef>
-          <a:effectRef idx="0">
-            <a:schemeClr val="accent1"/>
-          </a:effectRef>
-          <a:fontRef idx="minor">
-            <a:schemeClr val="tx1"/>
-          </a:fontRef>
-        </p:style>
-      </p:cxnSp>
-      <p:cxnSp>
-        <p:nvCxnSpPr>
-          <p:cNvPr id="60" name="Straight Connector 59"/>
-          <p:cNvCxnSpPr/>
-          <p:nvPr/>
-        </p:nvCxnSpPr>
-        <p:spPr>
-          <a:xfrm>
-            <a:off x="5855243" y="7219950"/>
-            <a:ext cx="355057" cy="0"/>
-          </a:xfrm>
-          <a:prstGeom prst="line">
-            <a:avLst/>
-          </a:prstGeom>
-          <a:ln w="25400">
-            <a:solidFill>
-              <a:srgbClr val="0070C0"/>
-            </a:solidFill>
-            <a:headEnd type="none"/>
-            <a:tailEnd type="triangle"/>
           </a:ln>
         </p:spPr>
         <p:style>
